--- a/Algo_Coding_Java/Presentations/Functions.pptx
+++ b/Algo_Coding_Java/Presentations/Functions.pptx
@@ -12,17 +12,21 @@
     <p:sldId id="276" r:id="rId6"/>
     <p:sldId id="279" r:id="rId7"/>
     <p:sldId id="275" r:id="rId8"/>
-    <p:sldId id="270" r:id="rId9"/>
-    <p:sldId id="288" r:id="rId10"/>
-    <p:sldId id="286" r:id="rId11"/>
-    <p:sldId id="289" r:id="rId12"/>
-    <p:sldId id="290" r:id="rId13"/>
-    <p:sldId id="291" r:id="rId14"/>
-    <p:sldId id="292" r:id="rId15"/>
-    <p:sldId id="271" r:id="rId16"/>
-    <p:sldId id="273" r:id="rId17"/>
-    <p:sldId id="274" r:id="rId18"/>
-    <p:sldId id="293" r:id="rId19"/>
+    <p:sldId id="296" r:id="rId9"/>
+    <p:sldId id="294" r:id="rId10"/>
+    <p:sldId id="295" r:id="rId11"/>
+    <p:sldId id="288" r:id="rId12"/>
+    <p:sldId id="286" r:id="rId13"/>
+    <p:sldId id="297" r:id="rId14"/>
+    <p:sldId id="290" r:id="rId15"/>
+    <p:sldId id="298" r:id="rId16"/>
+    <p:sldId id="289" r:id="rId17"/>
+    <p:sldId id="292" r:id="rId18"/>
+    <p:sldId id="299" r:id="rId19"/>
+    <p:sldId id="271" r:id="rId20"/>
+    <p:sldId id="273" r:id="rId21"/>
+    <p:sldId id="274" r:id="rId22"/>
+    <p:sldId id="293" r:id="rId23"/>
   </p:sldIdLst>
   <p:sldSz cx="12192000" cy="6858000"/>
   <p:notesSz cx="6858000" cy="9144000"/>
@@ -260,7 +264,7 @@
           <a:p>
             <a:fld id="{E1CEDC59-3853-4717-9AE1-3CCAC803990E}" type="datetimeFigureOut">
               <a:rPr lang="bg-BG" smtClean="0"/>
-              <a:t>26.11.2020 г.</a:t>
+              <a:t>28.11.2020 г.</a:t>
             </a:fld>
             <a:endParaRPr lang="bg-BG"/>
           </a:p>
@@ -433,7 +437,7 @@
           <a:p>
             <a:fld id="{E1CEDC59-3853-4717-9AE1-3CCAC803990E}" type="datetimeFigureOut">
               <a:rPr lang="bg-BG" smtClean="0"/>
-              <a:t>26.11.2020 г.</a:t>
+              <a:t>28.11.2020 г.</a:t>
             </a:fld>
             <a:endParaRPr lang="bg-BG"/>
           </a:p>
@@ -616,7 +620,7 @@
           <a:p>
             <a:fld id="{E1CEDC59-3853-4717-9AE1-3CCAC803990E}" type="datetimeFigureOut">
               <a:rPr lang="bg-BG" smtClean="0"/>
-              <a:t>26.11.2020 г.</a:t>
+              <a:t>28.11.2020 г.</a:t>
             </a:fld>
             <a:endParaRPr lang="bg-BG"/>
           </a:p>
@@ -789,7 +793,7 @@
           <a:p>
             <a:fld id="{E1CEDC59-3853-4717-9AE1-3CCAC803990E}" type="datetimeFigureOut">
               <a:rPr lang="bg-BG" smtClean="0"/>
-              <a:t>26.11.2020 г.</a:t>
+              <a:t>28.11.2020 г.</a:t>
             </a:fld>
             <a:endParaRPr lang="bg-BG"/>
           </a:p>
@@ -1038,7 +1042,7 @@
           <a:p>
             <a:fld id="{E1CEDC59-3853-4717-9AE1-3CCAC803990E}" type="datetimeFigureOut">
               <a:rPr lang="bg-BG" smtClean="0"/>
-              <a:t>26.11.2020 г.</a:t>
+              <a:t>28.11.2020 г.</a:t>
             </a:fld>
             <a:endParaRPr lang="bg-BG"/>
           </a:p>
@@ -1273,7 +1277,7 @@
           <a:p>
             <a:fld id="{E1CEDC59-3853-4717-9AE1-3CCAC803990E}" type="datetimeFigureOut">
               <a:rPr lang="bg-BG" smtClean="0"/>
-              <a:t>26.11.2020 г.</a:t>
+              <a:t>28.11.2020 г.</a:t>
             </a:fld>
             <a:endParaRPr lang="bg-BG"/>
           </a:p>
@@ -1643,7 +1647,7 @@
           <a:p>
             <a:fld id="{E1CEDC59-3853-4717-9AE1-3CCAC803990E}" type="datetimeFigureOut">
               <a:rPr lang="bg-BG" smtClean="0"/>
-              <a:t>26.11.2020 г.</a:t>
+              <a:t>28.11.2020 г.</a:t>
             </a:fld>
             <a:endParaRPr lang="bg-BG"/>
           </a:p>
@@ -1764,7 +1768,7 @@
           <a:p>
             <a:fld id="{E1CEDC59-3853-4717-9AE1-3CCAC803990E}" type="datetimeFigureOut">
               <a:rPr lang="bg-BG" smtClean="0"/>
-              <a:t>26.11.2020 г.</a:t>
+              <a:t>28.11.2020 г.</a:t>
             </a:fld>
             <a:endParaRPr lang="bg-BG"/>
           </a:p>
@@ -1862,7 +1866,7 @@
           <a:p>
             <a:fld id="{E1CEDC59-3853-4717-9AE1-3CCAC803990E}" type="datetimeFigureOut">
               <a:rPr lang="bg-BG" smtClean="0"/>
-              <a:t>26.11.2020 г.</a:t>
+              <a:t>28.11.2020 г.</a:t>
             </a:fld>
             <a:endParaRPr lang="bg-BG"/>
           </a:p>
@@ -2142,7 +2146,7 @@
           <a:p>
             <a:fld id="{E1CEDC59-3853-4717-9AE1-3CCAC803990E}" type="datetimeFigureOut">
               <a:rPr lang="bg-BG" smtClean="0"/>
-              <a:t>26.11.2020 г.</a:t>
+              <a:t>28.11.2020 г.</a:t>
             </a:fld>
             <a:endParaRPr lang="bg-BG"/>
           </a:p>
@@ -2398,7 +2402,7 @@
           <a:p>
             <a:fld id="{E1CEDC59-3853-4717-9AE1-3CCAC803990E}" type="datetimeFigureOut">
               <a:rPr lang="bg-BG" smtClean="0"/>
-              <a:t>26.11.2020 г.</a:t>
+              <a:t>28.11.2020 г.</a:t>
             </a:fld>
             <a:endParaRPr lang="bg-BG"/>
           </a:p>
@@ -2623,7 +2627,7 @@
           <a:p>
             <a:fld id="{E1CEDC59-3853-4717-9AE1-3CCAC803990E}" type="datetimeFigureOut">
               <a:rPr lang="bg-BG" smtClean="0"/>
-              <a:t>26.11.2020 г.</a:t>
+              <a:t>28.11.2020 г.</a:t>
             </a:fld>
             <a:endParaRPr lang="bg-BG"/>
           </a:p>
@@ -3150,7 +3154,7 @@
     </p:spTree>
     <p:extLst>
       <p:ext uri="{BB962C8B-B14F-4D97-AF65-F5344CB8AC3E}">
-        <p14:creationId xmlns:p14="http://schemas.microsoft.com/office/powerpoint/2010/main" val="2572167408"/>
+        <p14:creationId xmlns:p14="http://schemas.microsoft.com/office/powerpoint/2010/main" val="1429989996"/>
       </p:ext>
     </p:extLst>
   </p:cSld>
@@ -3322,8 +3326,8 @@
           <a:lstStyle/>
           <a:p>
             <a:r>
-              <a:rPr lang="bg-BG" dirty="0" smtClean="0"/>
-              <a:t>Сложност на алгоритмите</a:t>
+              <a:rPr lang="en-US" dirty="0" smtClean="0"/>
+              <a:t>Return</a:t>
             </a:r>
             <a:endParaRPr lang="bg-BG" dirty="0"/>
           </a:p>
@@ -3341,8 +3345,8 @@
         </p:nvSpPr>
         <p:spPr>
           <a:xfrm>
-            <a:off x="2310848" y="1481068"/>
-            <a:ext cx="9616109" cy="4351338"/>
+            <a:off x="2324100" y="1414813"/>
+            <a:ext cx="9682370" cy="4351338"/>
           </a:xfrm>
         </p:spPr>
         <p:txBody>
@@ -3353,20 +3357,72 @@
               <a:buNone/>
             </a:pPr>
             <a:r>
-              <a:rPr lang="bg-BG" b="1" i="1" dirty="0" smtClean="0"/>
-              <a:t>Сложност – Съотношението на броя стъпки, които програмата изпълнява и входните параметри. Отбелязва се с </a:t>
-            </a:r>
-            <a:r>
-              <a:rPr lang="de-DE" b="1" i="1" dirty="0" smtClean="0"/>
-              <a:t>O</a:t>
-            </a:r>
-            <a:endParaRPr lang="bg-BG" b="1" i="1" dirty="0" smtClean="0"/>
-          </a:p>
-          <a:p>
-            <a:pPr algn="just"/>
-            <a:r>
               <a:rPr lang="bg-BG" dirty="0" smtClean="0"/>
-              <a:t>Линейна сложност</a:t>
+              <a:t>Ако имаме </a:t>
+            </a:r>
+            <a:r>
+              <a:rPr lang="de-DE" b="1" dirty="0" smtClean="0">
+                <a:solidFill>
+                  <a:srgbClr val="0070C0"/>
+                </a:solidFill>
+              </a:rPr>
+              <a:t>return</a:t>
+            </a:r>
+            <a:r>
+              <a:rPr lang="de-DE" dirty="0" smtClean="0">
+                <a:solidFill>
+                  <a:srgbClr val="0070C0"/>
+                </a:solidFill>
+              </a:rPr>
+              <a:t> </a:t>
+            </a:r>
+            <a:r>
+              <a:rPr lang="de-DE" i="1" dirty="0" smtClean="0"/>
+              <a:t>value</a:t>
+            </a:r>
+            <a:r>
+              <a:rPr lang="bg-BG" dirty="0"/>
+              <a:t> </a:t>
+            </a:r>
+            <a:r>
+              <a:rPr lang="bg-BG" dirty="0" smtClean="0"/>
+              <a:t>във функция, то стойността на </a:t>
+            </a:r>
+            <a:r>
+              <a:rPr lang="de-DE" i="1" dirty="0" smtClean="0"/>
+              <a:t>method</a:t>
+            </a:r>
+            <a:r>
+              <a:rPr lang="en-US" i="1" dirty="0" smtClean="0">
+                <a:solidFill>
+                  <a:srgbClr val="FF0000"/>
+                </a:solidFill>
+              </a:rPr>
+              <a:t>()</a:t>
+            </a:r>
+            <a:r>
+              <a:rPr lang="bg-BG" i="1" dirty="0" smtClean="0"/>
+              <a:t> </a:t>
+            </a:r>
+            <a:r>
+              <a:rPr lang="bg-BG" dirty="0" smtClean="0"/>
+              <a:t>е равна на</a:t>
+            </a:r>
+            <a:r>
+              <a:rPr lang="bg-BG" i="1" dirty="0" smtClean="0"/>
+              <a:t> </a:t>
+            </a:r>
+            <a:r>
+              <a:rPr lang="en-US" i="1" dirty="0" smtClean="0"/>
+              <a:t>value. </a:t>
+            </a:r>
+            <a:r>
+              <a:rPr lang="bg-BG" dirty="0" smtClean="0"/>
+              <a:t>Трябва на мястото на </a:t>
+            </a:r>
+            <a:r>
+              <a:rPr lang="de-DE" dirty="0" smtClean="0"/>
+              <a:t>void</a:t>
             </a:r>
             <a:r>
               <a:rPr lang="en-US" dirty="0" smtClean="0"/>
@@ -3374,286 +3430,384 @@
             </a:r>
             <a:r>
               <a:rPr lang="bg-BG" dirty="0" smtClean="0"/>
-              <a:t>–</a:t>
-            </a:r>
-            <a:r>
-              <a:rPr lang="en-US" dirty="0" smtClean="0"/>
-              <a:t> </a:t>
-            </a:r>
-            <a:r>
-              <a:rPr lang="bg-BG" dirty="0" smtClean="0"/>
-              <a:t>Въведено е </a:t>
-            </a:r>
-            <a:r>
-              <a:rPr lang="en-US" dirty="0" smtClean="0"/>
-              <a:t>N</a:t>
-            </a:r>
-            <a:r>
-              <a:rPr lang="bg-BG" dirty="0" smtClean="0"/>
-              <a:t>. Правим </a:t>
-            </a:r>
-            <a:r>
-              <a:rPr lang="en-US" dirty="0" smtClean="0"/>
-              <a:t>N </a:t>
-            </a:r>
-            <a:r>
-              <a:rPr lang="bg-BG" dirty="0" smtClean="0"/>
-              <a:t>стъпки.</a:t>
-            </a:r>
-          </a:p>
-          <a:p>
-            <a:pPr algn="just"/>
-            <a:r>
-              <a:rPr lang="bg-BG" dirty="0" smtClean="0"/>
-              <a:t>Квадратна сложност –</a:t>
-            </a:r>
-            <a:r>
-              <a:rPr lang="en-US" dirty="0" smtClean="0"/>
-              <a:t> </a:t>
-            </a:r>
-            <a:r>
-              <a:rPr lang="bg-BG" dirty="0" smtClean="0"/>
-              <a:t>Въведено е </a:t>
-            </a:r>
-            <a:r>
-              <a:rPr lang="en-US" dirty="0" smtClean="0"/>
-              <a:t>N</a:t>
-            </a:r>
-            <a:r>
-              <a:rPr lang="bg-BG" dirty="0" smtClean="0"/>
-              <a:t>. Правим </a:t>
-            </a:r>
-            <a:r>
-              <a:rPr lang="en-US" dirty="0" smtClean="0"/>
-              <a:t>N*N </a:t>
-            </a:r>
-            <a:r>
-              <a:rPr lang="bg-BG" dirty="0" smtClean="0"/>
-              <a:t>стъпки.</a:t>
-            </a:r>
-          </a:p>
-          <a:p>
-            <a:pPr algn="just"/>
-            <a:r>
-              <a:rPr lang="bg-BG" dirty="0" smtClean="0"/>
-              <a:t>Логаритмична сложност –</a:t>
-            </a:r>
-            <a:r>
-              <a:rPr lang="en-US" dirty="0" smtClean="0"/>
-              <a:t> </a:t>
-            </a:r>
-            <a:r>
-              <a:rPr lang="bg-BG" dirty="0" smtClean="0"/>
-              <a:t>Въведено е </a:t>
-            </a:r>
-            <a:r>
-              <a:rPr lang="en-US" dirty="0" smtClean="0"/>
-              <a:t>N</a:t>
-            </a:r>
-            <a:r>
-              <a:rPr lang="bg-BG" dirty="0" smtClean="0"/>
-              <a:t>. Правим </a:t>
-            </a:r>
-            <a:r>
-              <a:rPr lang="en-US" dirty="0" smtClean="0"/>
-              <a:t>log2(N) </a:t>
-            </a:r>
-            <a:r>
-              <a:rPr lang="bg-BG" dirty="0" smtClean="0"/>
-              <a:t>стъпки.</a:t>
-            </a:r>
-          </a:p>
-        </p:txBody>
-      </p:sp>
-    </p:spTree>
-    <p:extLst>
-      <p:ext uri="{BB962C8B-B14F-4D97-AF65-F5344CB8AC3E}">
-        <p14:creationId xmlns:p14="http://schemas.microsoft.com/office/powerpoint/2010/main" val="1857856069"/>
-      </p:ext>
-    </p:extLst>
-  </p:cSld>
-  <p:clrMapOvr>
-    <a:masterClrMapping/>
-  </p:clrMapOvr>
-  <mc:AlternateContent xmlns:mc="http://schemas.openxmlformats.org/markup-compatibility/2006">
-    <mc:Choice xmlns:p14="http://schemas.microsoft.com/office/powerpoint/2010/main" Requires="p14">
-      <p:transition spd="slow" p14:dur="3000">
-        <p14:shred/>
-      </p:transition>
-    </mc:Choice>
-    <mc:Fallback>
-      <p:transition spd="slow">
-        <p:fade/>
-      </p:transition>
-    </mc:Fallback>
-  </mc:AlternateContent>
-  <p:timing>
-    <p:tnLst>
-      <p:par>
-        <p:cTn id="1" dur="indefinite" restart="never" nodeType="tmRoot"/>
-      </p:par>
-    </p:tnLst>
-  </p:timing>
-</p:sld>
-</file>
-
-<file path=ppt/slides/slide12.xml><?xml version="1.0" encoding="utf-8"?>
-<p:sld xmlns:a="http://schemas.openxmlformats.org/drawingml/2006/main" xmlns:r="http://schemas.openxmlformats.org/officeDocument/2006/relationships" xmlns:p="http://schemas.openxmlformats.org/presentationml/2006/main">
-  <p:cSld>
-    <p:spTree>
-      <p:nvGrpSpPr>
-        <p:cNvPr id="1" name=""/>
-        <p:cNvGrpSpPr/>
-        <p:nvPr/>
-      </p:nvGrpSpPr>
-      <p:grpSpPr>
-        <a:xfrm>
-          <a:off x="0" y="0"/>
-          <a:ext cx="0" cy="0"/>
-          <a:chOff x="0" y="0"/>
-          <a:chExt cx="0" cy="0"/>
-        </a:xfrm>
-      </p:grpSpPr>
-      <p:sp>
-        <p:nvSpPr>
-          <p:cNvPr id="2" name="Title 1"/>
-          <p:cNvSpPr>
-            <a:spLocks noGrp="1"/>
-          </p:cNvSpPr>
-          <p:nvPr>
-            <p:ph type="title"/>
-          </p:nvPr>
-        </p:nvSpPr>
-        <p:spPr/>
-        <p:txBody>
-          <a:bodyPr/>
-          <a:lstStyle/>
-          <a:p>
-            <a:r>
-              <a:rPr lang="bg-BG" dirty="0" smtClean="0"/>
-              <a:t>Редица </a:t>
-            </a:r>
-            <a:r>
-              <a:rPr lang="bg-BG" dirty="0" err="1" smtClean="0"/>
-              <a:t>Факториели</a:t>
-            </a:r>
-            <a:endParaRPr lang="bg-BG" dirty="0"/>
-          </a:p>
-        </p:txBody>
-      </p:sp>
-      <p:sp>
-        <p:nvSpPr>
-          <p:cNvPr id="3" name="Content Placeholder 2"/>
-          <p:cNvSpPr>
-            <a:spLocks noGrp="1"/>
-          </p:cNvSpPr>
-          <p:nvPr>
-            <p:ph idx="1"/>
-          </p:nvPr>
+              <a:t>да пише типът, в който е запазен </a:t>
+            </a:r>
+            <a:r>
+              <a:rPr lang="en-US" i="1" dirty="0" smtClean="0"/>
+              <a:t>value</a:t>
+            </a:r>
+            <a:endParaRPr lang="bg-BG" i="1" dirty="0"/>
+          </a:p>
+        </p:txBody>
+      </p:sp>
+      <p:sp>
+        <p:nvSpPr>
+          <p:cNvPr id="4" name="TextBox 3"/>
+          <p:cNvSpPr txBox="1"/>
+          <p:nvPr/>
         </p:nvSpPr>
         <p:spPr>
           <a:xfrm>
-            <a:off x="2324100" y="1534081"/>
-            <a:ext cx="9602857" cy="4351338"/>
-          </a:xfrm>
-        </p:spPr>
-        <p:txBody>
-          <a:bodyPr/>
-          <a:lstStyle/>
-          <a:p>
-            <a:pPr marL="0" indent="0" algn="just">
-              <a:buNone/>
-            </a:pPr>
-            <a:r>
-              <a:rPr lang="bg-BG" dirty="0" err="1" smtClean="0"/>
-              <a:t>Факториел</a:t>
-            </a:r>
-            <a:r>
-              <a:rPr lang="bg-BG" dirty="0" smtClean="0"/>
-              <a:t> на дадено число е произведението на всички по-малки или равни на това число числа. Образуваме редица от </a:t>
-            </a:r>
-            <a:r>
-              <a:rPr lang="bg-BG" dirty="0" err="1" smtClean="0"/>
-              <a:t>факториели</a:t>
-            </a:r>
-            <a:r>
-              <a:rPr lang="bg-BG" dirty="0" smtClean="0"/>
-              <a:t> – всеки член на редицата е равен на </a:t>
-            </a:r>
-            <a:r>
-              <a:rPr lang="bg-BG" dirty="0" err="1" smtClean="0"/>
-              <a:t>факториел</a:t>
-            </a:r>
-            <a:r>
-              <a:rPr lang="bg-BG" dirty="0" smtClean="0"/>
-              <a:t> от поредния си номер. Изведете първите </a:t>
-            </a:r>
-            <a:r>
-              <a:rPr lang="de-DE" dirty="0" smtClean="0"/>
-              <a:t>n </a:t>
-            </a:r>
-            <a:r>
-              <a:rPr lang="bg-BG" dirty="0" smtClean="0"/>
-              <a:t>члена на редицата.</a:t>
-            </a:r>
-            <a:endParaRPr lang="bg-BG" dirty="0"/>
-          </a:p>
-        </p:txBody>
-      </p:sp>
-      <p:pic>
-        <p:nvPicPr>
-          <p:cNvPr id="2050" name="Picture 2" descr="Factorial, factorial sign, math, mathematics, x factorial icon - Free  download"/>
-          <p:cNvPicPr>
-            <a:picLocks noChangeAspect="1" noChangeArrowheads="1"/>
-          </p:cNvPicPr>
-          <p:nvPr/>
-        </p:nvPicPr>
-        <p:blipFill>
-          <a:blip r:embed="rId2" cstate="print">
-            <a:extLst>
-              <a:ext uri="{28A0092B-C50C-407E-A947-70E740481C1C}">
-                <a14:useLocalDpi xmlns:a14="http://schemas.microsoft.com/office/drawing/2010/main" val="0"/>
-              </a:ext>
-            </a:extLst>
-          </a:blip>
-          <a:srcRect/>
-          <a:stretch>
-            <a:fillRect/>
-          </a:stretch>
-        </p:blipFill>
-        <p:spPr bwMode="auto">
-          <a:xfrm rot="20890124">
-            <a:off x="9356207" y="4335897"/>
-            <a:ext cx="1732411" cy="1732412"/>
+            <a:off x="2314574" y="3208395"/>
+            <a:ext cx="9581251" cy="2677656"/>
           </a:xfrm>
           <a:prstGeom prst="rect">
             <a:avLst/>
           </a:prstGeom>
+          <a:solidFill>
+            <a:schemeClr val="bg1">
+              <a:lumMod val="95000"/>
+            </a:schemeClr>
+          </a:solidFill>
           <a:ln>
-            <a:noFill/>
+            <a:solidFill>
+              <a:schemeClr val="tx1"/>
+            </a:solidFill>
           </a:ln>
-          <a:effectLst>
-            <a:outerShdw blurRad="292100" dist="139700" dir="2700000" algn="tl" rotWithShape="0">
-              <a:srgbClr val="333333">
-                <a:alpha val="65000"/>
-              </a:srgbClr>
-            </a:outerShdw>
-          </a:effectLst>
-          <a:extLst>
-            <a:ext uri="{909E8E84-426E-40DD-AFC4-6F175D3DCCD1}">
-              <a14:hiddenFill xmlns:a14="http://schemas.microsoft.com/office/drawing/2010/main">
-                <a:solidFill>
-                  <a:srgbClr val="FFFFFF"/>
-                </a:solidFill>
-              </a14:hiddenFill>
-            </a:ext>
-          </a:extLst>
         </p:spPr>
-      </p:pic>
+        <p:txBody>
+          <a:bodyPr wrap="square" rtlCol="0">
+            <a:spAutoFit/>
+          </a:bodyPr>
+          <a:lstStyle/>
+          <a:p>
+            <a:r>
+              <a:rPr lang="de-DE" sz="2400" b="1" dirty="0" smtClean="0">
+                <a:solidFill>
+                  <a:srgbClr val="0070C0"/>
+                </a:solidFill>
+                <a:latin typeface="Courier New" panose="02070309020205020404" pitchFamily="49" charset="0"/>
+                <a:cs typeface="Courier New" panose="02070309020205020404" pitchFamily="49" charset="0"/>
+              </a:rPr>
+              <a:t>int</a:t>
+            </a:r>
+            <a:r>
+              <a:rPr lang="de-DE" sz="2400" dirty="0" smtClean="0">
+                <a:solidFill>
+                  <a:srgbClr val="0070C0"/>
+                </a:solidFill>
+                <a:latin typeface="Courier New" panose="02070309020205020404" pitchFamily="49" charset="0"/>
+                <a:cs typeface="Courier New" panose="02070309020205020404" pitchFamily="49" charset="0"/>
+              </a:rPr>
+              <a:t> </a:t>
+            </a:r>
+            <a:r>
+              <a:rPr lang="de-DE" sz="2400" dirty="0" smtClean="0">
+                <a:latin typeface="Courier New" panose="02070309020205020404" pitchFamily="49" charset="0"/>
+                <a:cs typeface="Courier New" panose="02070309020205020404" pitchFamily="49" charset="0"/>
+              </a:rPr>
+              <a:t>method </a:t>
+            </a:r>
+            <a:r>
+              <a:rPr lang="en-US" sz="2400" dirty="0" smtClean="0">
+                <a:solidFill>
+                  <a:srgbClr val="FF0000"/>
+                </a:solidFill>
+                <a:latin typeface="Courier New" panose="02070309020205020404" pitchFamily="49" charset="0"/>
+                <a:cs typeface="Courier New" panose="02070309020205020404" pitchFamily="49" charset="0"/>
+              </a:rPr>
+              <a:t>(){</a:t>
+            </a:r>
+          </a:p>
+          <a:p>
+            <a:r>
+              <a:rPr lang="en-US" sz="2400" dirty="0" smtClean="0">
+                <a:latin typeface="Courier New" panose="02070309020205020404" pitchFamily="49" charset="0"/>
+                <a:cs typeface="Courier New" panose="02070309020205020404" pitchFamily="49" charset="0"/>
+              </a:rPr>
+              <a:t>	</a:t>
+            </a:r>
+            <a:r>
+              <a:rPr lang="de-DE" sz="2400" b="1" dirty="0" smtClean="0">
+                <a:solidFill>
+                  <a:srgbClr val="0070C0"/>
+                </a:solidFill>
+                <a:latin typeface="Courier New" panose="02070309020205020404" pitchFamily="49" charset="0"/>
+                <a:cs typeface="Courier New" panose="02070309020205020404" pitchFamily="49" charset="0"/>
+              </a:rPr>
+              <a:t>return</a:t>
+            </a:r>
+            <a:r>
+              <a:rPr lang="de-DE" sz="2400" b="1" dirty="0" smtClean="0">
+                <a:latin typeface="Courier New" panose="02070309020205020404" pitchFamily="49" charset="0"/>
+                <a:cs typeface="Courier New" panose="02070309020205020404" pitchFamily="49" charset="0"/>
+              </a:rPr>
+              <a:t> </a:t>
+            </a:r>
+            <a:r>
+              <a:rPr lang="de-DE" sz="2400" dirty="0" smtClean="0">
+                <a:latin typeface="Courier New" panose="02070309020205020404" pitchFamily="49" charset="0"/>
+                <a:cs typeface="Courier New" panose="02070309020205020404" pitchFamily="49" charset="0"/>
+              </a:rPr>
+              <a:t>10</a:t>
+            </a:r>
+            <a:r>
+              <a:rPr lang="en-US" sz="2400" dirty="0" smtClean="0">
+                <a:solidFill>
+                  <a:srgbClr val="FF0000"/>
+                </a:solidFill>
+                <a:latin typeface="Courier New" panose="02070309020205020404" pitchFamily="49" charset="0"/>
+                <a:cs typeface="Courier New" panose="02070309020205020404" pitchFamily="49" charset="0"/>
+              </a:rPr>
+              <a:t>;</a:t>
+            </a:r>
+          </a:p>
+          <a:p>
+            <a:r>
+              <a:rPr lang="en-US" sz="2400" dirty="0" smtClean="0">
+                <a:solidFill>
+                  <a:srgbClr val="FF0000"/>
+                </a:solidFill>
+                <a:latin typeface="Courier New" panose="02070309020205020404" pitchFamily="49" charset="0"/>
+                <a:cs typeface="Courier New" panose="02070309020205020404" pitchFamily="49" charset="0"/>
+              </a:rPr>
+              <a:t>}</a:t>
+            </a:r>
+          </a:p>
+          <a:p>
+            <a:endParaRPr lang="en-US" sz="2400" dirty="0" smtClean="0">
+              <a:latin typeface="Courier New" panose="02070309020205020404" pitchFamily="49" charset="0"/>
+              <a:cs typeface="Courier New" panose="02070309020205020404" pitchFamily="49" charset="0"/>
+            </a:endParaRPr>
+          </a:p>
+          <a:p>
+            <a:r>
+              <a:rPr lang="en-US" sz="2400" b="1" dirty="0" smtClean="0">
+                <a:solidFill>
+                  <a:srgbClr val="0070C0"/>
+                </a:solidFill>
+                <a:latin typeface="Courier New" panose="02070309020205020404" pitchFamily="49" charset="0"/>
+                <a:cs typeface="Courier New" panose="02070309020205020404" pitchFamily="49" charset="0"/>
+              </a:rPr>
+              <a:t>public</a:t>
+            </a:r>
+            <a:r>
+              <a:rPr lang="en-US" sz="2400" dirty="0" smtClean="0">
+                <a:solidFill>
+                  <a:srgbClr val="0070C0"/>
+                </a:solidFill>
+                <a:latin typeface="Courier New" panose="02070309020205020404" pitchFamily="49" charset="0"/>
+                <a:cs typeface="Courier New" panose="02070309020205020404" pitchFamily="49" charset="0"/>
+              </a:rPr>
+              <a:t> </a:t>
+            </a:r>
+            <a:r>
+              <a:rPr lang="en-US" sz="2400" b="1" dirty="0" smtClean="0">
+                <a:solidFill>
+                  <a:srgbClr val="0070C0"/>
+                </a:solidFill>
+                <a:latin typeface="Courier New" panose="02070309020205020404" pitchFamily="49" charset="0"/>
+                <a:cs typeface="Courier New" panose="02070309020205020404" pitchFamily="49" charset="0"/>
+              </a:rPr>
+              <a:t>static</a:t>
+            </a:r>
+            <a:r>
+              <a:rPr lang="en-US" sz="2400" dirty="0" smtClean="0">
+                <a:solidFill>
+                  <a:srgbClr val="0070C0"/>
+                </a:solidFill>
+                <a:latin typeface="Courier New" panose="02070309020205020404" pitchFamily="49" charset="0"/>
+                <a:cs typeface="Courier New" panose="02070309020205020404" pitchFamily="49" charset="0"/>
+              </a:rPr>
+              <a:t> </a:t>
+            </a:r>
+            <a:r>
+              <a:rPr lang="en-US" sz="2400" b="1" dirty="0" smtClean="0">
+                <a:solidFill>
+                  <a:srgbClr val="0070C0"/>
+                </a:solidFill>
+                <a:latin typeface="Courier New" panose="02070309020205020404" pitchFamily="49" charset="0"/>
+                <a:cs typeface="Courier New" panose="02070309020205020404" pitchFamily="49" charset="0"/>
+              </a:rPr>
+              <a:t>void</a:t>
+            </a:r>
+            <a:r>
+              <a:rPr lang="en-US" sz="2400" dirty="0" smtClean="0">
+                <a:solidFill>
+                  <a:srgbClr val="0070C0"/>
+                </a:solidFill>
+                <a:latin typeface="Courier New" panose="02070309020205020404" pitchFamily="49" charset="0"/>
+                <a:cs typeface="Courier New" panose="02070309020205020404" pitchFamily="49" charset="0"/>
+              </a:rPr>
+              <a:t> </a:t>
+            </a:r>
+            <a:r>
+              <a:rPr lang="en-US" sz="2400" dirty="0" smtClean="0">
+                <a:latin typeface="Courier New" panose="02070309020205020404" pitchFamily="49" charset="0"/>
+                <a:cs typeface="Courier New" panose="02070309020205020404" pitchFamily="49" charset="0"/>
+              </a:rPr>
+              <a:t>main</a:t>
+            </a:r>
+            <a:r>
+              <a:rPr lang="en-US" sz="2400" dirty="0" smtClean="0">
+                <a:solidFill>
+                  <a:srgbClr val="FF0000"/>
+                </a:solidFill>
+                <a:latin typeface="Courier New" panose="02070309020205020404" pitchFamily="49" charset="0"/>
+                <a:cs typeface="Courier New" panose="02070309020205020404" pitchFamily="49" charset="0"/>
+              </a:rPr>
+              <a:t>(</a:t>
+            </a:r>
+            <a:r>
+              <a:rPr lang="en-US" sz="2400" b="1" dirty="0" smtClean="0">
+                <a:latin typeface="Courier New" panose="02070309020205020404" pitchFamily="49" charset="0"/>
+                <a:cs typeface="Courier New" panose="02070309020205020404" pitchFamily="49" charset="0"/>
+              </a:rPr>
+              <a:t>String</a:t>
+            </a:r>
+            <a:r>
+              <a:rPr lang="en-US" sz="2400" dirty="0" smtClean="0">
+                <a:solidFill>
+                  <a:srgbClr val="FF0000"/>
+                </a:solidFill>
+                <a:latin typeface="Courier New" panose="02070309020205020404" pitchFamily="49" charset="0"/>
+                <a:cs typeface="Courier New" panose="02070309020205020404" pitchFamily="49" charset="0"/>
+              </a:rPr>
+              <a:t>[]</a:t>
+            </a:r>
+            <a:r>
+              <a:rPr lang="en-US" sz="2400" dirty="0" smtClean="0">
+                <a:latin typeface="Courier New" panose="02070309020205020404" pitchFamily="49" charset="0"/>
+                <a:cs typeface="Courier New" panose="02070309020205020404" pitchFamily="49" charset="0"/>
+              </a:rPr>
+              <a:t> </a:t>
+            </a:r>
+            <a:r>
+              <a:rPr lang="en-US" sz="2400" dirty="0" err="1" smtClean="0">
+                <a:latin typeface="Courier New" panose="02070309020205020404" pitchFamily="49" charset="0"/>
+                <a:cs typeface="Courier New" panose="02070309020205020404" pitchFamily="49" charset="0"/>
+              </a:rPr>
+              <a:t>args</a:t>
+            </a:r>
+            <a:r>
+              <a:rPr lang="en-US" sz="2400" dirty="0" smtClean="0">
+                <a:solidFill>
+                  <a:srgbClr val="FF0000"/>
+                </a:solidFill>
+                <a:latin typeface="Courier New" panose="02070309020205020404" pitchFamily="49" charset="0"/>
+                <a:cs typeface="Courier New" panose="02070309020205020404" pitchFamily="49" charset="0"/>
+              </a:rPr>
+              <a:t>) {</a:t>
+            </a:r>
+          </a:p>
+          <a:p>
+            <a:r>
+              <a:rPr lang="en-US" sz="2400" dirty="0" smtClean="0">
+                <a:latin typeface="Courier New" panose="02070309020205020404" pitchFamily="49" charset="0"/>
+                <a:cs typeface="Courier New" panose="02070309020205020404" pitchFamily="49" charset="0"/>
+              </a:rPr>
+              <a:t>	</a:t>
+            </a:r>
+            <a:r>
+              <a:rPr lang="en-US" sz="2400" b="1" dirty="0" err="1" smtClean="0">
+                <a:solidFill>
+                  <a:srgbClr val="0070C0"/>
+                </a:solidFill>
+                <a:latin typeface="Courier New" panose="02070309020205020404" pitchFamily="49" charset="0"/>
+                <a:cs typeface="Courier New" panose="02070309020205020404" pitchFamily="49" charset="0"/>
+              </a:rPr>
+              <a:t>int</a:t>
+            </a:r>
+            <a:r>
+              <a:rPr lang="en-US" sz="2400" dirty="0" smtClean="0">
+                <a:solidFill>
+                  <a:srgbClr val="0070C0"/>
+                </a:solidFill>
+                <a:latin typeface="Courier New" panose="02070309020205020404" pitchFamily="49" charset="0"/>
+                <a:cs typeface="Courier New" panose="02070309020205020404" pitchFamily="49" charset="0"/>
+              </a:rPr>
+              <a:t> </a:t>
+            </a:r>
+            <a:r>
+              <a:rPr lang="en-US" sz="2400" dirty="0" smtClean="0">
+                <a:latin typeface="Courier New" panose="02070309020205020404" pitchFamily="49" charset="0"/>
+                <a:cs typeface="Courier New" panose="02070309020205020404" pitchFamily="49" charset="0"/>
+              </a:rPr>
+              <a:t>a </a:t>
+            </a:r>
+            <a:r>
+              <a:rPr lang="en-US" sz="2400" dirty="0" smtClean="0">
+                <a:solidFill>
+                  <a:srgbClr val="FF0000"/>
+                </a:solidFill>
+                <a:latin typeface="Courier New" panose="02070309020205020404" pitchFamily="49" charset="0"/>
+                <a:cs typeface="Courier New" panose="02070309020205020404" pitchFamily="49" charset="0"/>
+              </a:rPr>
+              <a:t>=</a:t>
+            </a:r>
+            <a:r>
+              <a:rPr lang="en-US" sz="2400" dirty="0" smtClean="0">
+                <a:latin typeface="Courier New" panose="02070309020205020404" pitchFamily="49" charset="0"/>
+                <a:cs typeface="Courier New" panose="02070309020205020404" pitchFamily="49" charset="0"/>
+              </a:rPr>
+              <a:t> method</a:t>
+            </a:r>
+            <a:r>
+              <a:rPr lang="en-US" sz="2400" dirty="0" smtClean="0">
+                <a:solidFill>
+                  <a:srgbClr val="FF0000"/>
+                </a:solidFill>
+                <a:latin typeface="Courier New" panose="02070309020205020404" pitchFamily="49" charset="0"/>
+                <a:cs typeface="Courier New" panose="02070309020205020404" pitchFamily="49" charset="0"/>
+              </a:rPr>
+              <a:t>()</a:t>
+            </a:r>
+            <a:r>
+              <a:rPr lang="en-US" sz="2400" b="1" dirty="0" smtClean="0">
+                <a:solidFill>
+                  <a:srgbClr val="FF0000"/>
+                </a:solidFill>
+                <a:latin typeface="Courier New" panose="02070309020205020404" pitchFamily="49" charset="0"/>
+                <a:cs typeface="Courier New" panose="02070309020205020404" pitchFamily="49" charset="0"/>
+              </a:rPr>
+              <a:t>;</a:t>
+            </a:r>
+            <a:r>
+              <a:rPr lang="en-US" sz="2400" b="1" dirty="0" smtClean="0">
+                <a:solidFill>
+                  <a:srgbClr val="0070C0"/>
+                </a:solidFill>
+                <a:latin typeface="Courier New" panose="02070309020205020404" pitchFamily="49" charset="0"/>
+                <a:cs typeface="Courier New" panose="02070309020205020404" pitchFamily="49" charset="0"/>
+              </a:rPr>
+              <a:t> </a:t>
+            </a:r>
+            <a:r>
+              <a:rPr lang="en-US" sz="2400" b="1" dirty="0" smtClean="0">
+                <a:solidFill>
+                  <a:srgbClr val="00B050"/>
+                </a:solidFill>
+                <a:latin typeface="Courier New" panose="02070309020205020404" pitchFamily="49" charset="0"/>
+                <a:cs typeface="Courier New" panose="02070309020205020404" pitchFamily="49" charset="0"/>
+              </a:rPr>
+              <a:t>// 10</a:t>
+            </a:r>
+            <a:endParaRPr lang="en-US" sz="2400" dirty="0" smtClean="0">
+              <a:solidFill>
+                <a:srgbClr val="00B050"/>
+              </a:solidFill>
+              <a:latin typeface="Courier New" panose="02070309020205020404" pitchFamily="49" charset="0"/>
+              <a:cs typeface="Courier New" panose="02070309020205020404" pitchFamily="49" charset="0"/>
+            </a:endParaRPr>
+          </a:p>
+          <a:p>
+            <a:r>
+              <a:rPr lang="en-US" sz="2400" dirty="0" smtClean="0">
+                <a:solidFill>
+                  <a:srgbClr val="FF0000"/>
+                </a:solidFill>
+                <a:latin typeface="Courier New" panose="02070309020205020404" pitchFamily="49" charset="0"/>
+                <a:cs typeface="Courier New" panose="02070309020205020404" pitchFamily="49" charset="0"/>
+              </a:rPr>
+              <a:t>}</a:t>
+            </a:r>
+          </a:p>
+        </p:txBody>
+      </p:sp>
     </p:spTree>
     <p:extLst>
       <p:ext uri="{BB962C8B-B14F-4D97-AF65-F5344CB8AC3E}">
-        <p14:creationId xmlns:p14="http://schemas.microsoft.com/office/powerpoint/2010/main" val="1506250430"/>
+        <p14:creationId xmlns:p14="http://schemas.microsoft.com/office/powerpoint/2010/main" val="2444566220"/>
       </p:ext>
     </p:extLst>
   </p:cSld>
@@ -3673,7 +3827,7 @@
 </p:sld>
 </file>
 
-<file path=ppt/slides/slide13.xml><?xml version="1.0" encoding="utf-8"?>
+<file path=ppt/slides/slide12.xml><?xml version="1.0" encoding="utf-8"?>
 <p:sld xmlns:a="http://schemas.openxmlformats.org/drawingml/2006/main" xmlns:r="http://schemas.openxmlformats.org/officeDocument/2006/relationships" xmlns:p="http://schemas.openxmlformats.org/presentationml/2006/main">
   <p:cSld>
     <p:spTree>
@@ -3723,7 +3877,7 @@
     </p:spTree>
     <p:extLst>
       <p:ext uri="{BB962C8B-B14F-4D97-AF65-F5344CB8AC3E}">
-        <p14:creationId xmlns:p14="http://schemas.microsoft.com/office/powerpoint/2010/main" val="899809011"/>
+        <p14:creationId xmlns:p14="http://schemas.microsoft.com/office/powerpoint/2010/main" val="2572167408"/>
       </p:ext>
     </p:extLst>
   </p:cSld>
@@ -3862,7 +4016,1058 @@
 </p:sld>
 </file>
 
+<file path=ppt/slides/slide13.xml><?xml version="1.0" encoding="utf-8"?>
+<p:sld xmlns:a="http://schemas.openxmlformats.org/drawingml/2006/main" xmlns:r="http://schemas.openxmlformats.org/officeDocument/2006/relationships" xmlns:p="http://schemas.openxmlformats.org/presentationml/2006/main">
+  <p:cSld>
+    <p:spTree>
+      <p:nvGrpSpPr>
+        <p:cNvPr id="1" name=""/>
+        <p:cNvGrpSpPr/>
+        <p:nvPr/>
+      </p:nvGrpSpPr>
+      <p:grpSpPr>
+        <a:xfrm>
+          <a:off x="0" y="0"/>
+          <a:ext cx="0" cy="0"/>
+          <a:chOff x="0" y="0"/>
+          <a:chExt cx="0" cy="0"/>
+        </a:xfrm>
+      </p:grpSpPr>
+      <p:sp>
+        <p:nvSpPr>
+          <p:cNvPr id="2" name="Title 1"/>
+          <p:cNvSpPr>
+            <a:spLocks noGrp="1"/>
+          </p:cNvSpPr>
+          <p:nvPr>
+            <p:ph type="title"/>
+          </p:nvPr>
+        </p:nvSpPr>
+        <p:spPr/>
+        <p:txBody>
+          <a:bodyPr/>
+          <a:lstStyle/>
+          <a:p>
+            <a:r>
+              <a:rPr lang="bg-BG" dirty="0" smtClean="0"/>
+              <a:t>Рекурсия</a:t>
+            </a:r>
+            <a:endParaRPr lang="bg-BG" dirty="0"/>
+          </a:p>
+        </p:txBody>
+      </p:sp>
+      <p:sp>
+        <p:nvSpPr>
+          <p:cNvPr id="3" name="Content Placeholder 2"/>
+          <p:cNvSpPr>
+            <a:spLocks noGrp="1"/>
+          </p:cNvSpPr>
+          <p:nvPr>
+            <p:ph idx="1"/>
+          </p:nvPr>
+        </p:nvSpPr>
+        <p:spPr/>
+        <p:txBody>
+          <a:bodyPr/>
+          <a:lstStyle/>
+          <a:p>
+            <a:r>
+              <a:rPr lang="bg-BG" dirty="0" smtClean="0"/>
+              <a:t>Функция, която извиква себе си</a:t>
+            </a:r>
+            <a:endParaRPr lang="bg-BG" dirty="0"/>
+          </a:p>
+        </p:txBody>
+      </p:sp>
+      <p:pic>
+        <p:nvPicPr>
+          <p:cNvPr id="1026" name="Picture 2" descr="AlgoDaily - Recursion"/>
+          <p:cNvPicPr>
+            <a:picLocks noChangeAspect="1" noChangeArrowheads="1"/>
+          </p:cNvPicPr>
+          <p:nvPr/>
+        </p:nvPicPr>
+        <p:blipFill>
+          <a:blip r:embed="rId2">
+            <a:clrChange>
+              <a:clrFrom>
+                <a:srgbClr val="FFFFFF"/>
+              </a:clrFrom>
+              <a:clrTo>
+                <a:srgbClr val="FFFFFF">
+                  <a:alpha val="0"/>
+                </a:srgbClr>
+              </a:clrTo>
+            </a:clrChange>
+            <a:extLst>
+              <a:ext uri="{28A0092B-C50C-407E-A947-70E740481C1C}">
+                <a14:useLocalDpi xmlns:a14="http://schemas.microsoft.com/office/drawing/2010/main" val="0"/>
+              </a:ext>
+            </a:extLst>
+          </a:blip>
+          <a:srcRect/>
+          <a:stretch>
+            <a:fillRect/>
+          </a:stretch>
+        </p:blipFill>
+        <p:spPr bwMode="auto">
+          <a:xfrm>
+            <a:off x="7340599" y="2679699"/>
+            <a:ext cx="4524375" cy="3619501"/>
+          </a:xfrm>
+          <a:prstGeom prst="rect">
+            <a:avLst/>
+          </a:prstGeom>
+          <a:ln>
+            <a:noFill/>
+          </a:ln>
+          <a:effectLst/>
+          <a:extLst>
+            <a:ext uri="{909E8E84-426E-40DD-AFC4-6F175D3DCCD1}">
+              <a14:hiddenFill xmlns:a14="http://schemas.microsoft.com/office/drawing/2010/main">
+                <a:solidFill>
+                  <a:srgbClr val="FFFFFF"/>
+                </a:solidFill>
+              </a14:hiddenFill>
+            </a:ext>
+          </a:extLst>
+        </p:spPr>
+      </p:pic>
+      <p:sp>
+        <p:nvSpPr>
+          <p:cNvPr id="5" name="TextBox 4"/>
+          <p:cNvSpPr txBox="1"/>
+          <p:nvPr/>
+        </p:nvSpPr>
+        <p:spPr>
+          <a:xfrm>
+            <a:off x="2314575" y="3150621"/>
+            <a:ext cx="4759325" cy="2677656"/>
+          </a:xfrm>
+          <a:prstGeom prst="rect">
+            <a:avLst/>
+          </a:prstGeom>
+          <a:solidFill>
+            <a:schemeClr val="bg1">
+              <a:lumMod val="95000"/>
+            </a:schemeClr>
+          </a:solidFill>
+          <a:ln>
+            <a:solidFill>
+              <a:schemeClr val="tx1"/>
+            </a:solidFill>
+          </a:ln>
+        </p:spPr>
+        <p:txBody>
+          <a:bodyPr wrap="square" rtlCol="0">
+            <a:spAutoFit/>
+          </a:bodyPr>
+          <a:lstStyle/>
+          <a:p>
+            <a:r>
+              <a:rPr lang="de-DE" sz="2400" b="1" dirty="0" smtClean="0">
+                <a:solidFill>
+                  <a:srgbClr val="0070C0"/>
+                </a:solidFill>
+                <a:latin typeface="Courier New" panose="02070309020205020404" pitchFamily="49" charset="0"/>
+                <a:cs typeface="Courier New" panose="02070309020205020404" pitchFamily="49" charset="0"/>
+              </a:rPr>
+              <a:t>int</a:t>
+            </a:r>
+            <a:r>
+              <a:rPr lang="de-DE" sz="2400" b="1" dirty="0" smtClean="0">
+                <a:solidFill>
+                  <a:srgbClr val="0070C0"/>
+                </a:solidFill>
+                <a:latin typeface="Courier New" panose="02070309020205020404" pitchFamily="49" charset="0"/>
+                <a:cs typeface="Courier New" panose="02070309020205020404" pitchFamily="49" charset="0"/>
+              </a:rPr>
+              <a:t> </a:t>
+            </a:r>
+            <a:r>
+              <a:rPr lang="de-DE" sz="2400" dirty="0" smtClean="0">
+                <a:latin typeface="Courier New" panose="02070309020205020404" pitchFamily="49" charset="0"/>
+                <a:cs typeface="Courier New" panose="02070309020205020404" pitchFamily="49" charset="0"/>
+              </a:rPr>
+              <a:t>rec</a:t>
+            </a:r>
+            <a:r>
+              <a:rPr lang="en-US" sz="2400" dirty="0" smtClean="0">
+                <a:solidFill>
+                  <a:srgbClr val="FF0000"/>
+                </a:solidFill>
+                <a:latin typeface="Courier New" panose="02070309020205020404" pitchFamily="49" charset="0"/>
+                <a:cs typeface="Courier New" panose="02070309020205020404" pitchFamily="49" charset="0"/>
+              </a:rPr>
+              <a:t>(</a:t>
+            </a:r>
+            <a:r>
+              <a:rPr lang="en-US" sz="2400" b="1" dirty="0" err="1" smtClean="0">
+                <a:solidFill>
+                  <a:srgbClr val="0070C0"/>
+                </a:solidFill>
+                <a:latin typeface="Courier New" panose="02070309020205020404" pitchFamily="49" charset="0"/>
+                <a:cs typeface="Courier New" panose="02070309020205020404" pitchFamily="49" charset="0"/>
+              </a:rPr>
+              <a:t>int</a:t>
+            </a:r>
+            <a:r>
+              <a:rPr lang="en-US" sz="2400" dirty="0" smtClean="0">
+                <a:solidFill>
+                  <a:srgbClr val="FF0000"/>
+                </a:solidFill>
+                <a:latin typeface="Courier New" panose="02070309020205020404" pitchFamily="49" charset="0"/>
+                <a:cs typeface="Courier New" panose="02070309020205020404" pitchFamily="49" charset="0"/>
+              </a:rPr>
+              <a:t> </a:t>
+            </a:r>
+            <a:r>
+              <a:rPr lang="en-US" sz="2400" dirty="0" smtClean="0">
+                <a:latin typeface="Courier New" panose="02070309020205020404" pitchFamily="49" charset="0"/>
+                <a:cs typeface="Courier New" panose="02070309020205020404" pitchFamily="49" charset="0"/>
+              </a:rPr>
+              <a:t>a</a:t>
+            </a:r>
+            <a:r>
+              <a:rPr lang="en-US" sz="2400" dirty="0" smtClean="0">
+                <a:solidFill>
+                  <a:srgbClr val="FF0000"/>
+                </a:solidFill>
+                <a:latin typeface="Courier New" panose="02070309020205020404" pitchFamily="49" charset="0"/>
+                <a:cs typeface="Courier New" panose="02070309020205020404" pitchFamily="49" charset="0"/>
+              </a:rPr>
+              <a:t>){</a:t>
+            </a:r>
+          </a:p>
+          <a:p>
+            <a:r>
+              <a:rPr lang="en-US" sz="2400" dirty="0" smtClean="0">
+                <a:solidFill>
+                  <a:srgbClr val="FF0000"/>
+                </a:solidFill>
+                <a:latin typeface="Courier New" panose="02070309020205020404" pitchFamily="49" charset="0"/>
+                <a:cs typeface="Courier New" panose="02070309020205020404" pitchFamily="49" charset="0"/>
+              </a:rPr>
+              <a:t>	</a:t>
+            </a:r>
+            <a:r>
+              <a:rPr lang="en-US" sz="2400" b="1" dirty="0" smtClean="0">
+                <a:solidFill>
+                  <a:srgbClr val="0070C0"/>
+                </a:solidFill>
+                <a:latin typeface="Courier New" panose="02070309020205020404" pitchFamily="49" charset="0"/>
+                <a:cs typeface="Courier New" panose="02070309020205020404" pitchFamily="49" charset="0"/>
+              </a:rPr>
+              <a:t>if</a:t>
+            </a:r>
+            <a:r>
+              <a:rPr lang="en-US" sz="2400" dirty="0" smtClean="0">
+                <a:solidFill>
+                  <a:srgbClr val="FF0000"/>
+                </a:solidFill>
+                <a:latin typeface="Courier New" panose="02070309020205020404" pitchFamily="49" charset="0"/>
+                <a:cs typeface="Courier New" panose="02070309020205020404" pitchFamily="49" charset="0"/>
+              </a:rPr>
+              <a:t>(</a:t>
+            </a:r>
+            <a:r>
+              <a:rPr lang="en-US" sz="2400" dirty="0" smtClean="0">
+                <a:latin typeface="Courier New" panose="02070309020205020404" pitchFamily="49" charset="0"/>
+                <a:cs typeface="Courier New" panose="02070309020205020404" pitchFamily="49" charset="0"/>
+              </a:rPr>
+              <a:t>a </a:t>
+            </a:r>
+            <a:r>
+              <a:rPr lang="en-US" sz="2400" dirty="0" smtClean="0">
+                <a:solidFill>
+                  <a:srgbClr val="FF0000"/>
+                </a:solidFill>
+                <a:latin typeface="Courier New" panose="02070309020205020404" pitchFamily="49" charset="0"/>
+                <a:cs typeface="Courier New" panose="02070309020205020404" pitchFamily="49" charset="0"/>
+              </a:rPr>
+              <a:t>==</a:t>
+            </a:r>
+            <a:r>
+              <a:rPr lang="en-US" sz="2400" dirty="0" smtClean="0">
+                <a:latin typeface="Courier New" panose="02070309020205020404" pitchFamily="49" charset="0"/>
+                <a:cs typeface="Courier New" panose="02070309020205020404" pitchFamily="49" charset="0"/>
+              </a:rPr>
+              <a:t> 10</a:t>
+            </a:r>
+            <a:r>
+              <a:rPr lang="en-US" sz="2400" dirty="0" smtClean="0">
+                <a:solidFill>
+                  <a:srgbClr val="FF0000"/>
+                </a:solidFill>
+                <a:latin typeface="Courier New" panose="02070309020205020404" pitchFamily="49" charset="0"/>
+                <a:cs typeface="Courier New" panose="02070309020205020404" pitchFamily="49" charset="0"/>
+              </a:rPr>
+              <a:t>) {</a:t>
+            </a:r>
+            <a:endParaRPr lang="en-US" sz="2400" dirty="0">
+              <a:solidFill>
+                <a:srgbClr val="FF0000"/>
+              </a:solidFill>
+              <a:latin typeface="Courier New" panose="02070309020205020404" pitchFamily="49" charset="0"/>
+              <a:cs typeface="Courier New" panose="02070309020205020404" pitchFamily="49" charset="0"/>
+            </a:endParaRPr>
+          </a:p>
+          <a:p>
+            <a:r>
+              <a:rPr lang="en-US" sz="2400" dirty="0" smtClean="0">
+                <a:latin typeface="Courier New" panose="02070309020205020404" pitchFamily="49" charset="0"/>
+                <a:cs typeface="Courier New" panose="02070309020205020404" pitchFamily="49" charset="0"/>
+              </a:rPr>
+              <a:t>		</a:t>
+            </a:r>
+            <a:r>
+              <a:rPr lang="en-US" sz="2400" b="1" dirty="0" smtClean="0">
+                <a:solidFill>
+                  <a:srgbClr val="0070C0"/>
+                </a:solidFill>
+                <a:latin typeface="Courier New" panose="02070309020205020404" pitchFamily="49" charset="0"/>
+                <a:cs typeface="Courier New" panose="02070309020205020404" pitchFamily="49" charset="0"/>
+              </a:rPr>
+              <a:t>return</a:t>
+            </a:r>
+            <a:r>
+              <a:rPr lang="en-US" sz="2400" dirty="0" smtClean="0">
+                <a:latin typeface="Courier New" panose="02070309020205020404" pitchFamily="49" charset="0"/>
+                <a:cs typeface="Courier New" panose="02070309020205020404" pitchFamily="49" charset="0"/>
+              </a:rPr>
+              <a:t> 0</a:t>
+            </a:r>
+            <a:r>
+              <a:rPr lang="en-US" sz="2400" dirty="0" smtClean="0">
+                <a:solidFill>
+                  <a:srgbClr val="FF0000"/>
+                </a:solidFill>
+                <a:latin typeface="Courier New" panose="02070309020205020404" pitchFamily="49" charset="0"/>
+                <a:cs typeface="Courier New" panose="02070309020205020404" pitchFamily="49" charset="0"/>
+              </a:rPr>
+              <a:t>;</a:t>
+            </a:r>
+          </a:p>
+          <a:p>
+            <a:r>
+              <a:rPr lang="en-US" sz="2400" dirty="0">
+                <a:latin typeface="Courier New" panose="02070309020205020404" pitchFamily="49" charset="0"/>
+                <a:cs typeface="Courier New" panose="02070309020205020404" pitchFamily="49" charset="0"/>
+              </a:rPr>
+              <a:t>	</a:t>
+            </a:r>
+            <a:r>
+              <a:rPr lang="en-US" sz="2400" dirty="0" smtClean="0">
+                <a:solidFill>
+                  <a:srgbClr val="FF0000"/>
+                </a:solidFill>
+                <a:latin typeface="Courier New" panose="02070309020205020404" pitchFamily="49" charset="0"/>
+                <a:cs typeface="Courier New" panose="02070309020205020404" pitchFamily="49" charset="0"/>
+              </a:rPr>
+              <a:t>}</a:t>
+            </a:r>
+            <a:endParaRPr lang="en-US" sz="2400" dirty="0" smtClean="0">
+              <a:solidFill>
+                <a:srgbClr val="FF0000"/>
+              </a:solidFill>
+              <a:latin typeface="Courier New" panose="02070309020205020404" pitchFamily="49" charset="0"/>
+              <a:cs typeface="Courier New" panose="02070309020205020404" pitchFamily="49" charset="0"/>
+            </a:endParaRPr>
+          </a:p>
+          <a:p>
+            <a:endParaRPr lang="en-US" sz="2400" dirty="0" smtClean="0">
+              <a:solidFill>
+                <a:srgbClr val="FF0000"/>
+              </a:solidFill>
+              <a:latin typeface="Courier New" panose="02070309020205020404" pitchFamily="49" charset="0"/>
+              <a:cs typeface="Courier New" panose="02070309020205020404" pitchFamily="49" charset="0"/>
+            </a:endParaRPr>
+          </a:p>
+          <a:p>
+            <a:r>
+              <a:rPr lang="en-US" sz="2400" dirty="0" smtClean="0">
+                <a:latin typeface="Courier New" panose="02070309020205020404" pitchFamily="49" charset="0"/>
+                <a:cs typeface="Courier New" panose="02070309020205020404" pitchFamily="49" charset="0"/>
+              </a:rPr>
+              <a:t>	</a:t>
+            </a:r>
+            <a:r>
+              <a:rPr lang="en-US" sz="2400" dirty="0" smtClean="0">
+                <a:latin typeface="Courier New" panose="02070309020205020404" pitchFamily="49" charset="0"/>
+                <a:cs typeface="Courier New" panose="02070309020205020404" pitchFamily="49" charset="0"/>
+              </a:rPr>
+              <a:t>rec</a:t>
+            </a:r>
+            <a:r>
+              <a:rPr lang="en-US" sz="2400" dirty="0" smtClean="0">
+                <a:solidFill>
+                  <a:srgbClr val="FF0000"/>
+                </a:solidFill>
+                <a:latin typeface="Courier New" panose="02070309020205020404" pitchFamily="49" charset="0"/>
+                <a:cs typeface="Courier New" panose="02070309020205020404" pitchFamily="49" charset="0"/>
+              </a:rPr>
+              <a:t>(</a:t>
+            </a:r>
+            <a:r>
+              <a:rPr lang="en-US" sz="2400" dirty="0" smtClean="0">
+                <a:latin typeface="Courier New" panose="02070309020205020404" pitchFamily="49" charset="0"/>
+                <a:cs typeface="Courier New" panose="02070309020205020404" pitchFamily="49" charset="0"/>
+              </a:rPr>
+              <a:t>a</a:t>
+            </a:r>
+            <a:r>
+              <a:rPr lang="en-US" sz="2400" dirty="0" smtClean="0">
+                <a:solidFill>
+                  <a:srgbClr val="FF0000"/>
+                </a:solidFill>
+                <a:latin typeface="Courier New" panose="02070309020205020404" pitchFamily="49" charset="0"/>
+                <a:cs typeface="Courier New" panose="02070309020205020404" pitchFamily="49" charset="0"/>
+              </a:rPr>
+              <a:t>+</a:t>
+            </a:r>
+            <a:r>
+              <a:rPr lang="en-US" sz="2400" dirty="0" smtClean="0">
+                <a:latin typeface="Courier New" panose="02070309020205020404" pitchFamily="49" charset="0"/>
+                <a:cs typeface="Courier New" panose="02070309020205020404" pitchFamily="49" charset="0"/>
+              </a:rPr>
+              <a:t>1</a:t>
+            </a:r>
+            <a:r>
+              <a:rPr lang="en-US" sz="2400" dirty="0" smtClean="0">
+                <a:solidFill>
+                  <a:srgbClr val="FF0000"/>
+                </a:solidFill>
+                <a:latin typeface="Courier New" panose="02070309020205020404" pitchFamily="49" charset="0"/>
+                <a:cs typeface="Courier New" panose="02070309020205020404" pitchFamily="49" charset="0"/>
+              </a:rPr>
+              <a:t>);</a:t>
+            </a:r>
+            <a:endParaRPr lang="en-US" sz="2400" dirty="0" smtClean="0">
+              <a:solidFill>
+                <a:srgbClr val="FF0000"/>
+              </a:solidFill>
+              <a:latin typeface="Courier New" panose="02070309020205020404" pitchFamily="49" charset="0"/>
+              <a:cs typeface="Courier New" panose="02070309020205020404" pitchFamily="49" charset="0"/>
+            </a:endParaRPr>
+          </a:p>
+          <a:p>
+            <a:r>
+              <a:rPr lang="en-US" sz="2400" dirty="0" smtClean="0">
+                <a:solidFill>
+                  <a:srgbClr val="FF0000"/>
+                </a:solidFill>
+                <a:latin typeface="Courier New" panose="02070309020205020404" pitchFamily="49" charset="0"/>
+                <a:cs typeface="Courier New" panose="02070309020205020404" pitchFamily="49" charset="0"/>
+              </a:rPr>
+              <a:t>}</a:t>
+            </a:r>
+            <a:endParaRPr lang="en-US" sz="2400" dirty="0" smtClean="0">
+              <a:solidFill>
+                <a:srgbClr val="FF0000"/>
+              </a:solidFill>
+              <a:latin typeface="Courier New" panose="02070309020205020404" pitchFamily="49" charset="0"/>
+              <a:cs typeface="Courier New" panose="02070309020205020404" pitchFamily="49" charset="0"/>
+            </a:endParaRPr>
+          </a:p>
+        </p:txBody>
+      </p:sp>
+    </p:spTree>
+    <p:extLst>
+      <p:ext uri="{BB962C8B-B14F-4D97-AF65-F5344CB8AC3E}">
+        <p14:creationId xmlns:p14="http://schemas.microsoft.com/office/powerpoint/2010/main" val="1228609125"/>
+      </p:ext>
+    </p:extLst>
+  </p:cSld>
+  <p:clrMapOvr>
+    <a:masterClrMapping/>
+  </p:clrMapOvr>
+  <p:transition>
+    <p:dissolve/>
+  </p:transition>
+  <p:timing>
+    <p:tnLst>
+      <p:par>
+        <p:cTn id="1" dur="indefinite" restart="never" nodeType="tmRoot"/>
+      </p:par>
+    </p:tnLst>
+  </p:timing>
+</p:sld>
+</file>
+
 <file path=ppt/slides/slide14.xml><?xml version="1.0" encoding="utf-8"?>
+<p:sld xmlns:a="http://schemas.openxmlformats.org/drawingml/2006/main" xmlns:r="http://schemas.openxmlformats.org/officeDocument/2006/relationships" xmlns:p="http://schemas.openxmlformats.org/presentationml/2006/main">
+  <p:cSld>
+    <p:spTree>
+      <p:nvGrpSpPr>
+        <p:cNvPr id="1" name=""/>
+        <p:cNvGrpSpPr/>
+        <p:nvPr/>
+      </p:nvGrpSpPr>
+      <p:grpSpPr>
+        <a:xfrm>
+          <a:off x="0" y="0"/>
+          <a:ext cx="0" cy="0"/>
+          <a:chOff x="0" y="0"/>
+          <a:chExt cx="0" cy="0"/>
+        </a:xfrm>
+      </p:grpSpPr>
+      <p:sp>
+        <p:nvSpPr>
+          <p:cNvPr id="2" name="Title 1"/>
+          <p:cNvSpPr>
+            <a:spLocks noGrp="1"/>
+          </p:cNvSpPr>
+          <p:nvPr>
+            <p:ph type="title"/>
+          </p:nvPr>
+        </p:nvSpPr>
+        <p:spPr/>
+        <p:txBody>
+          <a:bodyPr/>
+          <a:lstStyle/>
+          <a:p>
+            <a:r>
+              <a:rPr lang="bg-BG" dirty="0" smtClean="0"/>
+              <a:t>Редица </a:t>
+            </a:r>
+            <a:r>
+              <a:rPr lang="bg-BG" dirty="0" err="1" smtClean="0"/>
+              <a:t>Факториели</a:t>
+            </a:r>
+            <a:endParaRPr lang="bg-BG" dirty="0"/>
+          </a:p>
+        </p:txBody>
+      </p:sp>
+      <p:sp>
+        <p:nvSpPr>
+          <p:cNvPr id="3" name="Content Placeholder 2"/>
+          <p:cNvSpPr>
+            <a:spLocks noGrp="1"/>
+          </p:cNvSpPr>
+          <p:nvPr>
+            <p:ph idx="1"/>
+          </p:nvPr>
+        </p:nvSpPr>
+        <p:spPr>
+          <a:xfrm>
+            <a:off x="2324100" y="1534081"/>
+            <a:ext cx="9602857" cy="4351338"/>
+          </a:xfrm>
+        </p:spPr>
+        <p:txBody>
+          <a:bodyPr/>
+          <a:lstStyle/>
+          <a:p>
+            <a:pPr marL="0" indent="0" algn="just">
+              <a:buNone/>
+            </a:pPr>
+            <a:r>
+              <a:rPr lang="bg-BG" dirty="0" err="1" smtClean="0"/>
+              <a:t>Факториел</a:t>
+            </a:r>
+            <a:r>
+              <a:rPr lang="bg-BG" dirty="0" smtClean="0"/>
+              <a:t> на дадено число е произведението на всички по-малки или равни на това число числа. Образуваме редица от </a:t>
+            </a:r>
+            <a:r>
+              <a:rPr lang="bg-BG" dirty="0" err="1" smtClean="0"/>
+              <a:t>факториели</a:t>
+            </a:r>
+            <a:r>
+              <a:rPr lang="bg-BG" dirty="0" smtClean="0"/>
+              <a:t> – всеки член на редицата е равен на </a:t>
+            </a:r>
+            <a:r>
+              <a:rPr lang="bg-BG" dirty="0" err="1" smtClean="0"/>
+              <a:t>факториел</a:t>
+            </a:r>
+            <a:r>
+              <a:rPr lang="bg-BG" dirty="0" smtClean="0"/>
+              <a:t> от поредния си номер. Изведете първите </a:t>
+            </a:r>
+            <a:r>
+              <a:rPr lang="de-DE" dirty="0" smtClean="0"/>
+              <a:t>n </a:t>
+            </a:r>
+            <a:r>
+              <a:rPr lang="bg-BG" dirty="0" smtClean="0"/>
+              <a:t>члена на редицата.</a:t>
+            </a:r>
+            <a:endParaRPr lang="bg-BG" dirty="0"/>
+          </a:p>
+        </p:txBody>
+      </p:sp>
+      <p:pic>
+        <p:nvPicPr>
+          <p:cNvPr id="2050" name="Picture 2" descr="Factorial, factorial sign, math, mathematics, x factorial icon - Free  download"/>
+          <p:cNvPicPr>
+            <a:picLocks noChangeAspect="1" noChangeArrowheads="1"/>
+          </p:cNvPicPr>
+          <p:nvPr/>
+        </p:nvPicPr>
+        <p:blipFill>
+          <a:blip r:embed="rId2" cstate="print">
+            <a:extLst>
+              <a:ext uri="{28A0092B-C50C-407E-A947-70E740481C1C}">
+                <a14:useLocalDpi xmlns:a14="http://schemas.microsoft.com/office/drawing/2010/main" val="0"/>
+              </a:ext>
+            </a:extLst>
+          </a:blip>
+          <a:srcRect/>
+          <a:stretch>
+            <a:fillRect/>
+          </a:stretch>
+        </p:blipFill>
+        <p:spPr bwMode="auto">
+          <a:xfrm rot="20890124">
+            <a:off x="9356207" y="4335897"/>
+            <a:ext cx="1732411" cy="1732412"/>
+          </a:xfrm>
+          <a:prstGeom prst="rect">
+            <a:avLst/>
+          </a:prstGeom>
+          <a:ln>
+            <a:noFill/>
+          </a:ln>
+          <a:effectLst>
+            <a:outerShdw blurRad="292100" dist="139700" dir="2700000" algn="tl" rotWithShape="0">
+              <a:srgbClr val="333333">
+                <a:alpha val="65000"/>
+              </a:srgbClr>
+            </a:outerShdw>
+          </a:effectLst>
+          <a:extLst>
+            <a:ext uri="{909E8E84-426E-40DD-AFC4-6F175D3DCCD1}">
+              <a14:hiddenFill xmlns:a14="http://schemas.microsoft.com/office/drawing/2010/main">
+                <a:solidFill>
+                  <a:srgbClr val="FFFFFF"/>
+                </a:solidFill>
+              </a14:hiddenFill>
+            </a:ext>
+          </a:extLst>
+        </p:spPr>
+      </p:pic>
+    </p:spTree>
+    <p:extLst>
+      <p:ext uri="{BB962C8B-B14F-4D97-AF65-F5344CB8AC3E}">
+        <p14:creationId xmlns:p14="http://schemas.microsoft.com/office/powerpoint/2010/main" val="1506250430"/>
+      </p:ext>
+    </p:extLst>
+  </p:cSld>
+  <p:clrMapOvr>
+    <a:masterClrMapping/>
+  </p:clrMapOvr>
+  <p:transition>
+    <p:dissolve/>
+  </p:transition>
+  <p:timing>
+    <p:tnLst>
+      <p:par>
+        <p:cTn id="1" dur="indefinite" restart="never" nodeType="tmRoot"/>
+      </p:par>
+    </p:tnLst>
+  </p:timing>
+</p:sld>
+</file>
+
+<file path=ppt/slides/slide15.xml><?xml version="1.0" encoding="utf-8"?>
+<p:sld xmlns:a="http://schemas.openxmlformats.org/drawingml/2006/main" xmlns:r="http://schemas.openxmlformats.org/officeDocument/2006/relationships" xmlns:p="http://schemas.openxmlformats.org/presentationml/2006/main">
+  <p:cSld>
+    <p:spTree>
+      <p:nvGrpSpPr>
+        <p:cNvPr id="1" name=""/>
+        <p:cNvGrpSpPr/>
+        <p:nvPr/>
+      </p:nvGrpSpPr>
+      <p:grpSpPr>
+        <a:xfrm>
+          <a:off x="0" y="0"/>
+          <a:ext cx="0" cy="0"/>
+          <a:chOff x="0" y="0"/>
+          <a:chExt cx="0" cy="0"/>
+        </a:xfrm>
+      </p:grpSpPr>
+      <p:pic>
+        <p:nvPicPr>
+          <p:cNvPr id="4" name="Picture 3"/>
+          <p:cNvPicPr>
+            <a:picLocks noChangeAspect="1"/>
+          </p:cNvPicPr>
+          <p:nvPr/>
+        </p:nvPicPr>
+        <p:blipFill>
+          <a:blip r:embed="rId2" cstate="print">
+            <a:extLst>
+              <a:ext uri="{28A0092B-C50C-407E-A947-70E740481C1C}">
+                <a14:useLocalDpi xmlns:a14="http://schemas.microsoft.com/office/drawing/2010/main" val="0"/>
+              </a:ext>
+            </a:extLst>
+          </a:blip>
+          <a:stretch>
+            <a:fillRect/>
+          </a:stretch>
+        </p:blipFill>
+        <p:spPr>
+          <a:xfrm>
+            <a:off x="-6121861" y="2346960"/>
+            <a:ext cx="4344221" cy="2444438"/>
+          </a:xfrm>
+          <a:prstGeom prst="rect">
+            <a:avLst/>
+          </a:prstGeom>
+        </p:spPr>
+      </p:pic>
+    </p:spTree>
+    <p:extLst>
+      <p:ext uri="{BB962C8B-B14F-4D97-AF65-F5344CB8AC3E}">
+        <p14:creationId xmlns:p14="http://schemas.microsoft.com/office/powerpoint/2010/main" val="1832099993"/>
+      </p:ext>
+    </p:extLst>
+  </p:cSld>
+  <p:clrMapOvr>
+    <a:masterClrMapping/>
+  </p:clrMapOvr>
+  <p:transition>
+    <p:dissolve/>
+  </p:transition>
+  <p:timing>
+    <p:tnLst>
+      <p:par>
+        <p:cTn id="1" dur="indefinite" restart="never" nodeType="tmRoot">
+          <p:childTnLst>
+            <p:seq concurrent="1" nextAc="seek">
+              <p:cTn id="2" dur="indefinite" nodeType="mainSeq">
+                <p:childTnLst>
+                  <p:par>
+                    <p:cTn id="3" fill="hold">
+                      <p:stCondLst>
+                        <p:cond delay="indefinite"/>
+                        <p:cond evt="onBegin" delay="0">
+                          <p:tn val="2"/>
+                        </p:cond>
+                      </p:stCondLst>
+                      <p:childTnLst>
+                        <p:par>
+                          <p:cTn id="4" fill="hold">
+                            <p:stCondLst>
+                              <p:cond delay="0"/>
+                            </p:stCondLst>
+                            <p:childTnLst>
+                              <p:par>
+                                <p:cTn id="5" presetID="63" presetClass="path" presetSubtype="0" accel="50000" decel="50000" fill="hold" nodeType="withEffect">
+                                  <p:stCondLst>
+                                    <p:cond delay="0"/>
+                                  </p:stCondLst>
+                                  <p:childTnLst>
+                                    <p:animMotion origin="layout" path="M -1.66667E-6 -3.7037E-7 L 0.88932 0.00556 " pathEditMode="relative" rAng="0" ptsTypes="AA">
+                                      <p:cBhvr>
+                                        <p:cTn id="6" dur="2000" fill="hold"/>
+                                        <p:tgtEl>
+                                          <p:spTgt spid="4"/>
+                                        </p:tgtEl>
+                                        <p:attrNameLst>
+                                          <p:attrName>ppt_x</p:attrName>
+                                          <p:attrName>ppt_y</p:attrName>
+                                        </p:attrNameLst>
+                                      </p:cBhvr>
+                                      <p:rCtr x="44466" y="278"/>
+                                    </p:animMotion>
+                                  </p:childTnLst>
+                                </p:cTn>
+                              </p:par>
+                              <p:par>
+                                <p:cTn id="7" presetID="10" presetClass="entr" presetSubtype="0" fill="hold" nodeType="withEffect">
+                                  <p:stCondLst>
+                                    <p:cond delay="0"/>
+                                  </p:stCondLst>
+                                  <p:childTnLst>
+                                    <p:set>
+                                      <p:cBhvr>
+                                        <p:cTn id="8" dur="1" fill="hold">
+                                          <p:stCondLst>
+                                            <p:cond delay="0"/>
+                                          </p:stCondLst>
+                                        </p:cTn>
+                                        <p:tgtEl>
+                                          <p:spTgt spid="4"/>
+                                        </p:tgtEl>
+                                        <p:attrNameLst>
+                                          <p:attrName>style.visibility</p:attrName>
+                                        </p:attrNameLst>
+                                      </p:cBhvr>
+                                      <p:to>
+                                        <p:strVal val="visible"/>
+                                      </p:to>
+                                    </p:set>
+                                    <p:animEffect transition="in" filter="fade">
+                                      <p:cBhvr>
+                                        <p:cTn id="9" dur="2000"/>
+                                        <p:tgtEl>
+                                          <p:spTgt spid="4"/>
+                                        </p:tgtEl>
+                                      </p:cBhvr>
+                                    </p:animEffect>
+                                  </p:childTnLst>
+                                </p:cTn>
+                              </p:par>
+                              <p:par>
+                                <p:cTn id="10" presetID="6" presetClass="emph" presetSubtype="0" fill="hold" nodeType="withEffect">
+                                  <p:stCondLst>
+                                    <p:cond delay="0"/>
+                                  </p:stCondLst>
+                                  <p:childTnLst>
+                                    <p:animScale>
+                                      <p:cBhvr>
+                                        <p:cTn id="11" dur="2000" fill="hold"/>
+                                        <p:tgtEl>
+                                          <p:spTgt spid="4"/>
+                                        </p:tgtEl>
+                                      </p:cBhvr>
+                                      <p:by x="150000" y="150000"/>
+                                    </p:animScale>
+                                  </p:childTnLst>
+                                </p:cTn>
+                              </p:par>
+                            </p:childTnLst>
+                          </p:cTn>
+                        </p:par>
+                      </p:childTnLst>
+                    </p:cTn>
+                  </p:par>
+                </p:childTnLst>
+              </p:cTn>
+              <p:prevCondLst>
+                <p:cond evt="onPrev" delay="0">
+                  <p:tgtEl>
+                    <p:sldTgt/>
+                  </p:tgtEl>
+                </p:cond>
+              </p:prevCondLst>
+              <p:nextCondLst>
+                <p:cond evt="onNext" delay="0">
+                  <p:tgtEl>
+                    <p:sldTgt/>
+                  </p:tgtEl>
+                </p:cond>
+              </p:nextCondLst>
+            </p:seq>
+          </p:childTnLst>
+        </p:cTn>
+      </p:par>
+    </p:tnLst>
+  </p:timing>
+</p:sld>
+</file>
+
+<file path=ppt/slides/slide16.xml><?xml version="1.0" encoding="utf-8"?>
+<p:sld xmlns:a="http://schemas.openxmlformats.org/drawingml/2006/main" xmlns:r="http://schemas.openxmlformats.org/officeDocument/2006/relationships" xmlns:p="http://schemas.openxmlformats.org/presentationml/2006/main">
+  <p:cSld>
+    <p:spTree>
+      <p:nvGrpSpPr>
+        <p:cNvPr id="1" name=""/>
+        <p:cNvGrpSpPr/>
+        <p:nvPr/>
+      </p:nvGrpSpPr>
+      <p:grpSpPr>
+        <a:xfrm>
+          <a:off x="0" y="0"/>
+          <a:ext cx="0" cy="0"/>
+          <a:chOff x="0" y="0"/>
+          <a:chExt cx="0" cy="0"/>
+        </a:xfrm>
+      </p:grpSpPr>
+      <p:sp>
+        <p:nvSpPr>
+          <p:cNvPr id="2" name="Title 1"/>
+          <p:cNvSpPr>
+            <a:spLocks noGrp="1"/>
+          </p:cNvSpPr>
+          <p:nvPr>
+            <p:ph type="title"/>
+          </p:nvPr>
+        </p:nvSpPr>
+        <p:spPr/>
+        <p:txBody>
+          <a:bodyPr/>
+          <a:lstStyle/>
+          <a:p>
+            <a:r>
+              <a:rPr lang="bg-BG" dirty="0" smtClean="0"/>
+              <a:t>Сложност на алгоритмите</a:t>
+            </a:r>
+            <a:endParaRPr lang="bg-BG" dirty="0"/>
+          </a:p>
+        </p:txBody>
+      </p:sp>
+      <p:sp>
+        <p:nvSpPr>
+          <p:cNvPr id="3" name="Content Placeholder 2"/>
+          <p:cNvSpPr>
+            <a:spLocks noGrp="1"/>
+          </p:cNvSpPr>
+          <p:nvPr>
+            <p:ph idx="1"/>
+          </p:nvPr>
+        </p:nvSpPr>
+        <p:spPr>
+          <a:xfrm>
+            <a:off x="2310848" y="1481068"/>
+            <a:ext cx="9616109" cy="4351338"/>
+          </a:xfrm>
+        </p:spPr>
+        <p:txBody>
+          <a:bodyPr/>
+          <a:lstStyle/>
+          <a:p>
+            <a:pPr marL="0" indent="0" algn="just">
+              <a:buNone/>
+            </a:pPr>
+            <a:r>
+              <a:rPr lang="bg-BG" b="1" i="1" dirty="0" smtClean="0"/>
+              <a:t>Сложност – Съотношението на броя стъпки, които програмата изпълнява и входните параметри. Отбелязва се с </a:t>
+            </a:r>
+            <a:r>
+              <a:rPr lang="de-DE" b="1" i="1" dirty="0" smtClean="0"/>
+              <a:t>O</a:t>
+            </a:r>
+            <a:endParaRPr lang="bg-BG" b="1" i="1" dirty="0" smtClean="0"/>
+          </a:p>
+          <a:p>
+            <a:pPr algn="just"/>
+            <a:r>
+              <a:rPr lang="bg-BG" dirty="0" smtClean="0"/>
+              <a:t>Линейна сложност</a:t>
+            </a:r>
+            <a:r>
+              <a:rPr lang="en-US" dirty="0" smtClean="0"/>
+              <a:t> </a:t>
+            </a:r>
+            <a:r>
+              <a:rPr lang="bg-BG" dirty="0" smtClean="0"/>
+              <a:t>–</a:t>
+            </a:r>
+            <a:r>
+              <a:rPr lang="en-US" dirty="0" smtClean="0"/>
+              <a:t> </a:t>
+            </a:r>
+            <a:r>
+              <a:rPr lang="bg-BG" dirty="0" smtClean="0"/>
+              <a:t>Въведено е </a:t>
+            </a:r>
+            <a:r>
+              <a:rPr lang="en-US" dirty="0" smtClean="0"/>
+              <a:t>N</a:t>
+            </a:r>
+            <a:r>
+              <a:rPr lang="bg-BG" dirty="0" smtClean="0"/>
+              <a:t>. Правим </a:t>
+            </a:r>
+            <a:r>
+              <a:rPr lang="en-US" dirty="0" smtClean="0"/>
+              <a:t>N </a:t>
+            </a:r>
+            <a:r>
+              <a:rPr lang="bg-BG" dirty="0" smtClean="0"/>
+              <a:t>стъпки.</a:t>
+            </a:r>
+          </a:p>
+          <a:p>
+            <a:pPr algn="just"/>
+            <a:r>
+              <a:rPr lang="bg-BG" dirty="0" smtClean="0"/>
+              <a:t>Квадратна сложност –</a:t>
+            </a:r>
+            <a:r>
+              <a:rPr lang="en-US" dirty="0" smtClean="0"/>
+              <a:t> </a:t>
+            </a:r>
+            <a:r>
+              <a:rPr lang="bg-BG" dirty="0" smtClean="0"/>
+              <a:t>Въведено е </a:t>
+            </a:r>
+            <a:r>
+              <a:rPr lang="en-US" dirty="0" smtClean="0"/>
+              <a:t>N</a:t>
+            </a:r>
+            <a:r>
+              <a:rPr lang="bg-BG" dirty="0" smtClean="0"/>
+              <a:t>. Правим </a:t>
+            </a:r>
+            <a:r>
+              <a:rPr lang="en-US" dirty="0" smtClean="0"/>
+              <a:t>N*N </a:t>
+            </a:r>
+            <a:r>
+              <a:rPr lang="bg-BG" dirty="0" smtClean="0"/>
+              <a:t>стъпки.</a:t>
+            </a:r>
+          </a:p>
+          <a:p>
+            <a:pPr algn="just"/>
+            <a:r>
+              <a:rPr lang="bg-BG" dirty="0" smtClean="0"/>
+              <a:t>Логаритмична сложност –</a:t>
+            </a:r>
+            <a:r>
+              <a:rPr lang="en-US" dirty="0" smtClean="0"/>
+              <a:t> </a:t>
+            </a:r>
+            <a:r>
+              <a:rPr lang="bg-BG" dirty="0" smtClean="0"/>
+              <a:t>Въведено е </a:t>
+            </a:r>
+            <a:r>
+              <a:rPr lang="en-US" dirty="0" smtClean="0"/>
+              <a:t>N</a:t>
+            </a:r>
+            <a:r>
+              <a:rPr lang="bg-BG" dirty="0" smtClean="0"/>
+              <a:t>. Правим </a:t>
+            </a:r>
+            <a:r>
+              <a:rPr lang="en-US" dirty="0" smtClean="0"/>
+              <a:t>log2(N) </a:t>
+            </a:r>
+            <a:r>
+              <a:rPr lang="bg-BG" dirty="0" smtClean="0"/>
+              <a:t>стъпки.</a:t>
+            </a:r>
+          </a:p>
+        </p:txBody>
+      </p:sp>
+    </p:spTree>
+    <p:extLst>
+      <p:ext uri="{BB962C8B-B14F-4D97-AF65-F5344CB8AC3E}">
+        <p14:creationId xmlns:p14="http://schemas.microsoft.com/office/powerpoint/2010/main" val="1857856069"/>
+      </p:ext>
+    </p:extLst>
+  </p:cSld>
+  <p:clrMapOvr>
+    <a:masterClrMapping/>
+  </p:clrMapOvr>
+  <mc:AlternateContent xmlns:mc="http://schemas.openxmlformats.org/markup-compatibility/2006" xmlns:p14="http://schemas.microsoft.com/office/powerpoint/2010/main">
+    <mc:Choice Requires="p14">
+      <p:transition spd="slow" p14:dur="3000">
+        <p14:shred/>
+      </p:transition>
+    </mc:Choice>
+    <mc:Fallback xmlns="">
+      <p:transition spd="slow">
+        <p:fade/>
+      </p:transition>
+    </mc:Fallback>
+  </mc:AlternateContent>
+  <p:timing>
+    <p:tnLst>
+      <p:par>
+        <p:cTn id="1" dur="indefinite" restart="never" nodeType="tmRoot"/>
+      </p:par>
+    </p:tnLst>
+  </p:timing>
+</p:sld>
+</file>
+
+<file path=ppt/slides/slide17.xml><?xml version="1.0" encoding="utf-8"?>
 <p:sld xmlns:a="http://schemas.openxmlformats.org/drawingml/2006/main" xmlns:r="http://schemas.openxmlformats.org/officeDocument/2006/relationships" xmlns:p="http://schemas.openxmlformats.org/presentationml/2006/main">
   <p:cSld>
     <p:spTree>
@@ -4098,7 +5303,7 @@
 </p:sld>
 </file>
 
-<file path=ppt/slides/slide15.xml><?xml version="1.0" encoding="utf-8"?>
+<file path=ppt/slides/slide18.xml><?xml version="1.0" encoding="utf-8"?>
 <p:sld xmlns:a="http://schemas.openxmlformats.org/drawingml/2006/main" xmlns:r="http://schemas.openxmlformats.org/officeDocument/2006/relationships" xmlns:p="http://schemas.openxmlformats.org/presentationml/2006/main">
   <p:cSld>
     <p:spTree>
@@ -4115,6 +5320,195 @@
           <a:chExt cx="0" cy="0"/>
         </a:xfrm>
       </p:grpSpPr>
+      <p:pic>
+        <p:nvPicPr>
+          <p:cNvPr id="4" name="Picture 3"/>
+          <p:cNvPicPr>
+            <a:picLocks noChangeAspect="1"/>
+          </p:cNvPicPr>
+          <p:nvPr/>
+        </p:nvPicPr>
+        <p:blipFill>
+          <a:blip r:embed="rId2" cstate="print">
+            <a:extLst>
+              <a:ext uri="{28A0092B-C50C-407E-A947-70E740481C1C}">
+                <a14:useLocalDpi xmlns:a14="http://schemas.microsoft.com/office/drawing/2010/main" val="0"/>
+              </a:ext>
+            </a:extLst>
+          </a:blip>
+          <a:stretch>
+            <a:fillRect/>
+          </a:stretch>
+        </p:blipFill>
+        <p:spPr>
+          <a:xfrm>
+            <a:off x="-6121861" y="2346960"/>
+            <a:ext cx="4344221" cy="2444438"/>
+          </a:xfrm>
+          <a:prstGeom prst="rect">
+            <a:avLst/>
+          </a:prstGeom>
+        </p:spPr>
+      </p:pic>
+    </p:spTree>
+    <p:extLst>
+      <p:ext uri="{BB962C8B-B14F-4D97-AF65-F5344CB8AC3E}">
+        <p14:creationId xmlns:p14="http://schemas.microsoft.com/office/powerpoint/2010/main" val="1041870055"/>
+      </p:ext>
+    </p:extLst>
+  </p:cSld>
+  <p:clrMapOvr>
+    <a:masterClrMapping/>
+  </p:clrMapOvr>
+  <p:transition>
+    <p:dissolve/>
+  </p:transition>
+  <p:timing>
+    <p:tnLst>
+      <p:par>
+        <p:cTn id="1" dur="indefinite" restart="never" nodeType="tmRoot">
+          <p:childTnLst>
+            <p:seq concurrent="1" nextAc="seek">
+              <p:cTn id="2" dur="indefinite" nodeType="mainSeq">
+                <p:childTnLst>
+                  <p:par>
+                    <p:cTn id="3" fill="hold">
+                      <p:stCondLst>
+                        <p:cond delay="indefinite"/>
+                        <p:cond evt="onBegin" delay="0">
+                          <p:tn val="2"/>
+                        </p:cond>
+                      </p:stCondLst>
+                      <p:childTnLst>
+                        <p:par>
+                          <p:cTn id="4" fill="hold">
+                            <p:stCondLst>
+                              <p:cond delay="0"/>
+                            </p:stCondLst>
+                            <p:childTnLst>
+                              <p:par>
+                                <p:cTn id="5" presetID="63" presetClass="path" presetSubtype="0" accel="50000" decel="50000" fill="hold" nodeType="withEffect">
+                                  <p:stCondLst>
+                                    <p:cond delay="0"/>
+                                  </p:stCondLst>
+                                  <p:childTnLst>
+                                    <p:animMotion origin="layout" path="M -1.66667E-6 -3.7037E-7 L 0.88932 0.00556 " pathEditMode="relative" rAng="0" ptsTypes="AA">
+                                      <p:cBhvr>
+                                        <p:cTn id="6" dur="2000" fill="hold"/>
+                                        <p:tgtEl>
+                                          <p:spTgt spid="4"/>
+                                        </p:tgtEl>
+                                        <p:attrNameLst>
+                                          <p:attrName>ppt_x</p:attrName>
+                                          <p:attrName>ppt_y</p:attrName>
+                                        </p:attrNameLst>
+                                      </p:cBhvr>
+                                      <p:rCtr x="44466" y="278"/>
+                                    </p:animMotion>
+                                  </p:childTnLst>
+                                </p:cTn>
+                              </p:par>
+                              <p:par>
+                                <p:cTn id="7" presetID="10" presetClass="entr" presetSubtype="0" fill="hold" nodeType="withEffect">
+                                  <p:stCondLst>
+                                    <p:cond delay="0"/>
+                                  </p:stCondLst>
+                                  <p:childTnLst>
+                                    <p:set>
+                                      <p:cBhvr>
+                                        <p:cTn id="8" dur="1" fill="hold">
+                                          <p:stCondLst>
+                                            <p:cond delay="0"/>
+                                          </p:stCondLst>
+                                        </p:cTn>
+                                        <p:tgtEl>
+                                          <p:spTgt spid="4"/>
+                                        </p:tgtEl>
+                                        <p:attrNameLst>
+                                          <p:attrName>style.visibility</p:attrName>
+                                        </p:attrNameLst>
+                                      </p:cBhvr>
+                                      <p:to>
+                                        <p:strVal val="visible"/>
+                                      </p:to>
+                                    </p:set>
+                                    <p:animEffect transition="in" filter="fade">
+                                      <p:cBhvr>
+                                        <p:cTn id="9" dur="2000"/>
+                                        <p:tgtEl>
+                                          <p:spTgt spid="4"/>
+                                        </p:tgtEl>
+                                      </p:cBhvr>
+                                    </p:animEffect>
+                                  </p:childTnLst>
+                                </p:cTn>
+                              </p:par>
+                              <p:par>
+                                <p:cTn id="10" presetID="6" presetClass="emph" presetSubtype="0" fill="hold" nodeType="withEffect">
+                                  <p:stCondLst>
+                                    <p:cond delay="0"/>
+                                  </p:stCondLst>
+                                  <p:childTnLst>
+                                    <p:animScale>
+                                      <p:cBhvr>
+                                        <p:cTn id="11" dur="2000" fill="hold"/>
+                                        <p:tgtEl>
+                                          <p:spTgt spid="4"/>
+                                        </p:tgtEl>
+                                      </p:cBhvr>
+                                      <p:by x="150000" y="150000"/>
+                                    </p:animScale>
+                                  </p:childTnLst>
+                                </p:cTn>
+                              </p:par>
+                            </p:childTnLst>
+                          </p:cTn>
+                        </p:par>
+                      </p:childTnLst>
+                    </p:cTn>
+                  </p:par>
+                </p:childTnLst>
+              </p:cTn>
+              <p:prevCondLst>
+                <p:cond evt="onPrev" delay="0">
+                  <p:tgtEl>
+                    <p:sldTgt/>
+                  </p:tgtEl>
+                </p:cond>
+              </p:prevCondLst>
+              <p:nextCondLst>
+                <p:cond evt="onNext" delay="0">
+                  <p:tgtEl>
+                    <p:sldTgt/>
+                  </p:tgtEl>
+                </p:cond>
+              </p:nextCondLst>
+            </p:seq>
+          </p:childTnLst>
+        </p:cTn>
+      </p:par>
+    </p:tnLst>
+  </p:timing>
+</p:sld>
+</file>
+
+<file path=ppt/slides/slide19.xml><?xml version="1.0" encoding="utf-8"?>
+<p:sld xmlns:a="http://schemas.openxmlformats.org/drawingml/2006/main" xmlns:r="http://schemas.openxmlformats.org/officeDocument/2006/relationships" xmlns:p="http://schemas.openxmlformats.org/presentationml/2006/main">
+  <p:cSld>
+    <p:spTree>
+      <p:nvGrpSpPr>
+        <p:cNvPr id="1" name=""/>
+        <p:cNvGrpSpPr/>
+        <p:nvPr/>
+      </p:nvGrpSpPr>
+      <p:grpSpPr>
+        <a:xfrm>
+          <a:off x="0" y="0"/>
+          <a:ext cx="0" cy="0"/>
+          <a:chOff x="0" y="0"/>
+          <a:chExt cx="0" cy="0"/>
+        </a:xfrm>
+      </p:grpSpPr>
       <p:sp>
         <p:nvSpPr>
           <p:cNvPr id="2" name="Title 1"/>
@@ -4167,11 +5561,7 @@
             </a:r>
             <a:r>
               <a:rPr lang="bg-BG" sz="2400" dirty="0" smtClean="0"/>
-              <a:t> Потребителят въвежда </a:t>
-            </a:r>
-            <a:r>
-              <a:rPr lang="bg-BG" sz="2400" dirty="0" smtClean="0"/>
-              <a:t>две числа и едни знак след това.</a:t>
+              <a:t> Потребителят въвежда две числа и едни знак след това.</a:t>
             </a:r>
             <a:r>
               <a:rPr lang="en-US" sz="2400" dirty="0" smtClean="0"/>
@@ -4181,7 +5571,6 @@
               <a:rPr lang="bg-BG" sz="2400" dirty="0" smtClean="0"/>
               <a:t>Отпечатайте резултата от изчислението. Използвайте функции.</a:t>
             </a:r>
-            <a:endParaRPr lang="bg-BG" sz="2400" dirty="0" smtClean="0"/>
           </a:p>
         </p:txBody>
       </p:sp>
@@ -4719,505 +6108,6 @@
 </p:sld>
 </file>
 
-<file path=ppt/slides/slide16.xml><?xml version="1.0" encoding="utf-8"?>
-<p:sld xmlns:a="http://schemas.openxmlformats.org/drawingml/2006/main" xmlns:r="http://schemas.openxmlformats.org/officeDocument/2006/relationships" xmlns:p="http://schemas.openxmlformats.org/presentationml/2006/main">
-  <p:cSld>
-    <p:spTree>
-      <p:nvGrpSpPr>
-        <p:cNvPr id="1" name=""/>
-        <p:cNvGrpSpPr/>
-        <p:nvPr/>
-      </p:nvGrpSpPr>
-      <p:grpSpPr>
-        <a:xfrm>
-          <a:off x="0" y="0"/>
-          <a:ext cx="0" cy="0"/>
-          <a:chOff x="0" y="0"/>
-          <a:chExt cx="0" cy="0"/>
-        </a:xfrm>
-      </p:grpSpPr>
-      <p:sp>
-        <p:nvSpPr>
-          <p:cNvPr id="2" name="Title 1"/>
-          <p:cNvSpPr>
-            <a:spLocks noGrp="1"/>
-          </p:cNvSpPr>
-          <p:nvPr>
-            <p:ph type="title"/>
-          </p:nvPr>
-        </p:nvSpPr>
-        <p:spPr/>
-        <p:txBody>
-          <a:bodyPr/>
-          <a:lstStyle/>
-          <a:p>
-            <a:r>
-              <a:rPr lang="bg-BG" dirty="0" smtClean="0"/>
-              <a:t>Ресурси</a:t>
-            </a:r>
-            <a:endParaRPr lang="bg-BG" dirty="0"/>
-          </a:p>
-        </p:txBody>
-      </p:sp>
-      <p:pic>
-        <p:nvPicPr>
-          <p:cNvPr id="2050" name="Picture 2" descr="LINKS-AND-resources – L E A D"/>
-          <p:cNvPicPr>
-            <a:picLocks noChangeAspect="1" noChangeArrowheads="1"/>
-          </p:cNvPicPr>
-          <p:nvPr/>
-        </p:nvPicPr>
-        <p:blipFill rotWithShape="1">
-          <a:blip r:embed="rId2">
-            <a:extLst>
-              <a:ext uri="{BEBA8EAE-BF5A-486C-A8C5-ECC9F3942E4B}">
-                <a14:imgProps xmlns:a14="http://schemas.microsoft.com/office/drawing/2010/main">
-                  <a14:imgLayer r:embed="rId3">
-                    <a14:imgEffect>
-                      <a14:brightnessContrast bright="40000" contrast="-40000"/>
-                    </a14:imgEffect>
-                  </a14:imgLayer>
-                </a14:imgProps>
-              </a:ext>
-              <a:ext uri="{28A0092B-C50C-407E-A947-70E740481C1C}">
-                <a14:useLocalDpi xmlns:a14="http://schemas.microsoft.com/office/drawing/2010/main" val="0"/>
-              </a:ext>
-            </a:extLst>
-          </a:blip>
-          <a:srcRect t="12606"/>
-          <a:stretch/>
-        </p:blipFill>
-        <p:spPr bwMode="auto">
-          <a:xfrm>
-            <a:off x="3918020" y="1457864"/>
-            <a:ext cx="5550009" cy="2731635"/>
-          </a:xfrm>
-          <a:prstGeom prst="rect">
-            <a:avLst/>
-          </a:prstGeom>
-          <a:noFill/>
-          <a:extLst>
-            <a:ext uri="{909E8E84-426E-40DD-AFC4-6F175D3DCCD1}">
-              <a14:hiddenFill xmlns:a14="http://schemas.microsoft.com/office/drawing/2010/main">
-                <a:solidFill>
-                  <a:srgbClr val="FFFFFF"/>
-                </a:solidFill>
-              </a14:hiddenFill>
-            </a:ext>
-          </a:extLst>
-        </p:spPr>
-      </p:pic>
-      <p:sp>
-        <p:nvSpPr>
-          <p:cNvPr id="3" name="Content Placeholder 2"/>
-          <p:cNvSpPr>
-            <a:spLocks noGrp="1"/>
-          </p:cNvSpPr>
-          <p:nvPr>
-            <p:ph idx="1"/>
-          </p:nvPr>
-        </p:nvSpPr>
-        <p:spPr>
-          <a:xfrm>
-            <a:off x="2475780" y="3653970"/>
-            <a:ext cx="8923308" cy="4351338"/>
-          </a:xfrm>
-        </p:spPr>
-        <p:txBody>
-          <a:bodyPr>
-            <a:normAutofit/>
-          </a:bodyPr>
-          <a:lstStyle/>
-          <a:p>
-            <a:pPr marL="0" indent="0" algn="ctr">
-              <a:buNone/>
-            </a:pPr>
-            <a:r>
-              <a:rPr lang="bg-BG" sz="2400" dirty="0" smtClean="0"/>
-              <a:t>Можете да намерите записите на лекциите, презентациите и домашните на:</a:t>
-            </a:r>
-            <a:endParaRPr lang="en-US" sz="2400" dirty="0" smtClean="0"/>
-          </a:p>
-          <a:p>
-            <a:pPr marL="0" indent="0" algn="ctr">
-              <a:buNone/>
-            </a:pPr>
-            <a:r>
-              <a:rPr lang="en-US" sz="2400" b="1" u="sng" dirty="0" smtClean="0">
-                <a:solidFill>
-                  <a:srgbClr val="0070C0"/>
-                </a:solidFill>
-                <a:hlinkClick r:id="rId4"/>
-              </a:rPr>
-              <a:t>https</a:t>
-            </a:r>
-            <a:r>
-              <a:rPr lang="en-US" sz="2400" b="1" u="sng" dirty="0">
-                <a:solidFill>
-                  <a:srgbClr val="0070C0"/>
-                </a:solidFill>
-                <a:hlinkClick r:id="rId4"/>
-              </a:rPr>
-              <a:t>://github.com/CoderDojoBulgaria/CoderDojo-2020-Autumn/tree/master/Algo_Coding_Java</a:t>
-            </a:r>
-            <a:endParaRPr lang="bg-BG" sz="2400" b="1" u="sng" dirty="0">
-              <a:solidFill>
-                <a:srgbClr val="0070C0"/>
-              </a:solidFill>
-            </a:endParaRPr>
-          </a:p>
-        </p:txBody>
-      </p:sp>
-    </p:spTree>
-    <p:extLst>
-      <p:ext uri="{BB962C8B-B14F-4D97-AF65-F5344CB8AC3E}">
-        <p14:creationId xmlns:p14="http://schemas.microsoft.com/office/powerpoint/2010/main" val="1842498130"/>
-      </p:ext>
-    </p:extLst>
-  </p:cSld>
-  <p:clrMapOvr>
-    <a:masterClrMapping/>
-  </p:clrMapOvr>
-  <p:transition>
-    <p:dissolve/>
-  </p:transition>
-  <p:timing>
-    <p:tnLst>
-      <p:par>
-        <p:cTn id="1" dur="indefinite" restart="never" nodeType="tmRoot"/>
-      </p:par>
-    </p:tnLst>
-  </p:timing>
-</p:sld>
-</file>
-
-<file path=ppt/slides/slide17.xml><?xml version="1.0" encoding="utf-8"?>
-<p:sld xmlns:a="http://schemas.openxmlformats.org/drawingml/2006/main" xmlns:r="http://schemas.openxmlformats.org/officeDocument/2006/relationships" xmlns:p="http://schemas.openxmlformats.org/presentationml/2006/main">
-  <p:cSld>
-    <p:spTree>
-      <p:nvGrpSpPr>
-        <p:cNvPr id="1" name=""/>
-        <p:cNvGrpSpPr/>
-        <p:nvPr/>
-      </p:nvGrpSpPr>
-      <p:grpSpPr>
-        <a:xfrm>
-          <a:off x="0" y="0"/>
-          <a:ext cx="0" cy="0"/>
-          <a:chOff x="0" y="0"/>
-          <a:chExt cx="0" cy="0"/>
-        </a:xfrm>
-      </p:grpSpPr>
-      <p:pic>
-        <p:nvPicPr>
-          <p:cNvPr id="1026" name="Picture 2" descr="The Question Is What Happened to the Question Mark? - Proof That Blog"/>
-          <p:cNvPicPr>
-            <a:picLocks noChangeAspect="1" noChangeArrowheads="1"/>
-          </p:cNvPicPr>
-          <p:nvPr/>
-        </p:nvPicPr>
-        <p:blipFill>
-          <a:blip r:embed="rId2">
-            <a:extLst>
-              <a:ext uri="{BEBA8EAE-BF5A-486C-A8C5-ECC9F3942E4B}">
-                <a14:imgProps xmlns:a14="http://schemas.microsoft.com/office/drawing/2010/main">
-                  <a14:imgLayer r:embed="rId3">
-                    <a14:imgEffect>
-                      <a14:sharpenSoften amount="-50000"/>
-                    </a14:imgEffect>
-                  </a14:imgLayer>
-                </a14:imgProps>
-              </a:ext>
-              <a:ext uri="{28A0092B-C50C-407E-A947-70E740481C1C}">
-                <a14:useLocalDpi xmlns:a14="http://schemas.microsoft.com/office/drawing/2010/main" val="0"/>
-              </a:ext>
-            </a:extLst>
-          </a:blip>
-          <a:srcRect/>
-          <a:stretch>
-            <a:fillRect/>
-          </a:stretch>
-        </p:blipFill>
-        <p:spPr bwMode="auto">
-          <a:xfrm>
-            <a:off x="9751779" y="4491701"/>
-            <a:ext cx="2213059" cy="2213059"/>
-          </a:xfrm>
-          <a:prstGeom prst="rect">
-            <a:avLst/>
-          </a:prstGeom>
-          <a:ln>
-            <a:noFill/>
-          </a:ln>
-          <a:effectLst>
-            <a:softEdge rad="112500"/>
-          </a:effectLst>
-          <a:extLst>
-            <a:ext uri="{909E8E84-426E-40DD-AFC4-6F175D3DCCD1}">
-              <a14:hiddenFill xmlns:a14="http://schemas.microsoft.com/office/drawing/2010/main">
-                <a:solidFill>
-                  <a:srgbClr val="FFFFFF"/>
-                </a:solidFill>
-              </a14:hiddenFill>
-            </a:ext>
-          </a:extLst>
-        </p:spPr>
-      </p:pic>
-      <p:sp>
-        <p:nvSpPr>
-          <p:cNvPr id="2" name="Title 1"/>
-          <p:cNvSpPr>
-            <a:spLocks noGrp="1"/>
-          </p:cNvSpPr>
-          <p:nvPr>
-            <p:ph type="title"/>
-          </p:nvPr>
-        </p:nvSpPr>
-        <p:spPr/>
-        <p:txBody>
-          <a:bodyPr/>
-          <a:lstStyle/>
-          <a:p>
-            <a:r>
-              <a:rPr lang="bg-BG" dirty="0" smtClean="0"/>
-              <a:t>За следващата среща</a:t>
-            </a:r>
-            <a:endParaRPr lang="bg-BG" dirty="0"/>
-          </a:p>
-        </p:txBody>
-      </p:sp>
-      <p:sp>
-        <p:nvSpPr>
-          <p:cNvPr id="3" name="Content Placeholder 2"/>
-          <p:cNvSpPr>
-            <a:spLocks noGrp="1"/>
-          </p:cNvSpPr>
-          <p:nvPr>
-            <p:ph idx="1"/>
-          </p:nvPr>
-        </p:nvSpPr>
-        <p:spPr>
-          <a:xfrm>
-            <a:off x="2324100" y="1547833"/>
-            <a:ext cx="9640738" cy="4351338"/>
-          </a:xfrm>
-        </p:spPr>
-        <p:txBody>
-          <a:bodyPr/>
-          <a:lstStyle/>
-          <a:p>
-            <a:pPr algn="just"/>
-            <a:r>
-              <a:rPr lang="bg-BG" dirty="0" smtClean="0"/>
-              <a:t>Помислете какви плюсове ви носят функциите. Според вас правят ли програмата по-лесна за </a:t>
-            </a:r>
-            <a:r>
-              <a:rPr lang="bg-BG" dirty="0" err="1" smtClean="0"/>
-              <a:t>дебъгване</a:t>
-            </a:r>
-            <a:r>
-              <a:rPr lang="bg-BG" dirty="0" smtClean="0"/>
-              <a:t>?</a:t>
-            </a:r>
-            <a:endParaRPr lang="en-US" dirty="0"/>
-          </a:p>
-          <a:p>
-            <a:pPr algn="just"/>
-            <a:r>
-              <a:rPr lang="bg-BG" dirty="0" smtClean="0"/>
-              <a:t>Напишете </a:t>
-            </a:r>
-            <a:r>
-              <a:rPr lang="de-DE" dirty="0" smtClean="0"/>
-              <a:t>int</a:t>
-            </a:r>
-            <a:r>
-              <a:rPr lang="en-US" dirty="0" smtClean="0"/>
-              <a:t>[]</a:t>
-            </a:r>
-            <a:r>
-              <a:rPr lang="de-DE" dirty="0" smtClean="0"/>
-              <a:t> test = new int[5];</a:t>
-            </a:r>
-            <a:r>
-              <a:rPr lang="bg-BG" dirty="0"/>
-              <a:t> </a:t>
-            </a:r>
-            <a:r>
-              <a:rPr lang="bg-BG" dirty="0" smtClean="0"/>
-              <a:t>Какво се случи?</a:t>
-            </a:r>
-            <a:endParaRPr lang="de-DE" dirty="0" smtClean="0"/>
-          </a:p>
-        </p:txBody>
-      </p:sp>
-    </p:spTree>
-    <p:extLst>
-      <p:ext uri="{BB962C8B-B14F-4D97-AF65-F5344CB8AC3E}">
-        <p14:creationId xmlns:p14="http://schemas.microsoft.com/office/powerpoint/2010/main" val="1373324726"/>
-      </p:ext>
-    </p:extLst>
-  </p:cSld>
-  <p:clrMapOvr>
-    <a:masterClrMapping/>
-  </p:clrMapOvr>
-  <p:transition>
-    <p:dissolve/>
-  </p:transition>
-  <p:timing>
-    <p:tnLst>
-      <p:par>
-        <p:cTn id="1" dur="indefinite" restart="never" nodeType="tmRoot"/>
-      </p:par>
-    </p:tnLst>
-  </p:timing>
-</p:sld>
-</file>
-
-<file path=ppt/slides/slide18.xml><?xml version="1.0" encoding="utf-8"?>
-<p:sld xmlns:a="http://schemas.openxmlformats.org/drawingml/2006/main" xmlns:r="http://schemas.openxmlformats.org/officeDocument/2006/relationships" xmlns:p="http://schemas.openxmlformats.org/presentationml/2006/main">
-  <p:cSld>
-    <p:spTree>
-      <p:nvGrpSpPr>
-        <p:cNvPr id="1" name=""/>
-        <p:cNvGrpSpPr/>
-        <p:nvPr/>
-      </p:nvGrpSpPr>
-      <p:grpSpPr>
-        <a:xfrm>
-          <a:off x="0" y="0"/>
-          <a:ext cx="0" cy="0"/>
-          <a:chOff x="0" y="0"/>
-          <a:chExt cx="0" cy="0"/>
-        </a:xfrm>
-      </p:grpSpPr>
-      <p:sp>
-        <p:nvSpPr>
-          <p:cNvPr id="2" name="Title 1"/>
-          <p:cNvSpPr>
-            <a:spLocks noGrp="1"/>
-          </p:cNvSpPr>
-          <p:nvPr>
-            <p:ph type="title"/>
-          </p:nvPr>
-        </p:nvSpPr>
-        <p:spPr>
-          <a:xfrm>
-            <a:off x="2235062" y="1425300"/>
-            <a:ext cx="10515600" cy="1325563"/>
-          </a:xfrm>
-        </p:spPr>
-        <p:txBody>
-          <a:bodyPr>
-            <a:noAutofit/>
-          </a:bodyPr>
-          <a:lstStyle/>
-          <a:p>
-            <a:r>
-              <a:rPr lang="bg-BG" sz="6000" dirty="0" smtClean="0"/>
-              <a:t>До </a:t>
-            </a:r>
-            <a:r>
-              <a:rPr lang="bg-BG" sz="6000" dirty="0"/>
-              <a:t>с</a:t>
-            </a:r>
-            <a:r>
-              <a:rPr lang="bg-BG" sz="6000" dirty="0" smtClean="0"/>
-              <a:t>ледващия път, </a:t>
-            </a:r>
-            <a:r>
-              <a:rPr lang="bg-BG" sz="6000" dirty="0" err="1" smtClean="0"/>
-              <a:t>нинджи</a:t>
-            </a:r>
-            <a:r>
-              <a:rPr lang="en-US" sz="6000" dirty="0" smtClean="0"/>
-              <a:t>!</a:t>
-            </a:r>
-            <a:endParaRPr lang="bg-BG" sz="6000" dirty="0"/>
-          </a:p>
-        </p:txBody>
-      </p:sp>
-      <p:pic>
-        <p:nvPicPr>
-          <p:cNvPr id="7170" name="Picture 2" descr="Fraud Icon Stock Illustrations, Cliparts And Royalty Free Fraud Icon Vectors"/>
-          <p:cNvPicPr>
-            <a:picLocks noChangeAspect="1" noChangeArrowheads="1"/>
-          </p:cNvPicPr>
-          <p:nvPr/>
-        </p:nvPicPr>
-        <p:blipFill>
-          <a:blip r:embed="rId2">
-            <a:clrChange>
-              <a:clrFrom>
-                <a:srgbClr val="FFFFFF"/>
-              </a:clrFrom>
-              <a:clrTo>
-                <a:srgbClr val="FFFFFF">
-                  <a:alpha val="0"/>
-                </a:srgbClr>
-              </a:clrTo>
-            </a:clrChange>
-            <a:duotone>
-              <a:schemeClr val="accent6">
-                <a:shade val="45000"/>
-                <a:satMod val="135000"/>
-              </a:schemeClr>
-              <a:prstClr val="white"/>
-            </a:duotone>
-            <a:extLst>
-              <a:ext uri="{28A0092B-C50C-407E-A947-70E740481C1C}">
-                <a14:useLocalDpi xmlns:a14="http://schemas.microsoft.com/office/drawing/2010/main" val="0"/>
-              </a:ext>
-            </a:extLst>
-          </a:blip>
-          <a:srcRect/>
-          <a:stretch>
-            <a:fillRect/>
-          </a:stretch>
-        </p:blipFill>
-        <p:spPr bwMode="auto">
-          <a:xfrm>
-            <a:off x="8636966" y="2876550"/>
-            <a:ext cx="4286250" cy="4286250"/>
-          </a:xfrm>
-          <a:prstGeom prst="rect">
-            <a:avLst/>
-          </a:prstGeom>
-          <a:noFill/>
-          <a:extLst>
-            <a:ext uri="{909E8E84-426E-40DD-AFC4-6F175D3DCCD1}">
-              <a14:hiddenFill xmlns:a14="http://schemas.microsoft.com/office/drawing/2010/main">
-                <a:solidFill>
-                  <a:srgbClr val="FFFFFF"/>
-                </a:solidFill>
-              </a14:hiddenFill>
-            </a:ext>
-          </a:extLst>
-        </p:spPr>
-      </p:pic>
-    </p:spTree>
-    <p:extLst>
-      <p:ext uri="{BB962C8B-B14F-4D97-AF65-F5344CB8AC3E}">
-        <p14:creationId xmlns:p14="http://schemas.microsoft.com/office/powerpoint/2010/main" val="300034673"/>
-      </p:ext>
-    </p:extLst>
-  </p:cSld>
-  <p:clrMapOvr>
-    <a:masterClrMapping/>
-  </p:clrMapOvr>
-  <p:transition>
-    <p:dissolve/>
-  </p:transition>
-  <p:timing>
-    <p:tnLst>
-      <p:par>
-        <p:cTn id="1" dur="indefinite" restart="never" nodeType="tmRoot"/>
-      </p:par>
-    </p:tnLst>
-  </p:timing>
-</p:sld>
-</file>
-
 <file path=ppt/slides/slide2.xml><?xml version="1.0" encoding="utf-8"?>
 <p:sld xmlns:a="http://schemas.openxmlformats.org/drawingml/2006/main" xmlns:r="http://schemas.openxmlformats.org/officeDocument/2006/relationships" xmlns:p="http://schemas.openxmlformats.org/presentationml/2006/main">
   <p:cSld>
@@ -5468,6 +6358,505 @@
       </p:transition>
     </mc:Fallback>
   </mc:AlternateContent>
+  <p:timing>
+    <p:tnLst>
+      <p:par>
+        <p:cTn id="1" dur="indefinite" restart="never" nodeType="tmRoot"/>
+      </p:par>
+    </p:tnLst>
+  </p:timing>
+</p:sld>
+</file>
+
+<file path=ppt/slides/slide20.xml><?xml version="1.0" encoding="utf-8"?>
+<p:sld xmlns:a="http://schemas.openxmlformats.org/drawingml/2006/main" xmlns:r="http://schemas.openxmlformats.org/officeDocument/2006/relationships" xmlns:p="http://schemas.openxmlformats.org/presentationml/2006/main">
+  <p:cSld>
+    <p:spTree>
+      <p:nvGrpSpPr>
+        <p:cNvPr id="1" name=""/>
+        <p:cNvGrpSpPr/>
+        <p:nvPr/>
+      </p:nvGrpSpPr>
+      <p:grpSpPr>
+        <a:xfrm>
+          <a:off x="0" y="0"/>
+          <a:ext cx="0" cy="0"/>
+          <a:chOff x="0" y="0"/>
+          <a:chExt cx="0" cy="0"/>
+        </a:xfrm>
+      </p:grpSpPr>
+      <p:sp>
+        <p:nvSpPr>
+          <p:cNvPr id="2" name="Title 1"/>
+          <p:cNvSpPr>
+            <a:spLocks noGrp="1"/>
+          </p:cNvSpPr>
+          <p:nvPr>
+            <p:ph type="title"/>
+          </p:nvPr>
+        </p:nvSpPr>
+        <p:spPr/>
+        <p:txBody>
+          <a:bodyPr/>
+          <a:lstStyle/>
+          <a:p>
+            <a:r>
+              <a:rPr lang="bg-BG" dirty="0" smtClean="0"/>
+              <a:t>Ресурси</a:t>
+            </a:r>
+            <a:endParaRPr lang="bg-BG" dirty="0"/>
+          </a:p>
+        </p:txBody>
+      </p:sp>
+      <p:pic>
+        <p:nvPicPr>
+          <p:cNvPr id="2050" name="Picture 2" descr="LINKS-AND-resources – L E A D"/>
+          <p:cNvPicPr>
+            <a:picLocks noChangeAspect="1" noChangeArrowheads="1"/>
+          </p:cNvPicPr>
+          <p:nvPr/>
+        </p:nvPicPr>
+        <p:blipFill rotWithShape="1">
+          <a:blip r:embed="rId2">
+            <a:extLst>
+              <a:ext uri="{BEBA8EAE-BF5A-486C-A8C5-ECC9F3942E4B}">
+                <a14:imgProps xmlns:a14="http://schemas.microsoft.com/office/drawing/2010/main">
+                  <a14:imgLayer r:embed="rId3">
+                    <a14:imgEffect>
+                      <a14:brightnessContrast bright="40000" contrast="-40000"/>
+                    </a14:imgEffect>
+                  </a14:imgLayer>
+                </a14:imgProps>
+              </a:ext>
+              <a:ext uri="{28A0092B-C50C-407E-A947-70E740481C1C}">
+                <a14:useLocalDpi xmlns:a14="http://schemas.microsoft.com/office/drawing/2010/main" val="0"/>
+              </a:ext>
+            </a:extLst>
+          </a:blip>
+          <a:srcRect t="12606"/>
+          <a:stretch/>
+        </p:blipFill>
+        <p:spPr bwMode="auto">
+          <a:xfrm>
+            <a:off x="3918020" y="1457864"/>
+            <a:ext cx="5550009" cy="2731635"/>
+          </a:xfrm>
+          <a:prstGeom prst="rect">
+            <a:avLst/>
+          </a:prstGeom>
+          <a:noFill/>
+          <a:extLst>
+            <a:ext uri="{909E8E84-426E-40DD-AFC4-6F175D3DCCD1}">
+              <a14:hiddenFill xmlns:a14="http://schemas.microsoft.com/office/drawing/2010/main">
+                <a:solidFill>
+                  <a:srgbClr val="FFFFFF"/>
+                </a:solidFill>
+              </a14:hiddenFill>
+            </a:ext>
+          </a:extLst>
+        </p:spPr>
+      </p:pic>
+      <p:sp>
+        <p:nvSpPr>
+          <p:cNvPr id="3" name="Content Placeholder 2"/>
+          <p:cNvSpPr>
+            <a:spLocks noGrp="1"/>
+          </p:cNvSpPr>
+          <p:nvPr>
+            <p:ph idx="1"/>
+          </p:nvPr>
+        </p:nvSpPr>
+        <p:spPr>
+          <a:xfrm>
+            <a:off x="2475780" y="3653970"/>
+            <a:ext cx="8923308" cy="4351338"/>
+          </a:xfrm>
+        </p:spPr>
+        <p:txBody>
+          <a:bodyPr>
+            <a:normAutofit/>
+          </a:bodyPr>
+          <a:lstStyle/>
+          <a:p>
+            <a:pPr marL="0" indent="0" algn="ctr">
+              <a:buNone/>
+            </a:pPr>
+            <a:r>
+              <a:rPr lang="bg-BG" sz="2400" dirty="0" smtClean="0"/>
+              <a:t>Можете да намерите записите на лекциите, презентациите и домашните на:</a:t>
+            </a:r>
+            <a:endParaRPr lang="en-US" sz="2400" dirty="0" smtClean="0"/>
+          </a:p>
+          <a:p>
+            <a:pPr marL="0" indent="0" algn="ctr">
+              <a:buNone/>
+            </a:pPr>
+            <a:r>
+              <a:rPr lang="en-US" sz="2400" b="1" u="sng" dirty="0" smtClean="0">
+                <a:solidFill>
+                  <a:srgbClr val="0070C0"/>
+                </a:solidFill>
+                <a:hlinkClick r:id="rId4"/>
+              </a:rPr>
+              <a:t>https</a:t>
+            </a:r>
+            <a:r>
+              <a:rPr lang="en-US" sz="2400" b="1" u="sng" dirty="0">
+                <a:solidFill>
+                  <a:srgbClr val="0070C0"/>
+                </a:solidFill>
+                <a:hlinkClick r:id="rId4"/>
+              </a:rPr>
+              <a:t>://github.com/CoderDojoBulgaria/CoderDojo-2020-Autumn/tree/master/Algo_Coding_Java</a:t>
+            </a:r>
+            <a:endParaRPr lang="bg-BG" sz="2400" b="1" u="sng" dirty="0">
+              <a:solidFill>
+                <a:srgbClr val="0070C0"/>
+              </a:solidFill>
+            </a:endParaRPr>
+          </a:p>
+        </p:txBody>
+      </p:sp>
+    </p:spTree>
+    <p:extLst>
+      <p:ext uri="{BB962C8B-B14F-4D97-AF65-F5344CB8AC3E}">
+        <p14:creationId xmlns:p14="http://schemas.microsoft.com/office/powerpoint/2010/main" val="1842498130"/>
+      </p:ext>
+    </p:extLst>
+  </p:cSld>
+  <p:clrMapOvr>
+    <a:masterClrMapping/>
+  </p:clrMapOvr>
+  <p:transition>
+    <p:dissolve/>
+  </p:transition>
+  <p:timing>
+    <p:tnLst>
+      <p:par>
+        <p:cTn id="1" dur="indefinite" restart="never" nodeType="tmRoot"/>
+      </p:par>
+    </p:tnLst>
+  </p:timing>
+</p:sld>
+</file>
+
+<file path=ppt/slides/slide21.xml><?xml version="1.0" encoding="utf-8"?>
+<p:sld xmlns:a="http://schemas.openxmlformats.org/drawingml/2006/main" xmlns:r="http://schemas.openxmlformats.org/officeDocument/2006/relationships" xmlns:p="http://schemas.openxmlformats.org/presentationml/2006/main">
+  <p:cSld>
+    <p:spTree>
+      <p:nvGrpSpPr>
+        <p:cNvPr id="1" name=""/>
+        <p:cNvGrpSpPr/>
+        <p:nvPr/>
+      </p:nvGrpSpPr>
+      <p:grpSpPr>
+        <a:xfrm>
+          <a:off x="0" y="0"/>
+          <a:ext cx="0" cy="0"/>
+          <a:chOff x="0" y="0"/>
+          <a:chExt cx="0" cy="0"/>
+        </a:xfrm>
+      </p:grpSpPr>
+      <p:pic>
+        <p:nvPicPr>
+          <p:cNvPr id="1026" name="Picture 2" descr="The Question Is What Happened to the Question Mark? - Proof That Blog"/>
+          <p:cNvPicPr>
+            <a:picLocks noChangeAspect="1" noChangeArrowheads="1"/>
+          </p:cNvPicPr>
+          <p:nvPr/>
+        </p:nvPicPr>
+        <p:blipFill>
+          <a:blip r:embed="rId2">
+            <a:extLst>
+              <a:ext uri="{BEBA8EAE-BF5A-486C-A8C5-ECC9F3942E4B}">
+                <a14:imgProps xmlns:a14="http://schemas.microsoft.com/office/drawing/2010/main">
+                  <a14:imgLayer r:embed="rId3">
+                    <a14:imgEffect>
+                      <a14:sharpenSoften amount="-50000"/>
+                    </a14:imgEffect>
+                  </a14:imgLayer>
+                </a14:imgProps>
+              </a:ext>
+              <a:ext uri="{28A0092B-C50C-407E-A947-70E740481C1C}">
+                <a14:useLocalDpi xmlns:a14="http://schemas.microsoft.com/office/drawing/2010/main" val="0"/>
+              </a:ext>
+            </a:extLst>
+          </a:blip>
+          <a:srcRect/>
+          <a:stretch>
+            <a:fillRect/>
+          </a:stretch>
+        </p:blipFill>
+        <p:spPr bwMode="auto">
+          <a:xfrm>
+            <a:off x="9751779" y="4491701"/>
+            <a:ext cx="2213059" cy="2213059"/>
+          </a:xfrm>
+          <a:prstGeom prst="rect">
+            <a:avLst/>
+          </a:prstGeom>
+          <a:ln>
+            <a:noFill/>
+          </a:ln>
+          <a:effectLst>
+            <a:softEdge rad="112500"/>
+          </a:effectLst>
+          <a:extLst>
+            <a:ext uri="{909E8E84-426E-40DD-AFC4-6F175D3DCCD1}">
+              <a14:hiddenFill xmlns:a14="http://schemas.microsoft.com/office/drawing/2010/main">
+                <a:solidFill>
+                  <a:srgbClr val="FFFFFF"/>
+                </a:solidFill>
+              </a14:hiddenFill>
+            </a:ext>
+          </a:extLst>
+        </p:spPr>
+      </p:pic>
+      <p:sp>
+        <p:nvSpPr>
+          <p:cNvPr id="2" name="Title 1"/>
+          <p:cNvSpPr>
+            <a:spLocks noGrp="1"/>
+          </p:cNvSpPr>
+          <p:nvPr>
+            <p:ph type="title"/>
+          </p:nvPr>
+        </p:nvSpPr>
+        <p:spPr/>
+        <p:txBody>
+          <a:bodyPr/>
+          <a:lstStyle/>
+          <a:p>
+            <a:r>
+              <a:rPr lang="bg-BG" dirty="0" smtClean="0"/>
+              <a:t>За следващата среща</a:t>
+            </a:r>
+            <a:endParaRPr lang="bg-BG" dirty="0"/>
+          </a:p>
+        </p:txBody>
+      </p:sp>
+      <p:sp>
+        <p:nvSpPr>
+          <p:cNvPr id="3" name="Content Placeholder 2"/>
+          <p:cNvSpPr>
+            <a:spLocks noGrp="1"/>
+          </p:cNvSpPr>
+          <p:nvPr>
+            <p:ph idx="1"/>
+          </p:nvPr>
+        </p:nvSpPr>
+        <p:spPr>
+          <a:xfrm>
+            <a:off x="2324100" y="1547833"/>
+            <a:ext cx="9640738" cy="4351338"/>
+          </a:xfrm>
+        </p:spPr>
+        <p:txBody>
+          <a:bodyPr/>
+          <a:lstStyle/>
+          <a:p>
+            <a:pPr algn="just"/>
+            <a:r>
+              <a:rPr lang="bg-BG" dirty="0" smtClean="0"/>
+              <a:t>Помислете какви плюсове ви носят функциите. Според вас правят ли програмата по-лесна за </a:t>
+            </a:r>
+            <a:r>
+              <a:rPr lang="bg-BG" dirty="0" err="1" smtClean="0"/>
+              <a:t>дебъгване</a:t>
+            </a:r>
+            <a:r>
+              <a:rPr lang="bg-BG" dirty="0" smtClean="0"/>
+              <a:t>?</a:t>
+            </a:r>
+            <a:endParaRPr lang="en-US" dirty="0"/>
+          </a:p>
+          <a:p>
+            <a:pPr algn="just"/>
+            <a:r>
+              <a:rPr lang="bg-BG" dirty="0" smtClean="0"/>
+              <a:t>Напишете </a:t>
+            </a:r>
+            <a:r>
+              <a:rPr lang="de-DE" dirty="0" smtClean="0"/>
+              <a:t>int</a:t>
+            </a:r>
+            <a:r>
+              <a:rPr lang="en-US" dirty="0" smtClean="0"/>
+              <a:t>[]</a:t>
+            </a:r>
+            <a:r>
+              <a:rPr lang="de-DE" dirty="0" smtClean="0"/>
+              <a:t> test = new int[5];</a:t>
+            </a:r>
+            <a:r>
+              <a:rPr lang="bg-BG" dirty="0"/>
+              <a:t> </a:t>
+            </a:r>
+            <a:r>
+              <a:rPr lang="bg-BG" dirty="0" smtClean="0"/>
+              <a:t>Какво се случи?</a:t>
+            </a:r>
+            <a:endParaRPr lang="de-DE" dirty="0" smtClean="0"/>
+          </a:p>
+        </p:txBody>
+      </p:sp>
+    </p:spTree>
+    <p:extLst>
+      <p:ext uri="{BB962C8B-B14F-4D97-AF65-F5344CB8AC3E}">
+        <p14:creationId xmlns:p14="http://schemas.microsoft.com/office/powerpoint/2010/main" val="1373324726"/>
+      </p:ext>
+    </p:extLst>
+  </p:cSld>
+  <p:clrMapOvr>
+    <a:masterClrMapping/>
+  </p:clrMapOvr>
+  <p:transition>
+    <p:dissolve/>
+  </p:transition>
+  <p:timing>
+    <p:tnLst>
+      <p:par>
+        <p:cTn id="1" dur="indefinite" restart="never" nodeType="tmRoot"/>
+      </p:par>
+    </p:tnLst>
+  </p:timing>
+</p:sld>
+</file>
+
+<file path=ppt/slides/slide22.xml><?xml version="1.0" encoding="utf-8"?>
+<p:sld xmlns:a="http://schemas.openxmlformats.org/drawingml/2006/main" xmlns:r="http://schemas.openxmlformats.org/officeDocument/2006/relationships" xmlns:p="http://schemas.openxmlformats.org/presentationml/2006/main">
+  <p:cSld>
+    <p:spTree>
+      <p:nvGrpSpPr>
+        <p:cNvPr id="1" name=""/>
+        <p:cNvGrpSpPr/>
+        <p:nvPr/>
+      </p:nvGrpSpPr>
+      <p:grpSpPr>
+        <a:xfrm>
+          <a:off x="0" y="0"/>
+          <a:ext cx="0" cy="0"/>
+          <a:chOff x="0" y="0"/>
+          <a:chExt cx="0" cy="0"/>
+        </a:xfrm>
+      </p:grpSpPr>
+      <p:sp>
+        <p:nvSpPr>
+          <p:cNvPr id="2" name="Title 1"/>
+          <p:cNvSpPr>
+            <a:spLocks noGrp="1"/>
+          </p:cNvSpPr>
+          <p:nvPr>
+            <p:ph type="title"/>
+          </p:nvPr>
+        </p:nvSpPr>
+        <p:spPr>
+          <a:xfrm>
+            <a:off x="2235062" y="1425300"/>
+            <a:ext cx="10515600" cy="1325563"/>
+          </a:xfrm>
+        </p:spPr>
+        <p:txBody>
+          <a:bodyPr>
+            <a:noAutofit/>
+          </a:bodyPr>
+          <a:lstStyle/>
+          <a:p>
+            <a:r>
+              <a:rPr lang="bg-BG" sz="6000" dirty="0" smtClean="0"/>
+              <a:t>До </a:t>
+            </a:r>
+            <a:r>
+              <a:rPr lang="bg-BG" sz="6000" dirty="0"/>
+              <a:t>с</a:t>
+            </a:r>
+            <a:r>
+              <a:rPr lang="bg-BG" sz="6000" dirty="0" smtClean="0"/>
+              <a:t>ледващия път, </a:t>
+            </a:r>
+            <a:r>
+              <a:rPr lang="bg-BG" sz="6000" dirty="0" err="1" smtClean="0"/>
+              <a:t>нинджи</a:t>
+            </a:r>
+            <a:r>
+              <a:rPr lang="en-US" sz="6000" dirty="0" smtClean="0"/>
+              <a:t>!</a:t>
+            </a:r>
+            <a:endParaRPr lang="bg-BG" sz="6000" dirty="0"/>
+          </a:p>
+        </p:txBody>
+      </p:sp>
+      <p:pic>
+        <p:nvPicPr>
+          <p:cNvPr id="7170" name="Picture 2" descr="Fraud Icon Stock Illustrations, Cliparts And Royalty Free Fraud Icon Vectors"/>
+          <p:cNvPicPr>
+            <a:picLocks noChangeAspect="1" noChangeArrowheads="1"/>
+          </p:cNvPicPr>
+          <p:nvPr/>
+        </p:nvPicPr>
+        <p:blipFill>
+          <a:blip r:embed="rId2">
+            <a:clrChange>
+              <a:clrFrom>
+                <a:srgbClr val="FFFFFF"/>
+              </a:clrFrom>
+              <a:clrTo>
+                <a:srgbClr val="FFFFFF">
+                  <a:alpha val="0"/>
+                </a:srgbClr>
+              </a:clrTo>
+            </a:clrChange>
+            <a:duotone>
+              <a:schemeClr val="accent6">
+                <a:shade val="45000"/>
+                <a:satMod val="135000"/>
+              </a:schemeClr>
+              <a:prstClr val="white"/>
+            </a:duotone>
+            <a:extLst>
+              <a:ext uri="{28A0092B-C50C-407E-A947-70E740481C1C}">
+                <a14:useLocalDpi xmlns:a14="http://schemas.microsoft.com/office/drawing/2010/main" val="0"/>
+              </a:ext>
+            </a:extLst>
+          </a:blip>
+          <a:srcRect/>
+          <a:stretch>
+            <a:fillRect/>
+          </a:stretch>
+        </p:blipFill>
+        <p:spPr bwMode="auto">
+          <a:xfrm>
+            <a:off x="8636966" y="2876550"/>
+            <a:ext cx="4286250" cy="4286250"/>
+          </a:xfrm>
+          <a:prstGeom prst="rect">
+            <a:avLst/>
+          </a:prstGeom>
+          <a:noFill/>
+          <a:extLst>
+            <a:ext uri="{909E8E84-426E-40DD-AFC4-6F175D3DCCD1}">
+              <a14:hiddenFill xmlns:a14="http://schemas.microsoft.com/office/drawing/2010/main">
+                <a:solidFill>
+                  <a:srgbClr val="FFFFFF"/>
+                </a:solidFill>
+              </a14:hiddenFill>
+            </a:ext>
+          </a:extLst>
+        </p:spPr>
+      </p:pic>
+    </p:spTree>
+    <p:extLst>
+      <p:ext uri="{BB962C8B-B14F-4D97-AF65-F5344CB8AC3E}">
+        <p14:creationId xmlns:p14="http://schemas.microsoft.com/office/powerpoint/2010/main" val="300034673"/>
+      </p:ext>
+    </p:extLst>
+  </p:cSld>
+  <p:clrMapOvr>
+    <a:masterClrMapping/>
+  </p:clrMapOvr>
+  <p:transition>
+    <p:dissolve/>
+  </p:transition>
   <p:timing>
     <p:tnLst>
       <p:par>
@@ -6279,7 +7668,6 @@
               <a:rPr lang="bg-BG" dirty="0" smtClean="0"/>
               <a:t>Функции – код с име</a:t>
             </a:r>
-            <a:endParaRPr lang="bg-BG" dirty="0" smtClean="0"/>
           </a:p>
           <a:p>
             <a:pPr algn="just"/>
@@ -6513,13 +7901,13 @@
   <p:clrMapOvr>
     <a:masterClrMapping/>
   </p:clrMapOvr>
-  <mc:AlternateContent xmlns:mc="http://schemas.openxmlformats.org/markup-compatibility/2006">
-    <mc:Choice xmlns:p14="http://schemas.microsoft.com/office/powerpoint/2010/main" Requires="p14">
+  <mc:AlternateContent xmlns:mc="http://schemas.openxmlformats.org/markup-compatibility/2006" xmlns:p14="http://schemas.microsoft.com/office/powerpoint/2010/main">
+    <mc:Choice Requires="p14">
       <p:transition spd="slow" p14:dur="3000">
         <p14:shred/>
       </p:transition>
     </mc:Choice>
-    <mc:Fallback>
+    <mc:Fallback xmlns="">
       <p:transition spd="slow">
         <p:fade/>
       </p:transition>
@@ -7156,13 +8544,6 @@
               </a:rPr>
               <a:t>}</a:t>
             </a:r>
-            <a:endParaRPr lang="en-US" sz="2400" dirty="0" smtClean="0">
-              <a:solidFill>
-                <a:srgbClr val="FF0000"/>
-              </a:solidFill>
-              <a:latin typeface="Courier New" panose="02070309020205020404" pitchFamily="49" charset="0"/>
-              <a:cs typeface="Courier New" panose="02070309020205020404" pitchFamily="49" charset="0"/>
-            </a:endParaRPr>
           </a:p>
         </p:txBody>
       </p:sp>
@@ -7176,13 +8557,13 @@
   <p:clrMapOvr>
     <a:masterClrMapping/>
   </p:clrMapOvr>
-  <mc:AlternateContent xmlns:mc="http://schemas.openxmlformats.org/markup-compatibility/2006">
-    <mc:Choice xmlns:p14="http://schemas.microsoft.com/office/powerpoint/2010/main" Requires="p14">
+  <mc:AlternateContent xmlns:mc="http://schemas.openxmlformats.org/markup-compatibility/2006" xmlns:p14="http://schemas.microsoft.com/office/powerpoint/2010/main">
+    <mc:Choice Requires="p14">
       <p:transition spd="slow" p14:dur="3000">
         <p14:shred/>
       </p:transition>
     </mc:Choice>
-    <mc:Fallback>
+    <mc:Fallback xmlns="">
       <p:transition spd="slow">
         <p:fade/>
       </p:transition>
@@ -7215,40 +8596,48 @@
           <a:chExt cx="0" cy="0"/>
         </a:xfrm>
       </p:grpSpPr>
-      <p:pic>
-        <p:nvPicPr>
-          <p:cNvPr id="4" name="Picture 3"/>
-          <p:cNvPicPr>
-            <a:picLocks noChangeAspect="1"/>
-          </p:cNvPicPr>
-          <p:nvPr/>
-        </p:nvPicPr>
-        <p:blipFill>
-          <a:blip r:embed="rId2" cstate="print">
-            <a:extLst>
-              <a:ext uri="{28A0092B-C50C-407E-A947-70E740481C1C}">
-                <a14:useLocalDpi xmlns:a14="http://schemas.microsoft.com/office/drawing/2010/main" val="0"/>
-              </a:ext>
-            </a:extLst>
-          </a:blip>
-          <a:stretch>
-            <a:fillRect/>
-          </a:stretch>
-        </p:blipFill>
-        <p:spPr>
-          <a:xfrm>
-            <a:off x="-6121861" y="2346960"/>
-            <a:ext cx="4344221" cy="2444438"/>
-          </a:xfrm>
-          <a:prstGeom prst="rect">
-            <a:avLst/>
-          </a:prstGeom>
-        </p:spPr>
-      </p:pic>
+      <p:sp>
+        <p:nvSpPr>
+          <p:cNvPr id="2" name="Title 1"/>
+          <p:cNvSpPr>
+            <a:spLocks noGrp="1"/>
+          </p:cNvSpPr>
+          <p:nvPr>
+            <p:ph type="title"/>
+          </p:nvPr>
+        </p:nvSpPr>
+        <p:spPr/>
+        <p:txBody>
+          <a:bodyPr/>
+          <a:lstStyle/>
+          <a:p>
+            <a:endParaRPr lang="bg-BG"/>
+          </a:p>
+        </p:txBody>
+      </p:sp>
+      <p:sp>
+        <p:nvSpPr>
+          <p:cNvPr id="3" name="Content Placeholder 2"/>
+          <p:cNvSpPr>
+            <a:spLocks noGrp="1"/>
+          </p:cNvSpPr>
+          <p:nvPr>
+            <p:ph idx="1"/>
+          </p:nvPr>
+        </p:nvSpPr>
+        <p:spPr/>
+        <p:txBody>
+          <a:bodyPr/>
+          <a:lstStyle/>
+          <a:p>
+            <a:endParaRPr lang="bg-BG"/>
+          </a:p>
+        </p:txBody>
+      </p:sp>
     </p:spTree>
     <p:extLst>
       <p:ext uri="{BB962C8B-B14F-4D97-AF65-F5344CB8AC3E}">
-        <p14:creationId xmlns:p14="http://schemas.microsoft.com/office/powerpoint/2010/main" val="1222036392"/>
+        <p14:creationId xmlns:p14="http://schemas.microsoft.com/office/powerpoint/2010/main" val="1417152483"/>
       </p:ext>
     </p:extLst>
   </p:cSld>
@@ -7261,126 +8650,7 @@
   <p:timing>
     <p:tnLst>
       <p:par>
-        <p:cTn id="1" dur="indefinite" restart="never" nodeType="tmRoot">
-          <p:childTnLst>
-            <p:seq concurrent="1" nextAc="seek">
-              <p:cTn id="2" dur="indefinite" nodeType="mainSeq">
-                <p:childTnLst>
-                  <p:par>
-                    <p:cTn id="3" fill="hold">
-                      <p:stCondLst>
-                        <p:cond delay="indefinite"/>
-                        <p:cond evt="onBegin" delay="0">
-                          <p:tn val="2"/>
-                        </p:cond>
-                      </p:stCondLst>
-                      <p:childTnLst>
-                        <p:par>
-                          <p:cTn id="4" fill="hold">
-                            <p:stCondLst>
-                              <p:cond delay="0"/>
-                            </p:stCondLst>
-                            <p:childTnLst>
-                              <p:par>
-                                <p:cTn id="5" presetID="63" presetClass="path" presetSubtype="0" accel="50000" decel="50000" fill="hold" nodeType="withEffect">
-                                  <p:stCondLst>
-                                    <p:cond delay="0"/>
-                                  </p:stCondLst>
-                                  <p:childTnLst>
-                                    <p:animMotion origin="layout" path="M -1.66667E-6 -3.7037E-7 L 0.88932 0.00556 " pathEditMode="relative" rAng="0" ptsTypes="AA">
-                                      <p:cBhvr>
-                                        <p:cTn id="6" dur="2000" fill="hold"/>
-                                        <p:tgtEl>
-                                          <p:spTgt spid="4"/>
-                                        </p:tgtEl>
-                                        <p:attrNameLst>
-                                          <p:attrName>ppt_x</p:attrName>
-                                          <p:attrName>ppt_y</p:attrName>
-                                        </p:attrNameLst>
-                                      </p:cBhvr>
-                                      <p:rCtr x="44466" y="278"/>
-                                    </p:animMotion>
-                                  </p:childTnLst>
-                                </p:cTn>
-                              </p:par>
-                              <p:par>
-                                <p:cTn id="7" presetID="10" presetClass="entr" presetSubtype="0" fill="hold" nodeType="withEffect">
-                                  <p:stCondLst>
-                                    <p:cond delay="0"/>
-                                  </p:stCondLst>
-                                  <p:childTnLst>
-                                    <p:set>
-                                      <p:cBhvr>
-                                        <p:cTn id="8" dur="1" fill="hold">
-                                          <p:stCondLst>
-                                            <p:cond delay="0"/>
-                                          </p:stCondLst>
-                                        </p:cTn>
-                                        <p:tgtEl>
-                                          <p:spTgt spid="4"/>
-                                        </p:tgtEl>
-                                        <p:attrNameLst>
-                                          <p:attrName>style.visibility</p:attrName>
-                                        </p:attrNameLst>
-                                      </p:cBhvr>
-                                      <p:to>
-                                        <p:strVal val="visible"/>
-                                      </p:to>
-                                    </p:set>
-                                    <p:animEffect transition="in" filter="fade">
-                                      <p:cBhvr>
-                                        <p:cTn id="9" dur="2000"/>
-                                        <p:tgtEl>
-                                          <p:spTgt spid="4"/>
-                                        </p:tgtEl>
-                                      </p:cBhvr>
-                                    </p:animEffect>
-                                  </p:childTnLst>
-                                </p:cTn>
-                              </p:par>
-                              <p:par>
-                                <p:cTn id="10" presetID="6" presetClass="emph" presetSubtype="0" fill="hold" nodeType="withEffect">
-                                  <p:stCondLst>
-                                    <p:cond delay="0"/>
-                                  </p:stCondLst>
-                                  <p:childTnLst>
-                                    <p:animScale>
-                                      <p:cBhvr>
-                                        <p:cTn id="11" dur="2000" fill="hold"/>
-                                        <p:tgtEl>
-                                          <p:spTgt spid="4"/>
-                                        </p:tgtEl>
-                                      </p:cBhvr>
-                                      <p:by x="150000" y="150000"/>
-                                    </p:animScale>
-                                  </p:childTnLst>
-                                </p:cTn>
-                              </p:par>
-                            </p:childTnLst>
-                          </p:cTn>
-                        </p:par>
-                      </p:childTnLst>
-                    </p:cTn>
-                  </p:par>
-                </p:childTnLst>
-              </p:cTn>
-              <p:prevCondLst>
-                <p:cond evt="onPrev" delay="0">
-                  <p:tgtEl>
-                    <p:sldTgt/>
-                  </p:tgtEl>
-                </p:cond>
-              </p:prevCondLst>
-              <p:nextCondLst>
-                <p:cond evt="onNext" delay="0">
-                  <p:tgtEl>
-                    <p:sldTgt/>
-                  </p:tgtEl>
-                </p:cond>
-              </p:nextCondLst>
-            </p:seq>
-          </p:childTnLst>
-        </p:cTn>
+        <p:cTn id="1" dur="indefinite" restart="never" nodeType="tmRoot"/>
       </p:par>
     </p:tnLst>
   </p:timing>
@@ -7420,8 +8690,12 @@
           <a:lstStyle/>
           <a:p>
             <a:r>
-              <a:rPr lang="en-US" dirty="0" smtClean="0"/>
-              <a:t>Return</a:t>
+              <a:rPr lang="bg-BG" dirty="0" smtClean="0"/>
+              <a:t>Параметри на </a:t>
+            </a:r>
+            <a:r>
+              <a:rPr lang="bg-BG" dirty="0" err="1" smtClean="0"/>
+              <a:t>фукция</a:t>
             </a:r>
             <a:endParaRPr lang="bg-BG" dirty="0"/>
           </a:p>
@@ -7439,98 +8713,20 @@
         </p:nvSpPr>
         <p:spPr>
           <a:xfrm>
-            <a:off x="2324100" y="1414813"/>
-            <a:ext cx="9682370" cy="4351338"/>
+            <a:off x="2324100" y="1520825"/>
+            <a:ext cx="9690100" cy="4351338"/>
           </a:xfrm>
         </p:spPr>
         <p:txBody>
           <a:bodyPr/>
           <a:lstStyle/>
           <a:p>
-            <a:pPr marL="0" indent="0" algn="just">
-              <a:buNone/>
-            </a:pPr>
+            <a:pPr algn="just"/>
             <a:r>
               <a:rPr lang="bg-BG" dirty="0" smtClean="0"/>
-              <a:t>Ако имаме </a:t>
-            </a:r>
-            <a:r>
-              <a:rPr lang="de-DE" b="1" dirty="0" smtClean="0">
-                <a:solidFill>
-                  <a:srgbClr val="0070C0"/>
-                </a:solidFill>
-              </a:rPr>
-              <a:t>return</a:t>
-            </a:r>
-            <a:r>
-              <a:rPr lang="de-DE" dirty="0" smtClean="0">
-                <a:solidFill>
-                  <a:srgbClr val="0070C0"/>
-                </a:solidFill>
-              </a:rPr>
-              <a:t> </a:t>
-            </a:r>
-            <a:r>
-              <a:rPr lang="de-DE" i="1" dirty="0" smtClean="0"/>
-              <a:t>value</a:t>
-            </a:r>
-            <a:r>
-              <a:rPr lang="bg-BG" dirty="0"/>
-              <a:t> </a:t>
-            </a:r>
-            <a:r>
-              <a:rPr lang="bg-BG" dirty="0" smtClean="0"/>
-              <a:t>във функция, то стойността на </a:t>
-            </a:r>
-            <a:r>
-              <a:rPr lang="de-DE" i="1" dirty="0" smtClean="0"/>
-              <a:t>method</a:t>
-            </a:r>
-            <a:r>
-              <a:rPr lang="en-US" i="1" dirty="0" smtClean="0">
-                <a:solidFill>
-                  <a:srgbClr val="FF0000"/>
-                </a:solidFill>
-              </a:rPr>
-              <a:t>()</a:t>
-            </a:r>
-            <a:r>
-              <a:rPr lang="bg-BG" i="1" dirty="0" smtClean="0"/>
-              <a:t> </a:t>
-            </a:r>
-            <a:r>
-              <a:rPr lang="bg-BG" dirty="0" smtClean="0"/>
-              <a:t>е равна на</a:t>
-            </a:r>
-            <a:r>
-              <a:rPr lang="bg-BG" i="1" dirty="0" smtClean="0"/>
-              <a:t> </a:t>
-            </a:r>
-            <a:r>
-              <a:rPr lang="en-US" i="1" dirty="0" smtClean="0"/>
-              <a:t>value. </a:t>
-            </a:r>
-            <a:r>
-              <a:rPr lang="bg-BG" dirty="0" smtClean="0"/>
-              <a:t>Трябва на мястото на </a:t>
-            </a:r>
-            <a:r>
-              <a:rPr lang="de-DE" dirty="0" smtClean="0"/>
-              <a:t>void</a:t>
-            </a:r>
-            <a:r>
-              <a:rPr lang="en-US" dirty="0" smtClean="0"/>
-              <a:t> </a:t>
-            </a:r>
-            <a:r>
-              <a:rPr lang="bg-BG" dirty="0" smtClean="0"/>
-              <a:t>да пише типът, в който е запазен </a:t>
-            </a:r>
-            <a:r>
-              <a:rPr lang="en-US" i="1" dirty="0" smtClean="0"/>
-              <a:t>value</a:t>
-            </a:r>
-            <a:endParaRPr lang="bg-BG" i="1" dirty="0"/>
+              <a:t>Дефиниция на променливи, разделени със запетайка, които са достъпни за функцията и са с подадени от потребителя стойности</a:t>
+            </a:r>
+            <a:endParaRPr lang="bg-BG" dirty="0"/>
           </a:p>
         </p:txBody>
       </p:sp>
@@ -7573,10 +8769,37 @@
                 <a:latin typeface="Courier New" panose="02070309020205020404" pitchFamily="49" charset="0"/>
                 <a:cs typeface="Courier New" panose="02070309020205020404" pitchFamily="49" charset="0"/>
               </a:rPr>
+              <a:t>void </a:t>
+            </a:r>
+            <a:r>
+              <a:rPr lang="de-DE" sz="2400" dirty="0" smtClean="0">
+                <a:latin typeface="Courier New" panose="02070309020205020404" pitchFamily="49" charset="0"/>
+                <a:cs typeface="Courier New" panose="02070309020205020404" pitchFamily="49" charset="0"/>
+              </a:rPr>
+              <a:t>method </a:t>
+            </a:r>
+            <a:r>
+              <a:rPr lang="en-US" sz="2400" dirty="0" smtClean="0">
+                <a:solidFill>
+                  <a:srgbClr val="FF0000"/>
+                </a:solidFill>
+                <a:latin typeface="Courier New" panose="02070309020205020404" pitchFamily="49" charset="0"/>
+                <a:cs typeface="Courier New" panose="02070309020205020404" pitchFamily="49" charset="0"/>
+              </a:rPr>
+              <a:t>(</a:t>
+            </a:r>
+            <a:r>
+              <a:rPr lang="en-US" sz="2400" b="1" dirty="0" err="1" smtClean="0">
+                <a:solidFill>
+                  <a:srgbClr val="0070C0"/>
+                </a:solidFill>
+                <a:latin typeface="Courier New" panose="02070309020205020404" pitchFamily="49" charset="0"/>
+                <a:cs typeface="Courier New" panose="02070309020205020404" pitchFamily="49" charset="0"/>
+              </a:rPr>
               <a:t>int</a:t>
             </a:r>
             <a:r>
-              <a:rPr lang="de-DE" sz="2400" dirty="0" smtClean="0">
+              <a:rPr lang="en-US" sz="2400" dirty="0" smtClean="0">
                 <a:solidFill>
                   <a:srgbClr val="0070C0"/>
                 </a:solidFill>
@@ -7586,11 +8809,11 @@
               <a:t> </a:t>
             </a:r>
             <a:r>
-              <a:rPr lang="de-DE" sz="2400" dirty="0" smtClean="0">
-                <a:latin typeface="Courier New" panose="02070309020205020404" pitchFamily="49" charset="0"/>
-                <a:cs typeface="Courier New" panose="02070309020205020404" pitchFamily="49" charset="0"/>
-              </a:rPr>
-              <a:t>method </a:t>
+              <a:rPr lang="en-US" sz="2400" dirty="0" smtClean="0">
+                <a:latin typeface="Courier New" panose="02070309020205020404" pitchFamily="49" charset="0"/>
+                <a:cs typeface="Courier New" panose="02070309020205020404" pitchFamily="49" charset="0"/>
+              </a:rPr>
+              <a:t>a</a:t>
             </a:r>
             <a:r>
               <a:rPr lang="en-US" sz="2400" dirty="0" smtClean="0">
@@ -7600,8 +8823,39 @@
                 <a:latin typeface="Courier New" panose="02070309020205020404" pitchFamily="49" charset="0"/>
                 <a:cs typeface="Courier New" panose="02070309020205020404" pitchFamily="49" charset="0"/>
               </a:rPr>
-              <a:t>(){</a:t>
-            </a:r>
+              <a:t>, </a:t>
+            </a:r>
+            <a:r>
+              <a:rPr lang="en-US" sz="2400" b="1" dirty="0" smtClean="0">
+                <a:latin typeface="Courier New" panose="02070309020205020404" pitchFamily="49" charset="0"/>
+                <a:cs typeface="Courier New" panose="02070309020205020404" pitchFamily="49" charset="0"/>
+              </a:rPr>
+              <a:t>String</a:t>
+            </a:r>
+            <a:r>
+              <a:rPr lang="en-US" sz="2400" dirty="0" smtClean="0">
+                <a:latin typeface="Courier New" panose="02070309020205020404" pitchFamily="49" charset="0"/>
+                <a:cs typeface="Courier New" panose="02070309020205020404" pitchFamily="49" charset="0"/>
+              </a:rPr>
+              <a:t> b</a:t>
+            </a:r>
+            <a:r>
+              <a:rPr lang="en-US" sz="2400" dirty="0" smtClean="0">
+                <a:solidFill>
+                  <a:srgbClr val="FF0000"/>
+                </a:solidFill>
+                <a:latin typeface="Courier New" panose="02070309020205020404" pitchFamily="49" charset="0"/>
+                <a:cs typeface="Courier New" panose="02070309020205020404" pitchFamily="49" charset="0"/>
+              </a:rPr>
+              <a:t>){</a:t>
+            </a:r>
+            <a:endParaRPr lang="en-US" sz="2400" dirty="0" smtClean="0">
+              <a:solidFill>
+                <a:srgbClr val="FF0000"/>
+              </a:solidFill>
+              <a:latin typeface="Courier New" panose="02070309020205020404" pitchFamily="49" charset="0"/>
+              <a:cs typeface="Courier New" panose="02070309020205020404" pitchFamily="49" charset="0"/>
+            </a:endParaRPr>
           </a:p>
           <a:p>
             <a:r>
@@ -7612,39 +8866,19 @@
               <a:t>	</a:t>
             </a:r>
             <a:r>
-              <a:rPr lang="de-DE" sz="2400" b="1" dirty="0" smtClean="0">
-                <a:solidFill>
-                  <a:srgbClr val="0070C0"/>
-                </a:solidFill>
-                <a:latin typeface="Courier New" panose="02070309020205020404" pitchFamily="49" charset="0"/>
-                <a:cs typeface="Courier New" panose="02070309020205020404" pitchFamily="49" charset="0"/>
-              </a:rPr>
-              <a:t>return</a:t>
-            </a:r>
-            <a:r>
-              <a:rPr lang="de-DE" sz="2400" b="1" dirty="0" smtClean="0">
-                <a:latin typeface="Courier New" panose="02070309020205020404" pitchFamily="49" charset="0"/>
-                <a:cs typeface="Courier New" panose="02070309020205020404" pitchFamily="49" charset="0"/>
-              </a:rPr>
-              <a:t> </a:t>
-            </a:r>
-            <a:r>
-              <a:rPr lang="de-DE" sz="2400" dirty="0" smtClean="0">
-                <a:latin typeface="Courier New" panose="02070309020205020404" pitchFamily="49" charset="0"/>
-                <a:cs typeface="Courier New" panose="02070309020205020404" pitchFamily="49" charset="0"/>
-              </a:rPr>
-              <a:t>10</a:t>
-            </a:r>
-            <a:r>
-              <a:rPr lang="en-US" sz="2400" dirty="0" smtClean="0">
-                <a:solidFill>
-                  <a:srgbClr val="FF0000"/>
-                </a:solidFill>
-                <a:latin typeface="Courier New" panose="02070309020205020404" pitchFamily="49" charset="0"/>
-                <a:cs typeface="Courier New" panose="02070309020205020404" pitchFamily="49" charset="0"/>
-              </a:rPr>
-              <a:t>;</a:t>
-            </a:r>
+              <a:rPr lang="en-US" sz="2400" dirty="0" smtClean="0">
+                <a:latin typeface="Courier New" panose="02070309020205020404" pitchFamily="49" charset="0"/>
+                <a:cs typeface="Courier New" panose="02070309020205020404" pitchFamily="49" charset="0"/>
+              </a:rPr>
+              <a:t>…</a:t>
+            </a:r>
+            <a:endParaRPr lang="en-US" sz="2400" dirty="0" smtClean="0">
+              <a:solidFill>
+                <a:srgbClr val="FF0000"/>
+              </a:solidFill>
+              <a:latin typeface="Courier New" panose="02070309020205020404" pitchFamily="49" charset="0"/>
+              <a:cs typeface="Courier New" panose="02070309020205020404" pitchFamily="49" charset="0"/>
+            </a:endParaRPr>
           </a:p>
           <a:p>
             <a:r>
@@ -7793,31 +9027,68 @@
               <a:t>	</a:t>
             </a:r>
             <a:r>
+              <a:rPr lang="en-US" sz="2400" dirty="0" smtClean="0">
+                <a:latin typeface="Courier New" panose="02070309020205020404" pitchFamily="49" charset="0"/>
+                <a:cs typeface="Courier New" panose="02070309020205020404" pitchFamily="49" charset="0"/>
+              </a:rPr>
+              <a:t>method</a:t>
+            </a:r>
+            <a:r>
+              <a:rPr lang="en-US" sz="2400" dirty="0" smtClean="0">
+                <a:solidFill>
+                  <a:srgbClr val="FF0000"/>
+                </a:solidFill>
+                <a:latin typeface="Courier New" panose="02070309020205020404" pitchFamily="49" charset="0"/>
+                <a:cs typeface="Courier New" panose="02070309020205020404" pitchFamily="49" charset="0"/>
+              </a:rPr>
+              <a:t>(</a:t>
+            </a:r>
+            <a:r>
+              <a:rPr lang="en-US" sz="2400" dirty="0" smtClean="0">
+                <a:latin typeface="Courier New" panose="02070309020205020404" pitchFamily="49" charset="0"/>
+                <a:cs typeface="Courier New" panose="02070309020205020404" pitchFamily="49" charset="0"/>
+              </a:rPr>
+              <a:t>10</a:t>
+            </a:r>
+            <a:r>
+              <a:rPr lang="en-US" sz="2400" b="1" dirty="0" smtClean="0">
+                <a:solidFill>
+                  <a:srgbClr val="FF0000"/>
+                </a:solidFill>
+                <a:latin typeface="Courier New" panose="02070309020205020404" pitchFamily="49" charset="0"/>
+                <a:cs typeface="Courier New" panose="02070309020205020404" pitchFamily="49" charset="0"/>
+              </a:rPr>
+              <a:t>, </a:t>
+            </a:r>
+            <a:r>
+              <a:rPr lang="en-US" sz="2400" b="1" dirty="0" smtClean="0">
+                <a:solidFill>
+                  <a:srgbClr val="00B050"/>
+                </a:solidFill>
+                <a:latin typeface="Courier New" panose="02070309020205020404" pitchFamily="49" charset="0"/>
+                <a:cs typeface="Courier New" panose="02070309020205020404" pitchFamily="49" charset="0"/>
+              </a:rPr>
+              <a:t>“</a:t>
+            </a:r>
+            <a:r>
               <a:rPr lang="en-US" sz="2400" b="1" dirty="0" err="1" smtClean="0">
                 <a:solidFill>
-                  <a:srgbClr val="0070C0"/>
-                </a:solidFill>
-                <a:latin typeface="Courier New" panose="02070309020205020404" pitchFamily="49" charset="0"/>
-                <a:cs typeface="Courier New" panose="02070309020205020404" pitchFamily="49" charset="0"/>
-              </a:rPr>
-              <a:t>int</a:t>
-            </a:r>
-            <a:r>
-              <a:rPr lang="en-US" sz="2400" dirty="0" smtClean="0">
-                <a:solidFill>
-                  <a:srgbClr val="0070C0"/>
-                </a:solidFill>
-                <a:latin typeface="Courier New" panose="02070309020205020404" pitchFamily="49" charset="0"/>
-                <a:cs typeface="Courier New" panose="02070309020205020404" pitchFamily="49" charset="0"/>
-              </a:rPr>
-              <a:t> </a:t>
-            </a:r>
-            <a:r>
-              <a:rPr lang="en-US" sz="2400" dirty="0" smtClean="0">
-                <a:latin typeface="Courier New" panose="02070309020205020404" pitchFamily="49" charset="0"/>
-                <a:cs typeface="Courier New" panose="02070309020205020404" pitchFamily="49" charset="0"/>
-              </a:rPr>
-              <a:t>a </a:t>
+                  <a:srgbClr val="00B050"/>
+                </a:solidFill>
+                <a:latin typeface="Courier New" panose="02070309020205020404" pitchFamily="49" charset="0"/>
+                <a:cs typeface="Courier New" panose="02070309020205020404" pitchFamily="49" charset="0"/>
+              </a:rPr>
+              <a:t>Pesho</a:t>
+            </a:r>
+            <a:r>
+              <a:rPr lang="en-US" sz="2400" dirty="0" smtClean="0">
+                <a:solidFill>
+                  <a:srgbClr val="00B050"/>
+                </a:solidFill>
+                <a:latin typeface="Courier New" panose="02070309020205020404" pitchFamily="49" charset="0"/>
+                <a:cs typeface="Courier New" panose="02070309020205020404" pitchFamily="49" charset="0"/>
+              </a:rPr>
+              <a:t>”</a:t>
             </a:r>
             <a:r>
               <a:rPr lang="en-US" sz="2400" dirty="0" smtClean="0">
@@ -7827,31 +9098,7 @@
                 <a:latin typeface="Courier New" panose="02070309020205020404" pitchFamily="49" charset="0"/>
                 <a:cs typeface="Courier New" panose="02070309020205020404" pitchFamily="49" charset="0"/>
               </a:rPr>
-              <a:t>=</a:t>
-            </a:r>
-            <a:r>
-              <a:rPr lang="en-US" sz="2400" dirty="0" smtClean="0">
-                <a:latin typeface="Courier New" panose="02070309020205020404" pitchFamily="49" charset="0"/>
-                <a:cs typeface="Courier New" panose="02070309020205020404" pitchFamily="49" charset="0"/>
-              </a:rPr>
-              <a:t> </a:t>
-            </a:r>
-            <a:r>
-              <a:rPr lang="en-US" sz="2400" b="1" dirty="0" smtClean="0">
-                <a:latin typeface="Courier New" panose="02070309020205020404" pitchFamily="49" charset="0"/>
-                <a:cs typeface="Courier New" panose="02070309020205020404" pitchFamily="49" charset="0"/>
-              </a:rPr>
-              <a:t>method</a:t>
-            </a:r>
-            <a:r>
-              <a:rPr lang="en-US" sz="2400" b="1" dirty="0" smtClean="0">
-                <a:solidFill>
-                  <a:srgbClr val="FF0000"/>
-                </a:solidFill>
-                <a:latin typeface="Courier New" panose="02070309020205020404" pitchFamily="49" charset="0"/>
-                <a:cs typeface="Courier New" panose="02070309020205020404" pitchFamily="49" charset="0"/>
-              </a:rPr>
-              <a:t>();</a:t>
+              <a:t>);</a:t>
             </a:r>
             <a:r>
               <a:rPr lang="en-US" sz="2400" b="1" dirty="0" smtClean="0">
@@ -7892,20 +9139,13 @@
               </a:rPr>
               <a:t>}</a:t>
             </a:r>
-            <a:endParaRPr lang="en-US" sz="2400" dirty="0" smtClean="0">
-              <a:solidFill>
-                <a:srgbClr val="FF0000"/>
-              </a:solidFill>
-              <a:latin typeface="Courier New" panose="02070309020205020404" pitchFamily="49" charset="0"/>
-              <a:cs typeface="Courier New" panose="02070309020205020404" pitchFamily="49" charset="0"/>
-            </a:endParaRPr>
           </a:p>
         </p:txBody>
       </p:sp>
     </p:spTree>
     <p:extLst>
       <p:ext uri="{BB962C8B-B14F-4D97-AF65-F5344CB8AC3E}">
-        <p14:creationId xmlns:p14="http://schemas.microsoft.com/office/powerpoint/2010/main" val="2444566220"/>
+        <p14:creationId xmlns:p14="http://schemas.microsoft.com/office/powerpoint/2010/main" val="2716252171"/>
       </p:ext>
     </p:extLst>
   </p:cSld>

--- a/Algo_Coding_Java/Presentations/Functions.pptx
+++ b/Algo_Coding_Java/Presentations/Functions.pptx
@@ -12,7 +12,7 @@
     <p:sldId id="276" r:id="rId6"/>
     <p:sldId id="279" r:id="rId7"/>
     <p:sldId id="275" r:id="rId8"/>
-    <p:sldId id="296" r:id="rId9"/>
+    <p:sldId id="302" r:id="rId9"/>
     <p:sldId id="294" r:id="rId10"/>
     <p:sldId id="295" r:id="rId11"/>
     <p:sldId id="288" r:id="rId12"/>
@@ -23,10 +23,12 @@
     <p:sldId id="289" r:id="rId17"/>
     <p:sldId id="292" r:id="rId18"/>
     <p:sldId id="299" r:id="rId19"/>
-    <p:sldId id="271" r:id="rId20"/>
-    <p:sldId id="273" r:id="rId21"/>
-    <p:sldId id="274" r:id="rId22"/>
-    <p:sldId id="293" r:id="rId23"/>
+    <p:sldId id="300" r:id="rId20"/>
+    <p:sldId id="301" r:id="rId21"/>
+    <p:sldId id="271" r:id="rId22"/>
+    <p:sldId id="273" r:id="rId23"/>
+    <p:sldId id="274" r:id="rId24"/>
+    <p:sldId id="293" r:id="rId25"/>
   </p:sldIdLst>
   <p:sldSz cx="12192000" cy="6858000"/>
   <p:notesSz cx="6858000" cy="9144000"/>
@@ -127,7 +129,18 @@
   </p:defaultTextStyle>
   <p:extLst>
     <p:ext uri="{EFAFB233-063F-42B5-8137-9DF3F51BA10A}">
-      <p15:sldGuideLst xmlns:p15="http://schemas.microsoft.com/office/powerpoint/2012/main" xmlns=""/>
+      <p15:sldGuideLst xmlns:p15="http://schemas.microsoft.com/office/powerpoint/2012/main">
+        <p15:guide id="1" orient="horz" pos="2160">
+          <p15:clr>
+            <a:srgbClr val="A4A3A4"/>
+          </p15:clr>
+        </p15:guide>
+        <p15:guide id="2" pos="3840">
+          <p15:clr>
+            <a:srgbClr val="A4A3A4"/>
+          </p15:clr>
+        </p15:guide>
+      </p15:sldGuideLst>
     </p:ext>
   </p:extLst>
 </p:presentation>
@@ -4172,17 +4185,7 @@
                 <a:latin typeface="Courier New" panose="02070309020205020404" pitchFamily="49" charset="0"/>
                 <a:cs typeface="Courier New" panose="02070309020205020404" pitchFamily="49" charset="0"/>
               </a:rPr>
-              <a:t>int</a:t>
-            </a:r>
-            <a:r>
-              <a:rPr lang="de-DE" sz="2400" b="1" dirty="0" smtClean="0">
-                <a:solidFill>
-                  <a:srgbClr val="0070C0"/>
-                </a:solidFill>
-                <a:latin typeface="Courier New" panose="02070309020205020404" pitchFamily="49" charset="0"/>
-                <a:cs typeface="Courier New" panose="02070309020205020404" pitchFamily="49" charset="0"/>
-              </a:rPr>
-              <a:t> </a:t>
+              <a:t>int </a:t>
             </a:r>
             <a:r>
               <a:rPr lang="de-DE" sz="2400" dirty="0" smtClean="0">
@@ -4366,6 +4369,8 @@
               </a:rPr>
               <a:t>}</a:t>
             </a:r>
+          </a:p>
+          <a:p>
             <a:endParaRPr lang="en-US" sz="2400" dirty="0" smtClean="0">
               <a:solidFill>
                 <a:srgbClr val="FF0000"/>
@@ -4375,45 +4380,46 @@
             </a:endParaRPr>
           </a:p>
           <a:p>
-            <a:endParaRPr lang="en-US" sz="2400" dirty="0" smtClean="0">
-              <a:solidFill>
-                <a:srgbClr val="FF0000"/>
-              </a:solidFill>
-              <a:latin typeface="Courier New" panose="02070309020205020404" pitchFamily="49" charset="0"/>
-              <a:cs typeface="Courier New" panose="02070309020205020404" pitchFamily="49" charset="0"/>
-            </a:endParaRPr>
-          </a:p>
-          <a:p>
             <a:r>
               <a:rPr lang="en-US" sz="2400" dirty="0" smtClean="0">
                 <a:latin typeface="Courier New" panose="02070309020205020404" pitchFamily="49" charset="0"/>
                 <a:cs typeface="Courier New" panose="02070309020205020404" pitchFamily="49" charset="0"/>
               </a:rPr>
-              <a:t>	</a:t>
+              <a:t>	rec</a:t>
             </a:r>
             <a:r>
               <a:rPr lang="en-US" sz="2400" dirty="0" smtClean="0">
-                <a:latin typeface="Courier New" panose="02070309020205020404" pitchFamily="49" charset="0"/>
-                <a:cs typeface="Courier New" panose="02070309020205020404" pitchFamily="49" charset="0"/>
-              </a:rPr>
-              <a:t>rec</a:t>
+                <a:solidFill>
+                  <a:srgbClr val="FF0000"/>
+                </a:solidFill>
+                <a:latin typeface="Courier New" panose="02070309020205020404" pitchFamily="49" charset="0"/>
+                <a:cs typeface="Courier New" panose="02070309020205020404" pitchFamily="49" charset="0"/>
+              </a:rPr>
+              <a:t>(</a:t>
             </a:r>
             <a:r>
               <a:rPr lang="en-US" sz="2400" dirty="0" smtClean="0">
+                <a:latin typeface="Courier New" panose="02070309020205020404" pitchFamily="49" charset="0"/>
+                <a:cs typeface="Courier New" panose="02070309020205020404" pitchFamily="49" charset="0"/>
+              </a:rPr>
+              <a:t>a</a:t>
+            </a:r>
+            <a:r>
+              <a:rPr lang="en-US" sz="2400" dirty="0" smtClean="0">
                 <a:solidFill>
                   <a:srgbClr val="FF0000"/>
                 </a:solidFill>
                 <a:latin typeface="Courier New" panose="02070309020205020404" pitchFamily="49" charset="0"/>
                 <a:cs typeface="Courier New" panose="02070309020205020404" pitchFamily="49" charset="0"/>
               </a:rPr>
-              <a:t>(</a:t>
+              <a:t>+</a:t>
             </a:r>
             <a:r>
               <a:rPr lang="en-US" sz="2400" dirty="0" smtClean="0">
                 <a:latin typeface="Courier New" panose="02070309020205020404" pitchFamily="49" charset="0"/>
                 <a:cs typeface="Courier New" panose="02070309020205020404" pitchFamily="49" charset="0"/>
               </a:rPr>
-              <a:t>a</a:t>
+              <a:t>1</a:t>
             </a:r>
             <a:r>
               <a:rPr lang="en-US" sz="2400" dirty="0" smtClean="0">
@@ -4423,51 +4429,20 @@
                 <a:latin typeface="Courier New" panose="02070309020205020404" pitchFamily="49" charset="0"/>
                 <a:cs typeface="Courier New" panose="02070309020205020404" pitchFamily="49" charset="0"/>
               </a:rPr>
-              <a:t>+</a:t>
-            </a:r>
+              <a:t>);</a:t>
+            </a:r>
+          </a:p>
+          <a:p>
             <a:r>
               <a:rPr lang="en-US" sz="2400" dirty="0" smtClean="0">
-                <a:latin typeface="Courier New" panose="02070309020205020404" pitchFamily="49" charset="0"/>
-                <a:cs typeface="Courier New" panose="02070309020205020404" pitchFamily="49" charset="0"/>
-              </a:rPr>
-              <a:t>1</a:t>
-            </a:r>
-            <a:r>
-              <a:rPr lang="en-US" sz="2400" dirty="0" smtClean="0">
                 <a:solidFill>
                   <a:srgbClr val="FF0000"/>
                 </a:solidFill>
                 <a:latin typeface="Courier New" panose="02070309020205020404" pitchFamily="49" charset="0"/>
                 <a:cs typeface="Courier New" panose="02070309020205020404" pitchFamily="49" charset="0"/>
               </a:rPr>
-              <a:t>);</a:t>
-            </a:r>
-            <a:endParaRPr lang="en-US" sz="2400" dirty="0" smtClean="0">
-              <a:solidFill>
-                <a:srgbClr val="FF0000"/>
-              </a:solidFill>
-              <a:latin typeface="Courier New" panose="02070309020205020404" pitchFamily="49" charset="0"/>
-              <a:cs typeface="Courier New" panose="02070309020205020404" pitchFamily="49" charset="0"/>
-            </a:endParaRPr>
-          </a:p>
-          <a:p>
-            <a:r>
-              <a:rPr lang="en-US" sz="2400" dirty="0" smtClean="0">
-                <a:solidFill>
-                  <a:srgbClr val="FF0000"/>
-                </a:solidFill>
-                <a:latin typeface="Courier New" panose="02070309020205020404" pitchFamily="49" charset="0"/>
-                <a:cs typeface="Courier New" panose="02070309020205020404" pitchFamily="49" charset="0"/>
-              </a:rPr>
               <a:t>}</a:t>
             </a:r>
-            <a:endParaRPr lang="en-US" sz="2400" dirty="0" smtClean="0">
-              <a:solidFill>
-                <a:srgbClr val="FF0000"/>
-              </a:solidFill>
-              <a:latin typeface="Courier New" panose="02070309020205020404" pitchFamily="49" charset="0"/>
-              <a:cs typeface="Courier New" panose="02070309020205020404" pitchFamily="49" charset="0"/>
-            </a:endParaRPr>
           </a:p>
         </p:txBody>
       </p:sp>
@@ -5526,6 +5501,612 @@
           <a:p>
             <a:r>
               <a:rPr lang="bg-BG" dirty="0" smtClean="0"/>
+              <a:t>Практически пример</a:t>
+            </a:r>
+            <a:endParaRPr lang="bg-BG" dirty="0"/>
+          </a:p>
+        </p:txBody>
+      </p:sp>
+      <p:sp>
+        <p:nvSpPr>
+          <p:cNvPr id="3" name="Content Placeholder 2"/>
+          <p:cNvSpPr>
+            <a:spLocks noGrp="1"/>
+          </p:cNvSpPr>
+          <p:nvPr>
+            <p:ph idx="1"/>
+          </p:nvPr>
+        </p:nvSpPr>
+        <p:spPr>
+          <a:xfrm>
+            <a:off x="2324100" y="1825625"/>
+            <a:ext cx="9482077" cy="4351338"/>
+          </a:xfrm>
+        </p:spPr>
+        <p:txBody>
+          <a:bodyPr/>
+          <a:lstStyle/>
+          <a:p>
+            <a:pPr algn="just"/>
+            <a:r>
+              <a:rPr lang="bg-BG" dirty="0" smtClean="0"/>
+              <a:t>Свалете </a:t>
+            </a:r>
+            <a:r>
+              <a:rPr lang="en-US" dirty="0" smtClean="0"/>
+              <a:t>Skeleton 4 </a:t>
+            </a:r>
+            <a:r>
+              <a:rPr lang="bg-BG" dirty="0" smtClean="0"/>
+              <a:t>от </a:t>
+            </a:r>
+            <a:r>
+              <a:rPr lang="en-US" dirty="0" smtClean="0"/>
+              <a:t>GitHub</a:t>
+            </a:r>
+            <a:r>
+              <a:rPr lang="bg-BG" dirty="0" smtClean="0"/>
+              <a:t> и напишете функциите </a:t>
+            </a:r>
+            <a:r>
+              <a:rPr lang="en-US" dirty="0" smtClean="0"/>
+              <a:t>plus, minus, </a:t>
+            </a:r>
+            <a:r>
+              <a:rPr lang="en-US" dirty="0" err="1" smtClean="0"/>
+              <a:t>mul</a:t>
+            </a:r>
+            <a:r>
+              <a:rPr lang="en-US" dirty="0"/>
+              <a:t> </a:t>
+            </a:r>
+            <a:r>
+              <a:rPr lang="bg-BG" dirty="0" smtClean="0"/>
+              <a:t>и </a:t>
+            </a:r>
+            <a:r>
+              <a:rPr lang="en-US" dirty="0" smtClean="0"/>
+              <a:t>div</a:t>
+            </a:r>
+            <a:r>
+              <a:rPr lang="bg-BG" dirty="0" smtClean="0"/>
+              <a:t>, които приемат два </a:t>
+            </a:r>
+            <a:r>
+              <a:rPr lang="en-US" dirty="0" err="1" smtClean="0"/>
+              <a:t>int</a:t>
+            </a:r>
+            <a:r>
+              <a:rPr lang="bg-BG" dirty="0" smtClean="0"/>
+              <a:t> параметъра </a:t>
+            </a:r>
+            <a:endParaRPr lang="bg-BG" dirty="0"/>
+          </a:p>
+        </p:txBody>
+      </p:sp>
+      <p:pic>
+        <p:nvPicPr>
+          <p:cNvPr id="4" name="Picture 3"/>
+          <p:cNvPicPr>
+            <a:picLocks noChangeAspect="1"/>
+          </p:cNvPicPr>
+          <p:nvPr/>
+        </p:nvPicPr>
+        <p:blipFill>
+          <a:blip r:embed="rId2"/>
+          <a:stretch>
+            <a:fillRect/>
+          </a:stretch>
+        </p:blipFill>
+        <p:spPr>
+          <a:xfrm>
+            <a:off x="2163212" y="3559829"/>
+            <a:ext cx="9920335" cy="2424279"/>
+          </a:xfrm>
+          <a:prstGeom prst="rect">
+            <a:avLst/>
+          </a:prstGeom>
+        </p:spPr>
+      </p:pic>
+    </p:spTree>
+    <p:extLst>
+      <p:ext uri="{BB962C8B-B14F-4D97-AF65-F5344CB8AC3E}">
+        <p14:creationId xmlns:p14="http://schemas.microsoft.com/office/powerpoint/2010/main" val="4028498873"/>
+      </p:ext>
+    </p:extLst>
+  </p:cSld>
+  <p:clrMapOvr>
+    <a:masterClrMapping/>
+  </p:clrMapOvr>
+  <p:transition>
+    <p:dissolve/>
+  </p:transition>
+</p:sld>
+</file>
+
+<file path=ppt/slides/slide2.xml><?xml version="1.0" encoding="utf-8"?>
+<p:sld xmlns:a="http://schemas.openxmlformats.org/drawingml/2006/main" xmlns:r="http://schemas.openxmlformats.org/officeDocument/2006/relationships" xmlns:p="http://schemas.openxmlformats.org/presentationml/2006/main">
+  <p:cSld>
+    <p:spTree>
+      <p:nvGrpSpPr>
+        <p:cNvPr id="1" name=""/>
+        <p:cNvGrpSpPr/>
+        <p:nvPr/>
+      </p:nvGrpSpPr>
+      <p:grpSpPr>
+        <a:xfrm>
+          <a:off x="0" y="0"/>
+          <a:ext cx="0" cy="0"/>
+          <a:chOff x="0" y="0"/>
+          <a:chExt cx="0" cy="0"/>
+        </a:xfrm>
+      </p:grpSpPr>
+      <p:sp>
+        <p:nvSpPr>
+          <p:cNvPr id="2" name="Title 1"/>
+          <p:cNvSpPr>
+            <a:spLocks noGrp="1"/>
+          </p:cNvSpPr>
+          <p:nvPr>
+            <p:ph type="title"/>
+          </p:nvPr>
+        </p:nvSpPr>
+        <p:spPr>
+          <a:xfrm>
+            <a:off x="2314575" y="391004"/>
+            <a:ext cx="10515600" cy="1325563"/>
+          </a:xfrm>
+        </p:spPr>
+        <p:txBody>
+          <a:bodyPr/>
+          <a:lstStyle/>
+          <a:p>
+            <a:r>
+              <a:rPr lang="bg-BG" dirty="0" smtClean="0"/>
+              <a:t>Речник</a:t>
+            </a:r>
+            <a:endParaRPr lang="bg-BG" dirty="0"/>
+          </a:p>
+        </p:txBody>
+      </p:sp>
+      <p:sp>
+        <p:nvSpPr>
+          <p:cNvPr id="3" name="Content Placeholder 2"/>
+          <p:cNvSpPr>
+            <a:spLocks noGrp="1"/>
+          </p:cNvSpPr>
+          <p:nvPr>
+            <p:ph idx="1"/>
+          </p:nvPr>
+        </p:nvSpPr>
+        <p:spPr>
+          <a:xfrm>
+            <a:off x="2324100" y="1851504"/>
+            <a:ext cx="9269802" cy="4351338"/>
+          </a:xfrm>
+        </p:spPr>
+        <p:txBody>
+          <a:bodyPr/>
+          <a:lstStyle/>
+          <a:p>
+            <a:pPr algn="just"/>
+            <a:r>
+              <a:rPr lang="bg-BG" b="1" dirty="0" smtClean="0"/>
+              <a:t>Алгоритъм </a:t>
+            </a:r>
+            <a:r>
+              <a:rPr lang="bg-BG" dirty="0" smtClean="0"/>
+              <a:t>– поредица от стъпки</a:t>
+            </a:r>
+          </a:p>
+          <a:p>
+            <a:pPr algn="just"/>
+            <a:r>
+              <a:rPr lang="bg-BG" b="1" dirty="0" smtClean="0"/>
+              <a:t>Код </a:t>
+            </a:r>
+            <a:r>
+              <a:rPr lang="bg-BG" dirty="0" smtClean="0"/>
+              <a:t>– </a:t>
+            </a:r>
+            <a:r>
+              <a:rPr lang="bg-BG" i="1" dirty="0" smtClean="0"/>
+              <a:t>Алгоритъм</a:t>
+            </a:r>
+            <a:r>
+              <a:rPr lang="bg-BG" dirty="0" smtClean="0"/>
+              <a:t>, записан в текстов файл на език за програмиране</a:t>
+            </a:r>
+            <a:endParaRPr lang="bg-BG" b="1" dirty="0" smtClean="0"/>
+          </a:p>
+          <a:p>
+            <a:pPr algn="just"/>
+            <a:r>
+              <a:rPr lang="bg-BG" b="1" dirty="0" smtClean="0"/>
+              <a:t>Променлива </a:t>
+            </a:r>
+            <a:r>
+              <a:rPr lang="bg-BG" dirty="0" smtClean="0"/>
+              <a:t>– стойност с име</a:t>
+            </a:r>
+            <a:endParaRPr lang="bg-BG" b="1" dirty="0"/>
+          </a:p>
+        </p:txBody>
+      </p:sp>
+      <p:pic>
+        <p:nvPicPr>
+          <p:cNvPr id="4" name="Picture 3"/>
+          <p:cNvPicPr>
+            <a:picLocks noChangeAspect="1"/>
+          </p:cNvPicPr>
+          <p:nvPr/>
+        </p:nvPicPr>
+        <p:blipFill>
+          <a:blip r:embed="rId2" cstate="print">
+            <a:extLst>
+              <a:ext uri="{BEBA8EAE-BF5A-486C-A8C5-ECC9F3942E4B}">
+                <a14:imgProps xmlns:a14="http://schemas.microsoft.com/office/drawing/2010/main">
+                  <a14:imgLayer r:embed="rId3">
+                    <a14:imgEffect>
+                      <a14:backgroundRemoval t="0" b="100000" l="10000" r="90000">
+                        <a14:foregroundMark x1="59277" y1="68605" x2="61325" y2="85271"/>
+                        <a14:foregroundMark x1="64819" y1="62791" x2="67952" y2="81589"/>
+                        <a14:foregroundMark x1="75301" y1="48643" x2="80361" y2="68605"/>
+                        <a14:foregroundMark x1="82048" y1="46899" x2="82892" y2="67248"/>
+                        <a14:foregroundMark x1="84337" y1="45930" x2="85422" y2="50969"/>
+                        <a14:foregroundMark x1="85663" y1="50581" x2="86747" y2="44767"/>
+                      </a14:backgroundRemoval>
+                    </a14:imgEffect>
+                  </a14:imgLayer>
+                </a14:imgProps>
+              </a:ext>
+              <a:ext uri="{28A0092B-C50C-407E-A947-70E740481C1C}">
+                <a14:useLocalDpi xmlns:a14="http://schemas.microsoft.com/office/drawing/2010/main" val="0"/>
+              </a:ext>
+            </a:extLst>
+          </a:blip>
+          <a:stretch>
+            <a:fillRect/>
+          </a:stretch>
+        </p:blipFill>
+        <p:spPr>
+          <a:xfrm rot="1693641">
+            <a:off x="7902746" y="4070841"/>
+            <a:ext cx="3393983" cy="2109994"/>
+          </a:xfrm>
+          <a:prstGeom prst="rect">
+            <a:avLst/>
+          </a:prstGeom>
+          <a:ln>
+            <a:noFill/>
+          </a:ln>
+          <a:effectLst>
+            <a:outerShdw blurRad="292100" dist="139700" dir="2700000" algn="tl" rotWithShape="0">
+              <a:srgbClr val="333333">
+                <a:alpha val="65000"/>
+              </a:srgbClr>
+            </a:outerShdw>
+          </a:effectLst>
+        </p:spPr>
+      </p:pic>
+      <p:pic>
+        <p:nvPicPr>
+          <p:cNvPr id="1026" name="Picture 2" descr="Google Code Icons - Code Icon Png Clipart (#1385368) - PinClipart"/>
+          <p:cNvPicPr>
+            <a:picLocks noChangeAspect="1" noChangeArrowheads="1"/>
+          </p:cNvPicPr>
+          <p:nvPr/>
+        </p:nvPicPr>
+        <p:blipFill>
+          <a:blip r:embed="rId4" cstate="print">
+            <a:extLst>
+              <a:ext uri="{BEBA8EAE-BF5A-486C-A8C5-ECC9F3942E4B}">
+                <a14:imgProps xmlns:a14="http://schemas.microsoft.com/office/drawing/2010/main">
+                  <a14:imgLayer r:embed="rId5">
+                    <a14:imgEffect>
+                      <a14:backgroundRemoval t="2211" b="96314" l="2500" r="97614">
+                        <a14:foregroundMark x1="23068" y1="48034" x2="23068" y2="48034"/>
+                        <a14:foregroundMark x1="52159" y1="43366" x2="52159" y2="43366"/>
+                        <a14:foregroundMark x1="70114" y1="44595" x2="70114" y2="44595"/>
+                      </a14:backgroundRemoval>
+                    </a14:imgEffect>
+                  </a14:imgLayer>
+                </a14:imgProps>
+              </a:ext>
+              <a:ext uri="{28A0092B-C50C-407E-A947-70E740481C1C}">
+                <a14:useLocalDpi xmlns:a14="http://schemas.microsoft.com/office/drawing/2010/main" val="0"/>
+              </a:ext>
+            </a:extLst>
+          </a:blip>
+          <a:srcRect/>
+          <a:stretch>
+            <a:fillRect/>
+          </a:stretch>
+        </p:blipFill>
+        <p:spPr bwMode="auto">
+          <a:xfrm rot="1185757">
+            <a:off x="3310080" y="4494843"/>
+            <a:ext cx="1727500" cy="1597938"/>
+          </a:xfrm>
+          <a:prstGeom prst="rect">
+            <a:avLst/>
+          </a:prstGeom>
+          <a:ln>
+            <a:noFill/>
+          </a:ln>
+          <a:effectLst>
+            <a:outerShdw blurRad="292100" dist="139700" dir="2700000" algn="tl" rotWithShape="0">
+              <a:srgbClr val="333333">
+                <a:alpha val="65000"/>
+              </a:srgbClr>
+            </a:outerShdw>
+          </a:effectLst>
+          <a:extLst>
+            <a:ext uri="{909E8E84-426E-40DD-AFC4-6F175D3DCCD1}">
+              <a14:hiddenFill xmlns:a14="http://schemas.microsoft.com/office/drawing/2010/main">
+                <a:solidFill>
+                  <a:srgbClr val="FFFFFF"/>
+                </a:solidFill>
+              </a14:hiddenFill>
+            </a:ext>
+          </a:extLst>
+        </p:spPr>
+      </p:pic>
+    </p:spTree>
+    <p:extLst>
+      <p:ext uri="{BB962C8B-B14F-4D97-AF65-F5344CB8AC3E}">
+        <p14:creationId xmlns:p14="http://schemas.microsoft.com/office/powerpoint/2010/main" val="982441980"/>
+      </p:ext>
+    </p:extLst>
+  </p:cSld>
+  <p:clrMapOvr>
+    <a:masterClrMapping/>
+  </p:clrMapOvr>
+  <mc:AlternateContent xmlns:mc="http://schemas.openxmlformats.org/markup-compatibility/2006" xmlns:p14="http://schemas.microsoft.com/office/powerpoint/2010/main">
+    <mc:Choice Requires="p14">
+      <p:transition spd="slow" p14:dur="3000">
+        <p14:shred/>
+      </p:transition>
+    </mc:Choice>
+    <mc:Fallback xmlns="">
+      <p:transition spd="slow">
+        <p:fade/>
+      </p:transition>
+    </mc:Fallback>
+  </mc:AlternateContent>
+  <p:timing>
+    <p:tnLst>
+      <p:par>
+        <p:cTn id="1" dur="indefinite" restart="never" nodeType="tmRoot"/>
+      </p:par>
+    </p:tnLst>
+  </p:timing>
+</p:sld>
+</file>
+
+<file path=ppt/slides/slide20.xml><?xml version="1.0" encoding="utf-8"?>
+<p:sld xmlns:a="http://schemas.openxmlformats.org/drawingml/2006/main" xmlns:r="http://schemas.openxmlformats.org/officeDocument/2006/relationships" xmlns:p="http://schemas.openxmlformats.org/presentationml/2006/main">
+  <p:cSld>
+    <p:spTree>
+      <p:nvGrpSpPr>
+        <p:cNvPr id="1" name=""/>
+        <p:cNvGrpSpPr/>
+        <p:nvPr/>
+      </p:nvGrpSpPr>
+      <p:grpSpPr>
+        <a:xfrm>
+          <a:off x="0" y="0"/>
+          <a:ext cx="0" cy="0"/>
+          <a:chOff x="0" y="0"/>
+          <a:chExt cx="0" cy="0"/>
+        </a:xfrm>
+      </p:grpSpPr>
+      <p:pic>
+        <p:nvPicPr>
+          <p:cNvPr id="4" name="Picture 3"/>
+          <p:cNvPicPr>
+            <a:picLocks noChangeAspect="1"/>
+          </p:cNvPicPr>
+          <p:nvPr/>
+        </p:nvPicPr>
+        <p:blipFill>
+          <a:blip r:embed="rId2" cstate="print">
+            <a:extLst>
+              <a:ext uri="{28A0092B-C50C-407E-A947-70E740481C1C}">
+                <a14:useLocalDpi xmlns:a14="http://schemas.microsoft.com/office/drawing/2010/main" val="0"/>
+              </a:ext>
+            </a:extLst>
+          </a:blip>
+          <a:stretch>
+            <a:fillRect/>
+          </a:stretch>
+        </p:blipFill>
+        <p:spPr>
+          <a:xfrm>
+            <a:off x="-6121861" y="2346960"/>
+            <a:ext cx="4344221" cy="2444438"/>
+          </a:xfrm>
+          <a:prstGeom prst="rect">
+            <a:avLst/>
+          </a:prstGeom>
+        </p:spPr>
+      </p:pic>
+    </p:spTree>
+    <p:extLst>
+      <p:ext uri="{BB962C8B-B14F-4D97-AF65-F5344CB8AC3E}">
+        <p14:creationId xmlns:p14="http://schemas.microsoft.com/office/powerpoint/2010/main" val="2330310720"/>
+      </p:ext>
+    </p:extLst>
+  </p:cSld>
+  <p:clrMapOvr>
+    <a:masterClrMapping/>
+  </p:clrMapOvr>
+  <p:transition>
+    <p:dissolve/>
+  </p:transition>
+  <p:timing>
+    <p:tnLst>
+      <p:par>
+        <p:cTn id="1" dur="indefinite" restart="never" nodeType="tmRoot">
+          <p:childTnLst>
+            <p:seq concurrent="1" nextAc="seek">
+              <p:cTn id="2" dur="indefinite" nodeType="mainSeq">
+                <p:childTnLst>
+                  <p:par>
+                    <p:cTn id="3" fill="hold">
+                      <p:stCondLst>
+                        <p:cond delay="indefinite"/>
+                        <p:cond evt="onBegin" delay="0">
+                          <p:tn val="2"/>
+                        </p:cond>
+                      </p:stCondLst>
+                      <p:childTnLst>
+                        <p:par>
+                          <p:cTn id="4" fill="hold">
+                            <p:stCondLst>
+                              <p:cond delay="0"/>
+                            </p:stCondLst>
+                            <p:childTnLst>
+                              <p:par>
+                                <p:cTn id="5" presetID="63" presetClass="path" presetSubtype="0" accel="50000" decel="50000" fill="hold" nodeType="withEffect">
+                                  <p:stCondLst>
+                                    <p:cond delay="0"/>
+                                  </p:stCondLst>
+                                  <p:childTnLst>
+                                    <p:animMotion origin="layout" path="M -1.66667E-6 -3.7037E-7 L 0.88932 0.00556 " pathEditMode="relative" rAng="0" ptsTypes="AA">
+                                      <p:cBhvr>
+                                        <p:cTn id="6" dur="2000" fill="hold"/>
+                                        <p:tgtEl>
+                                          <p:spTgt spid="4"/>
+                                        </p:tgtEl>
+                                        <p:attrNameLst>
+                                          <p:attrName>ppt_x</p:attrName>
+                                          <p:attrName>ppt_y</p:attrName>
+                                        </p:attrNameLst>
+                                      </p:cBhvr>
+                                      <p:rCtr x="44466" y="278"/>
+                                    </p:animMotion>
+                                  </p:childTnLst>
+                                </p:cTn>
+                              </p:par>
+                              <p:par>
+                                <p:cTn id="7" presetID="10" presetClass="entr" presetSubtype="0" fill="hold" nodeType="withEffect">
+                                  <p:stCondLst>
+                                    <p:cond delay="0"/>
+                                  </p:stCondLst>
+                                  <p:childTnLst>
+                                    <p:set>
+                                      <p:cBhvr>
+                                        <p:cTn id="8" dur="1" fill="hold">
+                                          <p:stCondLst>
+                                            <p:cond delay="0"/>
+                                          </p:stCondLst>
+                                        </p:cTn>
+                                        <p:tgtEl>
+                                          <p:spTgt spid="4"/>
+                                        </p:tgtEl>
+                                        <p:attrNameLst>
+                                          <p:attrName>style.visibility</p:attrName>
+                                        </p:attrNameLst>
+                                      </p:cBhvr>
+                                      <p:to>
+                                        <p:strVal val="visible"/>
+                                      </p:to>
+                                    </p:set>
+                                    <p:animEffect transition="in" filter="fade">
+                                      <p:cBhvr>
+                                        <p:cTn id="9" dur="2000"/>
+                                        <p:tgtEl>
+                                          <p:spTgt spid="4"/>
+                                        </p:tgtEl>
+                                      </p:cBhvr>
+                                    </p:animEffect>
+                                  </p:childTnLst>
+                                </p:cTn>
+                              </p:par>
+                              <p:par>
+                                <p:cTn id="10" presetID="6" presetClass="emph" presetSubtype="0" fill="hold" nodeType="withEffect">
+                                  <p:stCondLst>
+                                    <p:cond delay="0"/>
+                                  </p:stCondLst>
+                                  <p:childTnLst>
+                                    <p:animScale>
+                                      <p:cBhvr>
+                                        <p:cTn id="11" dur="2000" fill="hold"/>
+                                        <p:tgtEl>
+                                          <p:spTgt spid="4"/>
+                                        </p:tgtEl>
+                                      </p:cBhvr>
+                                      <p:by x="150000" y="150000"/>
+                                    </p:animScale>
+                                  </p:childTnLst>
+                                </p:cTn>
+                              </p:par>
+                            </p:childTnLst>
+                          </p:cTn>
+                        </p:par>
+                      </p:childTnLst>
+                    </p:cTn>
+                  </p:par>
+                </p:childTnLst>
+              </p:cTn>
+              <p:prevCondLst>
+                <p:cond evt="onPrev" delay="0">
+                  <p:tgtEl>
+                    <p:sldTgt/>
+                  </p:tgtEl>
+                </p:cond>
+              </p:prevCondLst>
+              <p:nextCondLst>
+                <p:cond evt="onNext" delay="0">
+                  <p:tgtEl>
+                    <p:sldTgt/>
+                  </p:tgtEl>
+                </p:cond>
+              </p:nextCondLst>
+            </p:seq>
+          </p:childTnLst>
+        </p:cTn>
+      </p:par>
+    </p:tnLst>
+  </p:timing>
+</p:sld>
+</file>
+
+<file path=ppt/slides/slide21.xml><?xml version="1.0" encoding="utf-8"?>
+<p:sld xmlns:a="http://schemas.openxmlformats.org/drawingml/2006/main" xmlns:r="http://schemas.openxmlformats.org/officeDocument/2006/relationships" xmlns:p="http://schemas.openxmlformats.org/presentationml/2006/main">
+  <p:cSld>
+    <p:spTree>
+      <p:nvGrpSpPr>
+        <p:cNvPr id="1" name=""/>
+        <p:cNvGrpSpPr/>
+        <p:nvPr/>
+      </p:nvGrpSpPr>
+      <p:grpSpPr>
+        <a:xfrm>
+          <a:off x="0" y="0"/>
+          <a:ext cx="0" cy="0"/>
+          <a:chOff x="0" y="0"/>
+          <a:chExt cx="0" cy="0"/>
+        </a:xfrm>
+      </p:grpSpPr>
+      <p:sp>
+        <p:nvSpPr>
+          <p:cNvPr id="2" name="Title 1"/>
+          <p:cNvSpPr>
+            <a:spLocks noGrp="1"/>
+          </p:cNvSpPr>
+          <p:nvPr>
+            <p:ph type="title"/>
+          </p:nvPr>
+        </p:nvSpPr>
+        <p:spPr/>
+        <p:txBody>
+          <a:bodyPr/>
+          <a:lstStyle/>
+          <a:p>
+            <a:r>
+              <a:rPr lang="bg-BG" dirty="0" smtClean="0"/>
               <a:t>Задачи</a:t>
             </a:r>
             <a:endParaRPr lang="bg-BG" dirty="0"/>
@@ -6108,267 +6689,7 @@
 </p:sld>
 </file>
 
-<file path=ppt/slides/slide2.xml><?xml version="1.0" encoding="utf-8"?>
-<p:sld xmlns:a="http://schemas.openxmlformats.org/drawingml/2006/main" xmlns:r="http://schemas.openxmlformats.org/officeDocument/2006/relationships" xmlns:p="http://schemas.openxmlformats.org/presentationml/2006/main">
-  <p:cSld>
-    <p:spTree>
-      <p:nvGrpSpPr>
-        <p:cNvPr id="1" name=""/>
-        <p:cNvGrpSpPr/>
-        <p:nvPr/>
-      </p:nvGrpSpPr>
-      <p:grpSpPr>
-        <a:xfrm>
-          <a:off x="0" y="0"/>
-          <a:ext cx="0" cy="0"/>
-          <a:chOff x="0" y="0"/>
-          <a:chExt cx="0" cy="0"/>
-        </a:xfrm>
-      </p:grpSpPr>
-      <p:sp>
-        <p:nvSpPr>
-          <p:cNvPr id="2" name="Title 1"/>
-          <p:cNvSpPr>
-            <a:spLocks noGrp="1"/>
-          </p:cNvSpPr>
-          <p:nvPr>
-            <p:ph type="title"/>
-          </p:nvPr>
-        </p:nvSpPr>
-        <p:spPr>
-          <a:xfrm>
-            <a:off x="2314575" y="391004"/>
-            <a:ext cx="10515600" cy="1325563"/>
-          </a:xfrm>
-        </p:spPr>
-        <p:txBody>
-          <a:bodyPr/>
-          <a:lstStyle/>
-          <a:p>
-            <a:r>
-              <a:rPr lang="bg-BG" dirty="0" smtClean="0"/>
-              <a:t>Речник</a:t>
-            </a:r>
-            <a:endParaRPr lang="bg-BG" dirty="0"/>
-          </a:p>
-        </p:txBody>
-      </p:sp>
-      <p:sp>
-        <p:nvSpPr>
-          <p:cNvPr id="3" name="Content Placeholder 2"/>
-          <p:cNvSpPr>
-            <a:spLocks noGrp="1"/>
-          </p:cNvSpPr>
-          <p:nvPr>
-            <p:ph idx="1"/>
-          </p:nvPr>
-        </p:nvSpPr>
-        <p:spPr>
-          <a:xfrm>
-            <a:off x="2324100" y="1851504"/>
-            <a:ext cx="9269802" cy="4351338"/>
-          </a:xfrm>
-        </p:spPr>
-        <p:txBody>
-          <a:bodyPr/>
-          <a:lstStyle/>
-          <a:p>
-            <a:pPr algn="just"/>
-            <a:r>
-              <a:rPr lang="bg-BG" b="1" dirty="0" smtClean="0"/>
-              <a:t>Алгоритъм </a:t>
-            </a:r>
-            <a:r>
-              <a:rPr lang="bg-BG" dirty="0" smtClean="0"/>
-              <a:t>– поредица от стъпки</a:t>
-            </a:r>
-          </a:p>
-          <a:p>
-            <a:pPr algn="just"/>
-            <a:r>
-              <a:rPr lang="bg-BG" b="1" dirty="0" smtClean="0"/>
-              <a:t>Код </a:t>
-            </a:r>
-            <a:r>
-              <a:rPr lang="bg-BG" dirty="0" smtClean="0"/>
-              <a:t>– </a:t>
-            </a:r>
-            <a:r>
-              <a:rPr lang="bg-BG" i="1" dirty="0" smtClean="0"/>
-              <a:t>Алгоритъм</a:t>
-            </a:r>
-            <a:r>
-              <a:rPr lang="bg-BG" dirty="0" smtClean="0"/>
-              <a:t>, записан в текстов файл на език за програмиране</a:t>
-            </a:r>
-            <a:endParaRPr lang="bg-BG" b="1" dirty="0" smtClean="0"/>
-          </a:p>
-          <a:p>
-            <a:pPr algn="just"/>
-            <a:r>
-              <a:rPr lang="bg-BG" b="1" dirty="0" smtClean="0"/>
-              <a:t>Променлива </a:t>
-            </a:r>
-            <a:r>
-              <a:rPr lang="bg-BG" dirty="0" smtClean="0"/>
-              <a:t>– стойност с име</a:t>
-            </a:r>
-            <a:endParaRPr lang="bg-BG" b="1" dirty="0"/>
-          </a:p>
-        </p:txBody>
-      </p:sp>
-      <p:pic>
-        <p:nvPicPr>
-          <p:cNvPr id="4" name="Picture 3"/>
-          <p:cNvPicPr>
-            <a:picLocks noChangeAspect="1"/>
-          </p:cNvPicPr>
-          <p:nvPr/>
-        </p:nvPicPr>
-        <p:blipFill>
-          <a:blip r:embed="rId2" cstate="print">
-            <a:extLst>
-              <a:ext uri="{BEBA8EAE-BF5A-486C-A8C5-ECC9F3942E4B}">
-                <a14:imgProps xmlns:a14="http://schemas.microsoft.com/office/drawing/2010/main">
-                  <a14:imgLayer r:embed="rId3">
-                    <a14:imgEffect>
-                      <a14:backgroundRemoval t="0" b="100000" l="10000" r="90000">
-                        <a14:foregroundMark x1="59277" y1="68605" x2="61325" y2="85271"/>
-                        <a14:foregroundMark x1="64819" y1="62791" x2="67952" y2="81589"/>
-                        <a14:foregroundMark x1="75301" y1="48643" x2="80361" y2="68605"/>
-                        <a14:foregroundMark x1="82048" y1="46899" x2="82892" y2="67248"/>
-                        <a14:foregroundMark x1="84337" y1="45930" x2="85422" y2="50969"/>
-                        <a14:foregroundMark x1="85663" y1="50581" x2="86747" y2="44767"/>
-                      </a14:backgroundRemoval>
-                    </a14:imgEffect>
-                  </a14:imgLayer>
-                </a14:imgProps>
-              </a:ext>
-              <a:ext uri="{28A0092B-C50C-407E-A947-70E740481C1C}">
-                <a14:useLocalDpi xmlns:a14="http://schemas.microsoft.com/office/drawing/2010/main" val="0"/>
-              </a:ext>
-            </a:extLst>
-          </a:blip>
-          <a:stretch>
-            <a:fillRect/>
-          </a:stretch>
-        </p:blipFill>
-        <p:spPr>
-          <a:xfrm rot="1693641">
-            <a:off x="7902746" y="4070841"/>
-            <a:ext cx="3393983" cy="2109994"/>
-          </a:xfrm>
-          <a:prstGeom prst="rect">
-            <a:avLst/>
-          </a:prstGeom>
-          <a:ln>
-            <a:noFill/>
-          </a:ln>
-          <a:effectLst>
-            <a:outerShdw blurRad="292100" dist="139700" dir="2700000" algn="tl" rotWithShape="0">
-              <a:srgbClr val="333333">
-                <a:alpha val="65000"/>
-              </a:srgbClr>
-            </a:outerShdw>
-          </a:effectLst>
-        </p:spPr>
-      </p:pic>
-      <p:pic>
-        <p:nvPicPr>
-          <p:cNvPr id="1026" name="Picture 2" descr="Google Code Icons - Code Icon Png Clipart (#1385368) - PinClipart"/>
-          <p:cNvPicPr>
-            <a:picLocks noChangeAspect="1" noChangeArrowheads="1"/>
-          </p:cNvPicPr>
-          <p:nvPr/>
-        </p:nvPicPr>
-        <p:blipFill>
-          <a:blip r:embed="rId4" cstate="print">
-            <a:extLst>
-              <a:ext uri="{BEBA8EAE-BF5A-486C-A8C5-ECC9F3942E4B}">
-                <a14:imgProps xmlns:a14="http://schemas.microsoft.com/office/drawing/2010/main">
-                  <a14:imgLayer r:embed="rId5">
-                    <a14:imgEffect>
-                      <a14:backgroundRemoval t="2211" b="96314" l="2500" r="97614">
-                        <a14:foregroundMark x1="23068" y1="48034" x2="23068" y2="48034"/>
-                        <a14:foregroundMark x1="52159" y1="43366" x2="52159" y2="43366"/>
-                        <a14:foregroundMark x1="70114" y1="44595" x2="70114" y2="44595"/>
-                      </a14:backgroundRemoval>
-                    </a14:imgEffect>
-                  </a14:imgLayer>
-                </a14:imgProps>
-              </a:ext>
-              <a:ext uri="{28A0092B-C50C-407E-A947-70E740481C1C}">
-                <a14:useLocalDpi xmlns:a14="http://schemas.microsoft.com/office/drawing/2010/main" val="0"/>
-              </a:ext>
-            </a:extLst>
-          </a:blip>
-          <a:srcRect/>
-          <a:stretch>
-            <a:fillRect/>
-          </a:stretch>
-        </p:blipFill>
-        <p:spPr bwMode="auto">
-          <a:xfrm rot="1185757">
-            <a:off x="3310080" y="4494843"/>
-            <a:ext cx="1727500" cy="1597938"/>
-          </a:xfrm>
-          <a:prstGeom prst="rect">
-            <a:avLst/>
-          </a:prstGeom>
-          <a:ln>
-            <a:noFill/>
-          </a:ln>
-          <a:effectLst>
-            <a:outerShdw blurRad="292100" dist="139700" dir="2700000" algn="tl" rotWithShape="0">
-              <a:srgbClr val="333333">
-                <a:alpha val="65000"/>
-              </a:srgbClr>
-            </a:outerShdw>
-          </a:effectLst>
-          <a:extLst>
-            <a:ext uri="{909E8E84-426E-40DD-AFC4-6F175D3DCCD1}">
-              <a14:hiddenFill xmlns:a14="http://schemas.microsoft.com/office/drawing/2010/main">
-                <a:solidFill>
-                  <a:srgbClr val="FFFFFF"/>
-                </a:solidFill>
-              </a14:hiddenFill>
-            </a:ext>
-          </a:extLst>
-        </p:spPr>
-      </p:pic>
-    </p:spTree>
-    <p:extLst>
-      <p:ext uri="{BB962C8B-B14F-4D97-AF65-F5344CB8AC3E}">
-        <p14:creationId xmlns:p14="http://schemas.microsoft.com/office/powerpoint/2010/main" val="982441980"/>
-      </p:ext>
-    </p:extLst>
-  </p:cSld>
-  <p:clrMapOvr>
-    <a:masterClrMapping/>
-  </p:clrMapOvr>
-  <mc:AlternateContent xmlns:mc="http://schemas.openxmlformats.org/markup-compatibility/2006" xmlns:p14="http://schemas.microsoft.com/office/powerpoint/2010/main">
-    <mc:Choice Requires="p14">
-      <p:transition spd="slow" p14:dur="3000">
-        <p14:shred/>
-      </p:transition>
-    </mc:Choice>
-    <mc:Fallback xmlns="">
-      <p:transition spd="slow">
-        <p:fade/>
-      </p:transition>
-    </mc:Fallback>
-  </mc:AlternateContent>
-  <p:timing>
-    <p:tnLst>
-      <p:par>
-        <p:cTn id="1" dur="indefinite" restart="never" nodeType="tmRoot"/>
-      </p:par>
-    </p:tnLst>
-  </p:timing>
-</p:sld>
-</file>
-
-<file path=ppt/slides/slide20.xml><?xml version="1.0" encoding="utf-8"?>
+<file path=ppt/slides/slide22.xml><?xml version="1.0" encoding="utf-8"?>
 <p:sld xmlns:a="http://schemas.openxmlformats.org/drawingml/2006/main" xmlns:r="http://schemas.openxmlformats.org/officeDocument/2006/relationships" xmlns:p="http://schemas.openxmlformats.org/presentationml/2006/main">
   <p:cSld>
     <p:spTree>
@@ -6540,7 +6861,7 @@
 </p:sld>
 </file>
 
-<file path=ppt/slides/slide21.xml><?xml version="1.0" encoding="utf-8"?>
+<file path=ppt/slides/slide23.xml><?xml version="1.0" encoding="utf-8"?>
 <p:sld xmlns:a="http://schemas.openxmlformats.org/drawingml/2006/main" xmlns:r="http://schemas.openxmlformats.org/officeDocument/2006/relationships" xmlns:p="http://schemas.openxmlformats.org/presentationml/2006/main">
   <p:cSld>
     <p:spTree>
@@ -6723,7 +7044,7 @@
 </p:sld>
 </file>
 
-<file path=ppt/slides/slide22.xml><?xml version="1.0" encoding="utf-8"?>
+<file path=ppt/slides/slide24.xml><?xml version="1.0" encoding="utf-8"?>
 <p:sld xmlns:a="http://schemas.openxmlformats.org/drawingml/2006/main" xmlns:r="http://schemas.openxmlformats.org/officeDocument/2006/relationships" xmlns:p="http://schemas.openxmlformats.org/presentationml/2006/main">
   <p:cSld>
     <p:spTree>
@@ -8596,48 +8917,40 @@
           <a:chExt cx="0" cy="0"/>
         </a:xfrm>
       </p:grpSpPr>
-      <p:sp>
-        <p:nvSpPr>
-          <p:cNvPr id="2" name="Title 1"/>
-          <p:cNvSpPr>
-            <a:spLocks noGrp="1"/>
-          </p:cNvSpPr>
-          <p:nvPr>
-            <p:ph type="title"/>
-          </p:nvPr>
-        </p:nvSpPr>
-        <p:spPr/>
-        <p:txBody>
-          <a:bodyPr/>
-          <a:lstStyle/>
-          <a:p>
-            <a:endParaRPr lang="bg-BG"/>
-          </a:p>
-        </p:txBody>
-      </p:sp>
-      <p:sp>
-        <p:nvSpPr>
-          <p:cNvPr id="3" name="Content Placeholder 2"/>
-          <p:cNvSpPr>
-            <a:spLocks noGrp="1"/>
-          </p:cNvSpPr>
-          <p:nvPr>
-            <p:ph idx="1"/>
-          </p:nvPr>
-        </p:nvSpPr>
-        <p:spPr/>
-        <p:txBody>
-          <a:bodyPr/>
-          <a:lstStyle/>
-          <a:p>
-            <a:endParaRPr lang="bg-BG"/>
-          </a:p>
-        </p:txBody>
-      </p:sp>
+      <p:pic>
+        <p:nvPicPr>
+          <p:cNvPr id="4" name="Picture 3"/>
+          <p:cNvPicPr>
+            <a:picLocks noChangeAspect="1"/>
+          </p:cNvPicPr>
+          <p:nvPr/>
+        </p:nvPicPr>
+        <p:blipFill>
+          <a:blip r:embed="rId2" cstate="print">
+            <a:extLst>
+              <a:ext uri="{28A0092B-C50C-407E-A947-70E740481C1C}">
+                <a14:useLocalDpi xmlns:a14="http://schemas.microsoft.com/office/drawing/2010/main" val="0"/>
+              </a:ext>
+            </a:extLst>
+          </a:blip>
+          <a:stretch>
+            <a:fillRect/>
+          </a:stretch>
+        </p:blipFill>
+        <p:spPr>
+          <a:xfrm>
+            <a:off x="-6121861" y="2346960"/>
+            <a:ext cx="4344221" cy="2444438"/>
+          </a:xfrm>
+          <a:prstGeom prst="rect">
+            <a:avLst/>
+          </a:prstGeom>
+        </p:spPr>
+      </p:pic>
     </p:spTree>
     <p:extLst>
       <p:ext uri="{BB962C8B-B14F-4D97-AF65-F5344CB8AC3E}">
-        <p14:creationId xmlns:p14="http://schemas.microsoft.com/office/powerpoint/2010/main" val="1417152483"/>
+        <p14:creationId xmlns:p14="http://schemas.microsoft.com/office/powerpoint/2010/main" val="2704426415"/>
       </p:ext>
     </p:extLst>
   </p:cSld>
@@ -8650,7 +8963,126 @@
   <p:timing>
     <p:tnLst>
       <p:par>
-        <p:cTn id="1" dur="indefinite" restart="never" nodeType="tmRoot"/>
+        <p:cTn id="1" dur="indefinite" restart="never" nodeType="tmRoot">
+          <p:childTnLst>
+            <p:seq concurrent="1" nextAc="seek">
+              <p:cTn id="2" dur="indefinite" nodeType="mainSeq">
+                <p:childTnLst>
+                  <p:par>
+                    <p:cTn id="3" fill="hold">
+                      <p:stCondLst>
+                        <p:cond delay="indefinite"/>
+                        <p:cond evt="onBegin" delay="0">
+                          <p:tn val="2"/>
+                        </p:cond>
+                      </p:stCondLst>
+                      <p:childTnLst>
+                        <p:par>
+                          <p:cTn id="4" fill="hold">
+                            <p:stCondLst>
+                              <p:cond delay="0"/>
+                            </p:stCondLst>
+                            <p:childTnLst>
+                              <p:par>
+                                <p:cTn id="5" presetID="63" presetClass="path" presetSubtype="0" accel="50000" decel="50000" fill="hold" nodeType="withEffect">
+                                  <p:stCondLst>
+                                    <p:cond delay="0"/>
+                                  </p:stCondLst>
+                                  <p:childTnLst>
+                                    <p:animMotion origin="layout" path="M -1.66667E-6 -3.7037E-7 L 0.88932 0.00556 " pathEditMode="relative" rAng="0" ptsTypes="AA">
+                                      <p:cBhvr>
+                                        <p:cTn id="6" dur="2000" fill="hold"/>
+                                        <p:tgtEl>
+                                          <p:spTgt spid="4"/>
+                                        </p:tgtEl>
+                                        <p:attrNameLst>
+                                          <p:attrName>ppt_x</p:attrName>
+                                          <p:attrName>ppt_y</p:attrName>
+                                        </p:attrNameLst>
+                                      </p:cBhvr>
+                                      <p:rCtr x="44466" y="278"/>
+                                    </p:animMotion>
+                                  </p:childTnLst>
+                                </p:cTn>
+                              </p:par>
+                              <p:par>
+                                <p:cTn id="7" presetID="10" presetClass="entr" presetSubtype="0" fill="hold" nodeType="withEffect">
+                                  <p:stCondLst>
+                                    <p:cond delay="0"/>
+                                  </p:stCondLst>
+                                  <p:childTnLst>
+                                    <p:set>
+                                      <p:cBhvr>
+                                        <p:cTn id="8" dur="1" fill="hold">
+                                          <p:stCondLst>
+                                            <p:cond delay="0"/>
+                                          </p:stCondLst>
+                                        </p:cTn>
+                                        <p:tgtEl>
+                                          <p:spTgt spid="4"/>
+                                        </p:tgtEl>
+                                        <p:attrNameLst>
+                                          <p:attrName>style.visibility</p:attrName>
+                                        </p:attrNameLst>
+                                      </p:cBhvr>
+                                      <p:to>
+                                        <p:strVal val="visible"/>
+                                      </p:to>
+                                    </p:set>
+                                    <p:animEffect transition="in" filter="fade">
+                                      <p:cBhvr>
+                                        <p:cTn id="9" dur="2000"/>
+                                        <p:tgtEl>
+                                          <p:spTgt spid="4"/>
+                                        </p:tgtEl>
+                                      </p:cBhvr>
+                                    </p:animEffect>
+                                  </p:childTnLst>
+                                </p:cTn>
+                              </p:par>
+                              <p:par>
+                                <p:cTn id="10" presetID="6" presetClass="emph" presetSubtype="0" fill="hold" nodeType="withEffect">
+                                  <p:stCondLst>
+                                    <p:cond delay="0"/>
+                                  </p:stCondLst>
+                                  <p:childTnLst>
+                                    <p:animScale>
+                                      <p:cBhvr>
+                                        <p:cTn id="11" dur="2000" fill="hold"/>
+                                        <p:tgtEl>
+                                          <p:spTgt spid="4"/>
+                                        </p:tgtEl>
+                                      </p:cBhvr>
+                                      <p:by x="150000" y="150000"/>
+                                    </p:animScale>
+                                  </p:childTnLst>
+                                </p:cTn>
+                              </p:par>
+                            </p:childTnLst>
+                          </p:cTn>
+                        </p:par>
+                      </p:childTnLst>
+                    </p:cTn>
+                  </p:par>
+                </p:childTnLst>
+              </p:cTn>
+              <p:prevCondLst>
+                <p:cond evt="onPrev" delay="0">
+                  <p:tgtEl>
+                    <p:sldTgt/>
+                  </p:tgtEl>
+                </p:cond>
+              </p:prevCondLst>
+              <p:nextCondLst>
+                <p:cond evt="onNext" delay="0">
+                  <p:tgtEl>
+                    <p:sldTgt/>
+                  </p:tgtEl>
+                </p:cond>
+              </p:nextCondLst>
+            </p:seq>
+          </p:childTnLst>
+        </p:cTn>
       </p:par>
     </p:tnLst>
   </p:timing>
@@ -8849,6 +9281,15 @@
               </a:rPr>
               <a:t>){</a:t>
             </a:r>
+          </a:p>
+          <a:p>
+            <a:r>
+              <a:rPr lang="en-US" sz="2400" dirty="0" smtClean="0">
+                <a:latin typeface="Courier New" panose="02070309020205020404" pitchFamily="49" charset="0"/>
+                <a:cs typeface="Courier New" panose="02070309020205020404" pitchFamily="49" charset="0"/>
+              </a:rPr>
+              <a:t>	…</a:t>
+            </a:r>
             <a:endParaRPr lang="en-US" sz="2400" dirty="0" smtClean="0">
               <a:solidFill>
                 <a:srgbClr val="FF0000"/>
@@ -8860,29 +9301,6 @@
           <a:p>
             <a:r>
               <a:rPr lang="en-US" sz="2400" dirty="0" smtClean="0">
-                <a:latin typeface="Courier New" panose="02070309020205020404" pitchFamily="49" charset="0"/>
-                <a:cs typeface="Courier New" panose="02070309020205020404" pitchFamily="49" charset="0"/>
-              </a:rPr>
-              <a:t>	</a:t>
-            </a:r>
-            <a:r>
-              <a:rPr lang="en-US" sz="2400" dirty="0" smtClean="0">
-                <a:latin typeface="Courier New" panose="02070309020205020404" pitchFamily="49" charset="0"/>
-                <a:cs typeface="Courier New" panose="02070309020205020404" pitchFamily="49" charset="0"/>
-              </a:rPr>
-              <a:t>…</a:t>
-            </a:r>
-            <a:endParaRPr lang="en-US" sz="2400" dirty="0" smtClean="0">
-              <a:solidFill>
-                <a:srgbClr val="FF0000"/>
-              </a:solidFill>
-              <a:latin typeface="Courier New" panose="02070309020205020404" pitchFamily="49" charset="0"/>
-              <a:cs typeface="Courier New" panose="02070309020205020404" pitchFamily="49" charset="0"/>
-            </a:endParaRPr>
-          </a:p>
-          <a:p>
-            <a:r>
-              <a:rPr lang="en-US" sz="2400" dirty="0" smtClean="0">
                 <a:solidFill>
                   <a:srgbClr val="FF0000"/>
                 </a:solidFill>
@@ -9024,14 +9442,7 @@
                 <a:latin typeface="Courier New" panose="02070309020205020404" pitchFamily="49" charset="0"/>
                 <a:cs typeface="Courier New" panose="02070309020205020404" pitchFamily="49" charset="0"/>
               </a:rPr>
-              <a:t>	</a:t>
-            </a:r>
-            <a:r>
-              <a:rPr lang="en-US" sz="2400" dirty="0" smtClean="0">
-                <a:latin typeface="Courier New" panose="02070309020205020404" pitchFamily="49" charset="0"/>
-                <a:cs typeface="Courier New" panose="02070309020205020404" pitchFamily="49" charset="0"/>
-              </a:rPr>
-              <a:t>method</a:t>
+              <a:t>	method</a:t>
             </a:r>
             <a:r>
               <a:rPr lang="en-US" sz="2400" dirty="0" smtClean="0">
@@ -9420,7 +9831,7 @@
   <a:extraClrSchemeLst/>
   <a:extLst>
     <a:ext uri="{05A4C25C-085E-4340-85A3-A5531E510DB2}">
-      <thm15:themeFamily xmlns:thm15="http://schemas.microsoft.com/office/thememl/2012/main" xmlns="" name="Office Theme" id="{62F939B6-93AF-4DB8-9C6B-D6C7DFDC589F}" vid="{4A3C46E8-61CC-4603-A589-7422A47A8E4A}"/>
+      <thm15:themeFamily xmlns:thm15="http://schemas.microsoft.com/office/thememl/2012/main" name="Office Theme" id="{62F939B6-93AF-4DB8-9C6B-D6C7DFDC589F}" vid="{4A3C46E8-61CC-4603-A589-7422A47A8E4A}"/>
     </a:ext>
   </a:extLst>
 </a:theme>
